--- a/presentation/MilknBread.pptx
+++ b/presentation/MilknBread.pptx
@@ -114,6 +114,11 @@
       </a:defRPr>
     </a:lvl9pPr>
   </p:defaultTextStyle>
+  <p:extLst>
+    <p:ext uri="{EFAFB233-063F-42B5-8137-9DF3F51BA10A}">
+      <p15:sldGuideLst xmlns:p15="http://schemas.microsoft.com/office/powerpoint/2012/main"/>
+    </p:ext>
+  </p:extLst>
 </p:presentation>
 </file>
 
@@ -2986,7 +2991,7 @@
         </p:nvSpPr>
         <p:spPr>
           <a:xfrm>
-            <a:off x="1717183" y="2086379"/>
+            <a:off x="1717183" y="1709494"/>
             <a:ext cx="9144000" cy="1024340"/>
           </a:xfrm>
         </p:spPr>
@@ -3014,57 +3019,49 @@
         </p:nvSpPr>
         <p:spPr>
           <a:xfrm>
-            <a:off x="7482625" y="3395975"/>
-            <a:ext cx="3378558" cy="2618458"/>
+            <a:off x="6293053" y="4114459"/>
+            <a:ext cx="2378835" cy="1738420"/>
           </a:xfrm>
         </p:spPr>
         <p:txBody>
           <a:bodyPr>
-            <a:normAutofit fontScale="92500" lnSpcReduction="20000"/>
+            <a:normAutofit lnSpcReduction="10000"/>
           </a:bodyPr>
           <a:lstStyle/>
           <a:p>
             <a:r>
+              <a:rPr lang="lv-LV" dirty="0"/>
+              <a:t>Jānis Lazda</a:t>
+            </a:r>
+          </a:p>
+          <a:p>
+            <a:r>
+              <a:rPr lang="lv-LV" dirty="0"/>
+              <a:t>Lauris </a:t>
+            </a:r>
+            <a:r>
               <a:rPr lang="lv-LV" dirty="0" smtClean="0"/>
-              <a:t>Mārtiņš Klevs</a:t>
-            </a:r>
+              <a:t>Lazda</a:t>
+            </a:r>
+            <a:endParaRPr lang="lv-LV" dirty="0" smtClean="0"/>
           </a:p>
           <a:p>
             <a:r>
               <a:rPr lang="lv-LV" dirty="0" smtClean="0"/>
-              <a:t>Guntars Bērziņš</a:t>
-            </a:r>
+              <a:t>Ernests Auziņš</a:t>
+            </a:r>
+            <a:endParaRPr lang="lv-LV" dirty="0" smtClean="0"/>
           </a:p>
           <a:p>
             <a:r>
               <a:rPr lang="lv-LV" dirty="0" smtClean="0"/>
-              <a:t>Roberts Stašķevičs</a:t>
-            </a:r>
-          </a:p>
-          <a:p>
+              <a:t>Jēkabs </a:t>
+            </a:r>
             <a:r>
               <a:rPr lang="lv-LV" dirty="0" smtClean="0"/>
-              <a:t>Ernests Auzins</a:t>
-            </a:r>
-          </a:p>
-          <a:p>
-            <a:r>
-              <a:rPr lang="lv-LV" dirty="0" smtClean="0"/>
-              <a:t>Jēkabs Aizpurvs</a:t>
-            </a:r>
-          </a:p>
-          <a:p>
-            <a:r>
-              <a:rPr lang="lv-LV" dirty="0" smtClean="0"/>
-              <a:t>Jānis Lazda</a:t>
-            </a:r>
-          </a:p>
-          <a:p>
-            <a:r>
-              <a:rPr lang="lv-LV" dirty="0" smtClean="0"/>
-              <a:t>Lauris Lazda</a:t>
-            </a:r>
-            <a:endParaRPr lang="en-US" dirty="0"/>
+              <a:t>Aizpurvs</a:t>
+            </a:r>
+            <a:endParaRPr lang="lv-LV" dirty="0" smtClean="0"/>
           </a:p>
         </p:txBody>
       </p:sp>
@@ -3090,7 +3087,7 @@
         </p:blipFill>
         <p:spPr>
           <a:xfrm>
-            <a:off x="2422301" y="1739119"/>
+            <a:off x="2460938" y="1510633"/>
             <a:ext cx="1371600" cy="1371600"/>
           </a:xfrm>
           <a:prstGeom prst="rect">
@@ -3120,7 +3117,7 @@
         </p:blipFill>
         <p:spPr>
           <a:xfrm>
-            <a:off x="8671888" y="1282148"/>
+            <a:off x="8671888" y="1053662"/>
             <a:ext cx="1828571" cy="1828571"/>
           </a:xfrm>
           <a:prstGeom prst="rect">
@@ -3128,6 +3125,410 @@
           </a:prstGeom>
         </p:spPr>
       </p:pic>
+      <p:sp>
+        <p:nvSpPr>
+          <p:cNvPr id="6" name="Subtitle 2"/>
+          <p:cNvSpPr txBox="1">
+            <a:spLocks/>
+          </p:cNvSpPr>
+          <p:nvPr/>
+        </p:nvSpPr>
+        <p:spPr>
+          <a:xfrm>
+            <a:off x="3646330" y="4114459"/>
+            <a:ext cx="2642852" cy="1352509"/>
+          </a:xfrm>
+          <a:prstGeom prst="rect">
+            <a:avLst/>
+          </a:prstGeom>
+        </p:spPr>
+        <p:txBody>
+          <a:bodyPr vert="horz" lIns="91440" tIns="45720" rIns="91440" bIns="45720" rtlCol="0">
+            <a:normAutofit/>
+          </a:bodyPr>
+          <a:lstStyle>
+            <a:lvl1pPr marL="0" indent="0" algn="ctr" defTabSz="914400" rtl="0" eaLnBrk="1" latinLnBrk="0" hangingPunct="1">
+              <a:lnSpc>
+                <a:spcPct val="90000"/>
+              </a:lnSpc>
+              <a:spcBef>
+                <a:spcPts val="1000"/>
+              </a:spcBef>
+              <a:buFont typeface="Arial" panose="020B0604020202020204" pitchFamily="34" charset="0"/>
+              <a:buNone/>
+              <a:defRPr sz="2400" kern="1200">
+                <a:solidFill>
+                  <a:schemeClr val="tx1"/>
+                </a:solidFill>
+                <a:latin typeface="+mn-lt"/>
+                <a:ea typeface="+mn-ea"/>
+                <a:cs typeface="+mn-cs"/>
+              </a:defRPr>
+            </a:lvl1pPr>
+            <a:lvl2pPr marL="457200" indent="0" algn="ctr" defTabSz="914400" rtl="0" eaLnBrk="1" latinLnBrk="0" hangingPunct="1">
+              <a:lnSpc>
+                <a:spcPct val="90000"/>
+              </a:lnSpc>
+              <a:spcBef>
+                <a:spcPts val="500"/>
+              </a:spcBef>
+              <a:buFont typeface="Arial" panose="020B0604020202020204" pitchFamily="34" charset="0"/>
+              <a:buNone/>
+              <a:defRPr sz="2000" kern="1200">
+                <a:solidFill>
+                  <a:schemeClr val="tx1"/>
+                </a:solidFill>
+                <a:latin typeface="+mn-lt"/>
+                <a:ea typeface="+mn-ea"/>
+                <a:cs typeface="+mn-cs"/>
+              </a:defRPr>
+            </a:lvl2pPr>
+            <a:lvl3pPr marL="914400" indent="0" algn="ctr" defTabSz="914400" rtl="0" eaLnBrk="1" latinLnBrk="0" hangingPunct="1">
+              <a:lnSpc>
+                <a:spcPct val="90000"/>
+              </a:lnSpc>
+              <a:spcBef>
+                <a:spcPts val="500"/>
+              </a:spcBef>
+              <a:buFont typeface="Arial" panose="020B0604020202020204" pitchFamily="34" charset="0"/>
+              <a:buNone/>
+              <a:defRPr sz="1800" kern="1200">
+                <a:solidFill>
+                  <a:schemeClr val="tx1"/>
+                </a:solidFill>
+                <a:latin typeface="+mn-lt"/>
+                <a:ea typeface="+mn-ea"/>
+                <a:cs typeface="+mn-cs"/>
+              </a:defRPr>
+            </a:lvl3pPr>
+            <a:lvl4pPr marL="1371600" indent="0" algn="ctr" defTabSz="914400" rtl="0" eaLnBrk="1" latinLnBrk="0" hangingPunct="1">
+              <a:lnSpc>
+                <a:spcPct val="90000"/>
+              </a:lnSpc>
+              <a:spcBef>
+                <a:spcPts val="500"/>
+              </a:spcBef>
+              <a:buFont typeface="Arial" panose="020B0604020202020204" pitchFamily="34" charset="0"/>
+              <a:buNone/>
+              <a:defRPr sz="1600" kern="1200">
+                <a:solidFill>
+                  <a:schemeClr val="tx1"/>
+                </a:solidFill>
+                <a:latin typeface="+mn-lt"/>
+                <a:ea typeface="+mn-ea"/>
+                <a:cs typeface="+mn-cs"/>
+              </a:defRPr>
+            </a:lvl4pPr>
+            <a:lvl5pPr marL="1828800" indent="0" algn="ctr" defTabSz="914400" rtl="0" eaLnBrk="1" latinLnBrk="0" hangingPunct="1">
+              <a:lnSpc>
+                <a:spcPct val="90000"/>
+              </a:lnSpc>
+              <a:spcBef>
+                <a:spcPts val="500"/>
+              </a:spcBef>
+              <a:buFont typeface="Arial" panose="020B0604020202020204" pitchFamily="34" charset="0"/>
+              <a:buNone/>
+              <a:defRPr sz="1600" kern="1200">
+                <a:solidFill>
+                  <a:schemeClr val="tx1"/>
+                </a:solidFill>
+                <a:latin typeface="+mn-lt"/>
+                <a:ea typeface="+mn-ea"/>
+                <a:cs typeface="+mn-cs"/>
+              </a:defRPr>
+            </a:lvl5pPr>
+            <a:lvl6pPr marL="2286000" indent="0" algn="ctr" defTabSz="914400" rtl="0" eaLnBrk="1" latinLnBrk="0" hangingPunct="1">
+              <a:lnSpc>
+                <a:spcPct val="90000"/>
+              </a:lnSpc>
+              <a:spcBef>
+                <a:spcPts val="500"/>
+              </a:spcBef>
+              <a:buFont typeface="Arial" panose="020B0604020202020204" pitchFamily="34" charset="0"/>
+              <a:buNone/>
+              <a:defRPr sz="1600" kern="1200">
+                <a:solidFill>
+                  <a:schemeClr val="tx1"/>
+                </a:solidFill>
+                <a:latin typeface="+mn-lt"/>
+                <a:ea typeface="+mn-ea"/>
+                <a:cs typeface="+mn-cs"/>
+              </a:defRPr>
+            </a:lvl6pPr>
+            <a:lvl7pPr marL="2743200" indent="0" algn="ctr" defTabSz="914400" rtl="0" eaLnBrk="1" latinLnBrk="0" hangingPunct="1">
+              <a:lnSpc>
+                <a:spcPct val="90000"/>
+              </a:lnSpc>
+              <a:spcBef>
+                <a:spcPts val="500"/>
+              </a:spcBef>
+              <a:buFont typeface="Arial" panose="020B0604020202020204" pitchFamily="34" charset="0"/>
+              <a:buNone/>
+              <a:defRPr sz="1600" kern="1200">
+                <a:solidFill>
+                  <a:schemeClr val="tx1"/>
+                </a:solidFill>
+                <a:latin typeface="+mn-lt"/>
+                <a:ea typeface="+mn-ea"/>
+                <a:cs typeface="+mn-cs"/>
+              </a:defRPr>
+            </a:lvl7pPr>
+            <a:lvl8pPr marL="3200400" indent="0" algn="ctr" defTabSz="914400" rtl="0" eaLnBrk="1" latinLnBrk="0" hangingPunct="1">
+              <a:lnSpc>
+                <a:spcPct val="90000"/>
+              </a:lnSpc>
+              <a:spcBef>
+                <a:spcPts val="500"/>
+              </a:spcBef>
+              <a:buFont typeface="Arial" panose="020B0604020202020204" pitchFamily="34" charset="0"/>
+              <a:buNone/>
+              <a:defRPr sz="1600" kern="1200">
+                <a:solidFill>
+                  <a:schemeClr val="tx1"/>
+                </a:solidFill>
+                <a:latin typeface="+mn-lt"/>
+                <a:ea typeface="+mn-ea"/>
+                <a:cs typeface="+mn-cs"/>
+              </a:defRPr>
+            </a:lvl8pPr>
+            <a:lvl9pPr marL="3657600" indent="0" algn="ctr" defTabSz="914400" rtl="0" eaLnBrk="1" latinLnBrk="0" hangingPunct="1">
+              <a:lnSpc>
+                <a:spcPct val="90000"/>
+              </a:lnSpc>
+              <a:spcBef>
+                <a:spcPts val="500"/>
+              </a:spcBef>
+              <a:buFont typeface="Arial" panose="020B0604020202020204" pitchFamily="34" charset="0"/>
+              <a:buNone/>
+              <a:defRPr sz="1600" kern="1200">
+                <a:solidFill>
+                  <a:schemeClr val="tx1"/>
+                </a:solidFill>
+                <a:latin typeface="+mn-lt"/>
+                <a:ea typeface="+mn-ea"/>
+                <a:cs typeface="+mn-cs"/>
+              </a:defRPr>
+            </a:lvl9pPr>
+          </a:lstStyle>
+          <a:p>
+            <a:r>
+              <a:rPr lang="lv-LV" dirty="0" smtClean="0"/>
+              <a:t>Mārtiņš Klevs</a:t>
+            </a:r>
+          </a:p>
+          <a:p>
+            <a:r>
+              <a:rPr lang="lv-LV" dirty="0" smtClean="0"/>
+              <a:t>Guntars Bērziņš</a:t>
+            </a:r>
+          </a:p>
+          <a:p>
+            <a:r>
+              <a:rPr lang="lv-LV" dirty="0" smtClean="0"/>
+              <a:t>Roberts Stašķevičs</a:t>
+            </a:r>
+          </a:p>
+        </p:txBody>
+      </p:sp>
+      <p:sp>
+        <p:nvSpPr>
+          <p:cNvPr id="7" name="Subtitle 2"/>
+          <p:cNvSpPr txBox="1">
+            <a:spLocks/>
+          </p:cNvSpPr>
+          <p:nvPr/>
+        </p:nvSpPr>
+        <p:spPr>
+          <a:xfrm>
+            <a:off x="5152085" y="3165928"/>
+            <a:ext cx="2274195" cy="824476"/>
+          </a:xfrm>
+          <a:prstGeom prst="rect">
+            <a:avLst/>
+          </a:prstGeom>
+        </p:spPr>
+        <p:txBody>
+          <a:bodyPr vert="horz" lIns="91440" tIns="45720" rIns="91440" bIns="45720" rtlCol="0">
+            <a:normAutofit lnSpcReduction="10000"/>
+          </a:bodyPr>
+          <a:lstStyle>
+            <a:lvl1pPr marL="0" indent="0" algn="ctr" defTabSz="914400" rtl="0" eaLnBrk="1" latinLnBrk="0" hangingPunct="1">
+              <a:lnSpc>
+                <a:spcPct val="90000"/>
+              </a:lnSpc>
+              <a:spcBef>
+                <a:spcPts val="1000"/>
+              </a:spcBef>
+              <a:buFont typeface="Arial" panose="020B0604020202020204" pitchFamily="34" charset="0"/>
+              <a:buNone/>
+              <a:defRPr sz="2400" kern="1200">
+                <a:solidFill>
+                  <a:schemeClr val="tx1"/>
+                </a:solidFill>
+                <a:latin typeface="+mn-lt"/>
+                <a:ea typeface="+mn-ea"/>
+                <a:cs typeface="+mn-cs"/>
+              </a:defRPr>
+            </a:lvl1pPr>
+            <a:lvl2pPr marL="457200" indent="0" algn="ctr" defTabSz="914400" rtl="0" eaLnBrk="1" latinLnBrk="0" hangingPunct="1">
+              <a:lnSpc>
+                <a:spcPct val="90000"/>
+              </a:lnSpc>
+              <a:spcBef>
+                <a:spcPts val="500"/>
+              </a:spcBef>
+              <a:buFont typeface="Arial" panose="020B0604020202020204" pitchFamily="34" charset="0"/>
+              <a:buNone/>
+              <a:defRPr sz="2000" kern="1200">
+                <a:solidFill>
+                  <a:schemeClr val="tx1"/>
+                </a:solidFill>
+                <a:latin typeface="+mn-lt"/>
+                <a:ea typeface="+mn-ea"/>
+                <a:cs typeface="+mn-cs"/>
+              </a:defRPr>
+            </a:lvl2pPr>
+            <a:lvl3pPr marL="914400" indent="0" algn="ctr" defTabSz="914400" rtl="0" eaLnBrk="1" latinLnBrk="0" hangingPunct="1">
+              <a:lnSpc>
+                <a:spcPct val="90000"/>
+              </a:lnSpc>
+              <a:spcBef>
+                <a:spcPts val="500"/>
+              </a:spcBef>
+              <a:buFont typeface="Arial" panose="020B0604020202020204" pitchFamily="34" charset="0"/>
+              <a:buNone/>
+              <a:defRPr sz="1800" kern="1200">
+                <a:solidFill>
+                  <a:schemeClr val="tx1"/>
+                </a:solidFill>
+                <a:latin typeface="+mn-lt"/>
+                <a:ea typeface="+mn-ea"/>
+                <a:cs typeface="+mn-cs"/>
+              </a:defRPr>
+            </a:lvl3pPr>
+            <a:lvl4pPr marL="1371600" indent="0" algn="ctr" defTabSz="914400" rtl="0" eaLnBrk="1" latinLnBrk="0" hangingPunct="1">
+              <a:lnSpc>
+                <a:spcPct val="90000"/>
+              </a:lnSpc>
+              <a:spcBef>
+                <a:spcPts val="500"/>
+              </a:spcBef>
+              <a:buFont typeface="Arial" panose="020B0604020202020204" pitchFamily="34" charset="0"/>
+              <a:buNone/>
+              <a:defRPr sz="1600" kern="1200">
+                <a:solidFill>
+                  <a:schemeClr val="tx1"/>
+                </a:solidFill>
+                <a:latin typeface="+mn-lt"/>
+                <a:ea typeface="+mn-ea"/>
+                <a:cs typeface="+mn-cs"/>
+              </a:defRPr>
+            </a:lvl4pPr>
+            <a:lvl5pPr marL="1828800" indent="0" algn="ctr" defTabSz="914400" rtl="0" eaLnBrk="1" latinLnBrk="0" hangingPunct="1">
+              <a:lnSpc>
+                <a:spcPct val="90000"/>
+              </a:lnSpc>
+              <a:spcBef>
+                <a:spcPts val="500"/>
+              </a:spcBef>
+              <a:buFont typeface="Arial" panose="020B0604020202020204" pitchFamily="34" charset="0"/>
+              <a:buNone/>
+              <a:defRPr sz="1600" kern="1200">
+                <a:solidFill>
+                  <a:schemeClr val="tx1"/>
+                </a:solidFill>
+                <a:latin typeface="+mn-lt"/>
+                <a:ea typeface="+mn-ea"/>
+                <a:cs typeface="+mn-cs"/>
+              </a:defRPr>
+            </a:lvl5pPr>
+            <a:lvl6pPr marL="2286000" indent="0" algn="ctr" defTabSz="914400" rtl="0" eaLnBrk="1" latinLnBrk="0" hangingPunct="1">
+              <a:lnSpc>
+                <a:spcPct val="90000"/>
+              </a:lnSpc>
+              <a:spcBef>
+                <a:spcPts val="500"/>
+              </a:spcBef>
+              <a:buFont typeface="Arial" panose="020B0604020202020204" pitchFamily="34" charset="0"/>
+              <a:buNone/>
+              <a:defRPr sz="1600" kern="1200">
+                <a:solidFill>
+                  <a:schemeClr val="tx1"/>
+                </a:solidFill>
+                <a:latin typeface="+mn-lt"/>
+                <a:ea typeface="+mn-ea"/>
+                <a:cs typeface="+mn-cs"/>
+              </a:defRPr>
+            </a:lvl6pPr>
+            <a:lvl7pPr marL="2743200" indent="0" algn="ctr" defTabSz="914400" rtl="0" eaLnBrk="1" latinLnBrk="0" hangingPunct="1">
+              <a:lnSpc>
+                <a:spcPct val="90000"/>
+              </a:lnSpc>
+              <a:spcBef>
+                <a:spcPts val="500"/>
+              </a:spcBef>
+              <a:buFont typeface="Arial" panose="020B0604020202020204" pitchFamily="34" charset="0"/>
+              <a:buNone/>
+              <a:defRPr sz="1600" kern="1200">
+                <a:solidFill>
+                  <a:schemeClr val="tx1"/>
+                </a:solidFill>
+                <a:latin typeface="+mn-lt"/>
+                <a:ea typeface="+mn-ea"/>
+                <a:cs typeface="+mn-cs"/>
+              </a:defRPr>
+            </a:lvl7pPr>
+            <a:lvl8pPr marL="3200400" indent="0" algn="ctr" defTabSz="914400" rtl="0" eaLnBrk="1" latinLnBrk="0" hangingPunct="1">
+              <a:lnSpc>
+                <a:spcPct val="90000"/>
+              </a:lnSpc>
+              <a:spcBef>
+                <a:spcPts val="500"/>
+              </a:spcBef>
+              <a:buFont typeface="Arial" panose="020B0604020202020204" pitchFamily="34" charset="0"/>
+              <a:buNone/>
+              <a:defRPr sz="1600" kern="1200">
+                <a:solidFill>
+                  <a:schemeClr val="tx1"/>
+                </a:solidFill>
+                <a:latin typeface="+mn-lt"/>
+                <a:ea typeface="+mn-ea"/>
+                <a:cs typeface="+mn-cs"/>
+              </a:defRPr>
+            </a:lvl8pPr>
+            <a:lvl9pPr marL="3657600" indent="0" algn="ctr" defTabSz="914400" rtl="0" eaLnBrk="1" latinLnBrk="0" hangingPunct="1">
+              <a:lnSpc>
+                <a:spcPct val="90000"/>
+              </a:lnSpc>
+              <a:spcBef>
+                <a:spcPts val="500"/>
+              </a:spcBef>
+              <a:buFont typeface="Arial" panose="020B0604020202020204" pitchFamily="34" charset="0"/>
+              <a:buNone/>
+              <a:defRPr sz="1600" kern="1200">
+                <a:solidFill>
+                  <a:schemeClr val="tx1"/>
+                </a:solidFill>
+                <a:latin typeface="+mn-lt"/>
+                <a:ea typeface="+mn-ea"/>
+                <a:cs typeface="+mn-cs"/>
+              </a:defRPr>
+            </a:lvl9pPr>
+          </a:lstStyle>
+          <a:p>
+            <a:r>
+              <a:rPr lang="lv-LV" dirty="0" smtClean="0"/>
+              <a:t>Java Boot Camp</a:t>
+            </a:r>
+          </a:p>
+          <a:p>
+            <a:r>
+              <a:rPr lang="lv-LV" dirty="0" smtClean="0"/>
+              <a:t>Team 1.</a:t>
+            </a:r>
+          </a:p>
+        </p:txBody>
+      </p:sp>
     </p:spTree>
     <p:extLst>
       <p:ext uri="{BB962C8B-B14F-4D97-AF65-F5344CB8AC3E}">
@@ -3208,8 +3609,56 @@
           <a:p>
             <a:r>
               <a:rPr lang="en-US" dirty="0"/>
-              <a:t>URL to project resources (if available),</a:t>
-            </a:r>
+              <a:t>URL to project resources (if available</a:t>
+            </a:r>
+            <a:r>
+              <a:rPr lang="en-US" dirty="0" smtClean="0"/>
+              <a:t>)</a:t>
+            </a:r>
+            <a:r>
+              <a:rPr lang="lv-LV" dirty="0" smtClean="0"/>
+              <a:t>:</a:t>
+            </a:r>
+          </a:p>
+          <a:p>
+            <a:pPr lvl="1"/>
+            <a:r>
+              <a:rPr lang="en-US" dirty="0">
+                <a:hlinkClick r:id="rId2"/>
+              </a:rPr>
+              <a:t>https://</a:t>
+            </a:r>
+            <a:r>
+              <a:rPr lang="en-US" dirty="0" smtClean="0">
+                <a:hlinkClick r:id="rId2"/>
+              </a:rPr>
+              <a:t>github.com/bricht/piens-un-maize</a:t>
+            </a:r>
+            <a:endParaRPr lang="lv-LV" dirty="0" smtClean="0"/>
+          </a:p>
+          <a:p>
+            <a:pPr lvl="1"/>
+            <a:r>
+              <a:rPr lang="en-US" dirty="0">
+                <a:hlinkClick r:id="rId3"/>
+              </a:rPr>
+              <a:t>https://github.com/ErnestsA/SQLite_Test</a:t>
+            </a:r>
+            <a:r>
+              <a:rPr lang="en-US" dirty="0"/>
+              <a:t> </a:t>
+            </a:r>
+            <a:endParaRPr lang="lv-LV" dirty="0" smtClean="0"/>
+          </a:p>
+          <a:p>
+            <a:pPr lvl="1"/>
+            <a:r>
+              <a:rPr lang="en-US" dirty="0">
+                <a:hlinkClick r:id="rId4"/>
+              </a:rPr>
+              <a:t>https://github.com/LaurisLazda/WebDataReader</a:t>
+            </a:r>
+            <a:endParaRPr lang="en-US" dirty="0"/>
           </a:p>
           <a:p>
             <a:r>
@@ -3244,6 +3693,13 @@
   <p:clrMapOvr>
     <a:masterClrMapping/>
   </p:clrMapOvr>
+  <p:timing>
+    <p:tnLst>
+      <p:par>
+        <p:cTn id="1" dur="indefinite" restart="never" nodeType="tmRoot"/>
+      </p:par>
+    </p:tnLst>
+  </p:timing>
 </p:sld>
 </file>
 
@@ -3351,6 +3807,13 @@
   <p:clrMapOvr>
     <a:masterClrMapping/>
   </p:clrMapOvr>
+  <p:timing>
+    <p:tnLst>
+      <p:par>
+        <p:cTn id="1" dur="indefinite" restart="never" nodeType="tmRoot"/>
+      </p:par>
+    </p:tnLst>
+  </p:timing>
 </p:sld>
 </file>
 
@@ -3414,7 +3877,7 @@
           <a:bodyPr/>
           <a:lstStyle/>
           <a:p>
-            <a:endParaRPr lang="en-US"/>
+            <a:endParaRPr lang="en-US" dirty="0"/>
           </a:p>
         </p:txBody>
       </p:sp>
@@ -3498,7 +3961,53 @@
           <a:bodyPr/>
           <a:lstStyle/>
           <a:p>
-            <a:endParaRPr lang="en-US"/>
+            <a:r>
+              <a:rPr lang="lv-LV" dirty="0" smtClean="0"/>
+              <a:t>Java</a:t>
+            </a:r>
+            <a:endParaRPr lang="lv-LV" dirty="0"/>
+          </a:p>
+          <a:p>
+            <a:r>
+              <a:rPr lang="lv-LV" dirty="0" smtClean="0"/>
+              <a:t>Balsamiq Mockup</a:t>
+            </a:r>
+          </a:p>
+          <a:p>
+            <a:r>
+              <a:rPr lang="lv-LV" dirty="0" smtClean="0"/>
+              <a:t>Androdi Studio</a:t>
+            </a:r>
+          </a:p>
+          <a:p>
+            <a:r>
+              <a:rPr lang="lv-LV" dirty="0" smtClean="0"/>
+              <a:t>Mysql Workbench</a:t>
+            </a:r>
+          </a:p>
+          <a:p>
+            <a:r>
+              <a:rPr lang="lv-LV" dirty="0" smtClean="0"/>
+              <a:t>Eclipse</a:t>
+            </a:r>
+          </a:p>
+          <a:p>
+            <a:r>
+              <a:rPr lang="lv-LV" dirty="0" smtClean="0"/>
+              <a:t>PHP</a:t>
+            </a:r>
+          </a:p>
+          <a:p>
+            <a:r>
+              <a:rPr lang="lv-LV" dirty="0" smtClean="0"/>
+              <a:t>Windows/Lubuntu</a:t>
+            </a:r>
+          </a:p>
+          <a:p>
+            <a:r>
+              <a:rPr lang="lv-LV" dirty="0" smtClean="0"/>
+              <a:t>Android 6.0 and Higher</a:t>
+            </a:r>
           </a:p>
         </p:txBody>
       </p:sp>
@@ -3512,6 +4021,13 @@
   <p:clrMapOvr>
     <a:masterClrMapping/>
   </p:clrMapOvr>
+  <p:timing>
+    <p:tnLst>
+      <p:par>
+        <p:cTn id="1" dur="indefinite" restart="never" nodeType="tmRoot"/>
+      </p:par>
+    </p:tnLst>
+  </p:timing>
 </p:sld>
 </file>
 
@@ -3575,7 +4091,7 @@
           <a:bodyPr/>
           <a:lstStyle/>
           <a:p>
-            <a:endParaRPr lang="en-US"/>
+            <a:endParaRPr lang="en-US" dirty="0"/>
           </a:p>
         </p:txBody>
       </p:sp>
@@ -3589,6 +4105,13 @@
   <p:clrMapOvr>
     <a:masterClrMapping/>
   </p:clrMapOvr>
+  <p:timing>
+    <p:tnLst>
+      <p:par>
+        <p:cTn id="1" dur="indefinite" restart="never" nodeType="tmRoot"/>
+      </p:par>
+    </p:tnLst>
+  </p:timing>
 </p:sld>
 </file>
 
@@ -3652,7 +4175,11 @@
           <a:bodyPr/>
           <a:lstStyle/>
           <a:p>
-            <a:endParaRPr lang="en-US"/>
+            <a:r>
+              <a:rPr lang="lv-LV" dirty="0" smtClean="0"/>
+              <a:t>TODO: Reverse Engineering – create UML Diagram from database!!!</a:t>
+            </a:r>
+            <a:endParaRPr lang="en-US" dirty="0"/>
           </a:p>
         </p:txBody>
       </p:sp>
@@ -3666,6 +4193,13 @@
   <p:clrMapOvr>
     <a:masterClrMapping/>
   </p:clrMapOvr>
+  <p:timing>
+    <p:tnLst>
+      <p:par>
+        <p:cTn id="1" dur="indefinite" restart="never" nodeType="tmRoot"/>
+      </p:par>
+    </p:tnLst>
+  </p:timing>
 </p:sld>
 </file>
 
@@ -3737,7 +4271,13 @@
           <a:bodyPr/>
           <a:lstStyle/>
           <a:p>
-            <a:endParaRPr lang="en-US"/>
+            <a:r>
+              <a:rPr lang="lv-LV" dirty="0" smtClean="0"/>
+              <a:t>TODO: Junit, SQLite (Local database)</a:t>
+            </a:r>
+          </a:p>
+          <a:p>
+            <a:endParaRPr lang="en-US" dirty="0"/>
           </a:p>
         </p:txBody>
       </p:sp>
@@ -3751,6 +4291,13 @@
   <p:clrMapOvr>
     <a:masterClrMapping/>
   </p:clrMapOvr>
+  <p:timing>
+    <p:tnLst>
+      <p:par>
+        <p:cTn id="1" dur="indefinite" restart="never" nodeType="tmRoot"/>
+      </p:par>
+    </p:tnLst>
+  </p:timing>
 </p:sld>
 </file>
 
@@ -3814,6 +4361,24 @@
           <a:bodyPr/>
           <a:lstStyle/>
           <a:p>
+            <a:r>
+              <a:rPr lang="lv-LV" dirty="0" smtClean="0"/>
+              <a:t>Manual testing</a:t>
+            </a:r>
+          </a:p>
+          <a:p>
+            <a:r>
+              <a:rPr lang="lv-LV" dirty="0" smtClean="0"/>
+              <a:t>Debuging</a:t>
+            </a:r>
+          </a:p>
+          <a:p>
+            <a:r>
+              <a:rPr lang="lv-LV" dirty="0" smtClean="0"/>
+              <a:t>Junit tests for local DB</a:t>
+            </a:r>
+          </a:p>
+          <a:p>
             <a:endParaRPr lang="en-US" dirty="0"/>
           </a:p>
         </p:txBody>
@@ -3828,6 +4393,13 @@
   <p:clrMapOvr>
     <a:masterClrMapping/>
   </p:clrMapOvr>
+  <p:timing>
+    <p:tnLst>
+      <p:par>
+        <p:cTn id="1" dur="indefinite" restart="never" nodeType="tmRoot"/>
+      </p:par>
+    </p:tnLst>
+  </p:timing>
 </p:sld>
 </file>
 
@@ -3905,6 +4477,13 @@
   <p:clrMapOvr>
     <a:masterClrMapping/>
   </p:clrMapOvr>
+  <p:timing>
+    <p:tnLst>
+      <p:par>
+        <p:cTn id="1" dur="indefinite" restart="never" nodeType="tmRoot"/>
+      </p:par>
+    </p:tnLst>
+  </p:timing>
 </p:sld>
 </file>
 
@@ -3982,6 +4561,13 @@
   <p:clrMapOvr>
     <a:masterClrMapping/>
   </p:clrMapOvr>
+  <p:timing>
+    <p:tnLst>
+      <p:par>
+        <p:cTn id="1" dur="indefinite" restart="never" nodeType="tmRoot"/>
+      </p:par>
+    </p:tnLst>
+  </p:timing>
 </p:sld>
 </file>
 

--- a/presentation/MilknBread.pptx
+++ b/presentation/MilknBread.pptx
@@ -3043,25 +3043,18 @@
               <a:rPr lang="lv-LV" dirty="0" smtClean="0"/>
               <a:t>Lazda</a:t>
             </a:r>
-            <a:endParaRPr lang="lv-LV" dirty="0" smtClean="0"/>
           </a:p>
           <a:p>
             <a:r>
               <a:rPr lang="lv-LV" dirty="0" smtClean="0"/>
               <a:t>Ernests Auziņš</a:t>
             </a:r>
-            <a:endParaRPr lang="lv-LV" dirty="0" smtClean="0"/>
           </a:p>
           <a:p>
             <a:r>
               <a:rPr lang="lv-LV" dirty="0" smtClean="0"/>
-              <a:t>Jēkabs </a:t>
-            </a:r>
-            <a:r>
-              <a:rPr lang="lv-LV" dirty="0" smtClean="0"/>
-              <a:t>Aizpurvs</a:t>
-            </a:r>
-            <a:endParaRPr lang="lv-LV" dirty="0" smtClean="0"/>
+              <a:t>Jēkabs Aizpurvs</a:t>
+            </a:r>
           </a:p>
         </p:txBody>
       </p:sp>
@@ -3877,6 +3870,10 @@
           <a:bodyPr/>
           <a:lstStyle/>
           <a:p>
+            <a:r>
+              <a:rPr lang="lv-LV" dirty="0" smtClean="0"/>
+              <a:t>Android application et cetera....</a:t>
+            </a:r>
             <a:endParaRPr lang="en-US" dirty="0"/>
           </a:p>
         </p:txBody>

--- a/presentation/MilknBread.pptx
+++ b/presentation/MilknBread.pptx
@@ -7,15 +7,16 @@
   <p:sldIdLst>
     <p:sldId id="256" r:id="rId2"/>
     <p:sldId id="257" r:id="rId3"/>
-    <p:sldId id="258" r:id="rId4"/>
-    <p:sldId id="259" r:id="rId5"/>
-    <p:sldId id="260" r:id="rId6"/>
-    <p:sldId id="261" r:id="rId7"/>
-    <p:sldId id="262" r:id="rId8"/>
-    <p:sldId id="263" r:id="rId9"/>
-    <p:sldId id="264" r:id="rId10"/>
-    <p:sldId id="265" r:id="rId11"/>
-    <p:sldId id="266" r:id="rId12"/>
+    <p:sldId id="267" r:id="rId4"/>
+    <p:sldId id="258" r:id="rId5"/>
+    <p:sldId id="259" r:id="rId6"/>
+    <p:sldId id="260" r:id="rId7"/>
+    <p:sldId id="261" r:id="rId8"/>
+    <p:sldId id="262" r:id="rId9"/>
+    <p:sldId id="263" r:id="rId10"/>
+    <p:sldId id="264" r:id="rId11"/>
+    <p:sldId id="265" r:id="rId12"/>
+    <p:sldId id="266" r:id="rId13"/>
   </p:sldIdLst>
   <p:sldSz cx="12192000" cy="6858000"/>
   <p:notesSz cx="6858000" cy="9144000"/>
@@ -3019,7 +3020,7 @@
         </p:nvSpPr>
         <p:spPr>
           <a:xfrm>
-            <a:off x="6293053" y="4114459"/>
+            <a:off x="6468899" y="3990404"/>
             <a:ext cx="2378835" cy="1738420"/>
           </a:xfrm>
         </p:spPr>
@@ -3128,7 +3129,7 @@
         </p:nvSpPr>
         <p:spPr>
           <a:xfrm>
-            <a:off x="3646330" y="4114459"/>
+            <a:off x="3826047" y="3990404"/>
             <a:ext cx="2642852" cy="1352509"/>
           </a:xfrm>
           <a:prstGeom prst="rect">
@@ -3571,6 +3572,90 @@
         </p:nvSpPr>
         <p:spPr/>
         <p:txBody>
+          <a:bodyPr>
+            <a:normAutofit fontScale="90000"/>
+          </a:bodyPr>
+          <a:lstStyle/>
+          <a:p>
+            <a:r>
+              <a:rPr lang="en-US" dirty="0"/>
+              <a:t>System demonstration, execution and maintenance</a:t>
+            </a:r>
+            <a:br>
+              <a:rPr lang="en-US" dirty="0"/>
+            </a:br>
+            <a:endParaRPr lang="en-US" dirty="0"/>
+          </a:p>
+        </p:txBody>
+      </p:sp>
+      <p:sp>
+        <p:nvSpPr>
+          <p:cNvPr id="3" name="Content Placeholder 2"/>
+          <p:cNvSpPr>
+            <a:spLocks noGrp="1"/>
+          </p:cNvSpPr>
+          <p:nvPr>
+            <p:ph idx="1"/>
+          </p:nvPr>
+        </p:nvSpPr>
+        <p:spPr/>
+        <p:txBody>
+          <a:bodyPr/>
+          <a:lstStyle/>
+          <a:p>
+            <a:endParaRPr lang="en-US"/>
+          </a:p>
+        </p:txBody>
+      </p:sp>
+    </p:spTree>
+    <p:extLst>
+      <p:ext uri="{BB962C8B-B14F-4D97-AF65-F5344CB8AC3E}">
+        <p14:creationId xmlns:p14="http://schemas.microsoft.com/office/powerpoint/2010/main" val="1406988973"/>
+      </p:ext>
+    </p:extLst>
+  </p:cSld>
+  <p:clrMapOvr>
+    <a:masterClrMapping/>
+  </p:clrMapOvr>
+  <p:timing>
+    <p:tnLst>
+      <p:par>
+        <p:cTn id="1" dur="indefinite" restart="never" nodeType="tmRoot"/>
+      </p:par>
+    </p:tnLst>
+  </p:timing>
+</p:sld>
+</file>
+
+<file path=ppt/slides/slide11.xml><?xml version="1.0" encoding="utf-8"?>
+<p:sld xmlns:a="http://schemas.openxmlformats.org/drawingml/2006/main" xmlns:r="http://schemas.openxmlformats.org/officeDocument/2006/relationships" xmlns:p="http://schemas.openxmlformats.org/presentationml/2006/main">
+  <p:cSld>
+    <p:spTree>
+      <p:nvGrpSpPr>
+        <p:cNvPr id="1" name=""/>
+        <p:cNvGrpSpPr/>
+        <p:nvPr/>
+      </p:nvGrpSpPr>
+      <p:grpSpPr>
+        <a:xfrm>
+          <a:off x="0" y="0"/>
+          <a:ext cx="0" cy="0"/>
+          <a:chOff x="0" y="0"/>
+          <a:chExt cx="0" cy="0"/>
+        </a:xfrm>
+      </p:grpSpPr>
+      <p:sp>
+        <p:nvSpPr>
+          <p:cNvPr id="2" name="Title 1"/>
+          <p:cNvSpPr>
+            <a:spLocks noGrp="1"/>
+          </p:cNvSpPr>
+          <p:nvPr>
+            <p:ph type="title"/>
+          </p:nvPr>
+        </p:nvSpPr>
+        <p:spPr/>
+        <p:txBody>
           <a:bodyPr/>
           <a:lstStyle/>
           <a:p>
@@ -3696,7 +3781,7 @@
 </p:sld>
 </file>
 
-<file path=ppt/slides/slide11.xml><?xml version="1.0" encoding="utf-8"?>
+<file path=ppt/slides/slide12.xml><?xml version="1.0" encoding="utf-8"?>
 <p:sld xmlns:a="http://schemas.openxmlformats.org/drawingml/2006/main" xmlns:r="http://schemas.openxmlformats.org/officeDocument/2006/relationships" xmlns:p="http://schemas.openxmlformats.org/presentationml/2006/main">
   <p:cSld>
     <p:spTree>
@@ -3927,18 +4012,29 @@
         </p:nvSpPr>
         <p:spPr/>
         <p:txBody>
-          <a:bodyPr>
-            <a:normAutofit fontScale="90000"/>
-          </a:bodyPr>
-          <a:lstStyle/>
-          <a:p>
+          <a:bodyPr/>
+          <a:lstStyle/>
+          <a:p>
+            <a:r>
+              <a:rPr lang="lv-LV" dirty="0" smtClean="0"/>
+              <a:t>U</a:t>
+            </a:r>
+            <a:r>
+              <a:rPr lang="en-US" dirty="0" err="1" smtClean="0"/>
+              <a:t>sed</a:t>
+            </a:r>
+            <a:r>
+              <a:rPr lang="en-US" dirty="0" smtClean="0"/>
+              <a:t> </a:t>
+            </a:r>
             <a:r>
               <a:rPr lang="en-US" dirty="0"/>
-              <a:t>Project planning (used workload management approach and used tools): </a:t>
-            </a:r>
-            <a:br>
-              <a:rPr lang="en-US" dirty="0"/>
-            </a:br>
+              <a:t>workload management </a:t>
+            </a:r>
+            <a:r>
+              <a:rPr lang="en-US" dirty="0" smtClean="0"/>
+              <a:t>approach</a:t>
+            </a:r>
             <a:endParaRPr lang="en-US" dirty="0"/>
           </a:p>
         </p:txBody>
@@ -3958,73 +4054,20 @@
           <a:bodyPr/>
           <a:lstStyle/>
           <a:p>
-            <a:r>
-              <a:rPr lang="lv-LV" dirty="0" smtClean="0"/>
-              <a:t>Java</a:t>
-            </a:r>
-            <a:endParaRPr lang="lv-LV" dirty="0"/>
-          </a:p>
-          <a:p>
-            <a:r>
-              <a:rPr lang="lv-LV" dirty="0" smtClean="0"/>
-              <a:t>Balsamiq Mockup</a:t>
-            </a:r>
-          </a:p>
-          <a:p>
-            <a:r>
-              <a:rPr lang="lv-LV" dirty="0" smtClean="0"/>
-              <a:t>Androdi Studio</a:t>
-            </a:r>
-          </a:p>
-          <a:p>
-            <a:r>
-              <a:rPr lang="lv-LV" dirty="0" smtClean="0"/>
-              <a:t>Mysql Workbench</a:t>
-            </a:r>
-          </a:p>
-          <a:p>
-            <a:r>
-              <a:rPr lang="lv-LV" dirty="0" smtClean="0"/>
-              <a:t>Eclipse</a:t>
-            </a:r>
-          </a:p>
-          <a:p>
-            <a:r>
-              <a:rPr lang="lv-LV" dirty="0" smtClean="0"/>
-              <a:t>PHP</a:t>
-            </a:r>
-          </a:p>
-          <a:p>
-            <a:r>
-              <a:rPr lang="lv-LV" dirty="0" smtClean="0"/>
-              <a:t>Windows/Lubuntu</a:t>
-            </a:r>
-          </a:p>
-          <a:p>
-            <a:r>
-              <a:rPr lang="lv-LV" dirty="0" smtClean="0"/>
-              <a:t>Android 6.0 and Higher</a:t>
-            </a:r>
+            <a:endParaRPr lang="en-US"/>
           </a:p>
         </p:txBody>
       </p:sp>
     </p:spTree>
     <p:extLst>
       <p:ext uri="{BB962C8B-B14F-4D97-AF65-F5344CB8AC3E}">
-        <p14:creationId xmlns:p14="http://schemas.microsoft.com/office/powerpoint/2010/main" val="2244959612"/>
+        <p14:creationId xmlns:p14="http://schemas.microsoft.com/office/powerpoint/2010/main" val="443407286"/>
       </p:ext>
     </p:extLst>
   </p:cSld>
   <p:clrMapOvr>
     <a:masterClrMapping/>
   </p:clrMapOvr>
-  <p:timing>
-    <p:tnLst>
-      <p:par>
-        <p:cTn id="1" dur="indefinite" restart="never" nodeType="tmRoot"/>
-      </p:par>
-    </p:tnLst>
-  </p:timing>
 </p:sld>
 </file>
 
@@ -4058,13 +4101,25 @@
         <p:spPr/>
         <p:txBody>
           <a:bodyPr>
-            <a:normAutofit fontScale="90000"/>
+            <a:normAutofit/>
           </a:bodyPr>
           <a:lstStyle/>
           <a:p>
             <a:r>
+              <a:rPr lang="lv-LV" dirty="0"/>
+              <a:t>U</a:t>
+            </a:r>
+            <a:r>
+              <a:rPr lang="en-US" dirty="0" err="1" smtClean="0"/>
+              <a:t>sed</a:t>
+            </a:r>
+            <a:r>
+              <a:rPr lang="en-US" dirty="0" smtClean="0"/>
+              <a:t> tools</a:t>
+            </a:r>
+            <a:r>
               <a:rPr lang="en-US" dirty="0"/>
-              <a:t>System overall design (chosen frameworks, libraries and high level code structure)</a:t>
+              <a:t/>
             </a:r>
             <a:br>
               <a:rPr lang="en-US" dirty="0"/>
@@ -4088,14 +4143,60 @@
           <a:bodyPr/>
           <a:lstStyle/>
           <a:p>
-            <a:endParaRPr lang="en-US" dirty="0"/>
+            <a:r>
+              <a:rPr lang="lv-LV" dirty="0" smtClean="0"/>
+              <a:t>Java</a:t>
+            </a:r>
+            <a:endParaRPr lang="lv-LV" dirty="0"/>
+          </a:p>
+          <a:p>
+            <a:r>
+              <a:rPr lang="lv-LV" dirty="0" smtClean="0"/>
+              <a:t>Balsamiq Mockup</a:t>
+            </a:r>
+          </a:p>
+          <a:p>
+            <a:r>
+              <a:rPr lang="lv-LV" dirty="0" smtClean="0"/>
+              <a:t>Androdi Studio</a:t>
+            </a:r>
+          </a:p>
+          <a:p>
+            <a:r>
+              <a:rPr lang="lv-LV" dirty="0" smtClean="0"/>
+              <a:t>Mysql Workbench</a:t>
+            </a:r>
+          </a:p>
+          <a:p>
+            <a:r>
+              <a:rPr lang="lv-LV" dirty="0" smtClean="0"/>
+              <a:t>Eclipse</a:t>
+            </a:r>
+          </a:p>
+          <a:p>
+            <a:r>
+              <a:rPr lang="lv-LV" dirty="0" smtClean="0"/>
+              <a:t>PHP</a:t>
+            </a:r>
+          </a:p>
+          <a:p>
+            <a:r>
+              <a:rPr lang="lv-LV" dirty="0" smtClean="0"/>
+              <a:t>Windows/Lubuntu</a:t>
+            </a:r>
+          </a:p>
+          <a:p>
+            <a:r>
+              <a:rPr lang="lv-LV" dirty="0" smtClean="0"/>
+              <a:t>Android 6.0 and Higher</a:t>
+            </a:r>
           </a:p>
         </p:txBody>
       </p:sp>
     </p:spTree>
     <p:extLst>
       <p:ext uri="{BB962C8B-B14F-4D97-AF65-F5344CB8AC3E}">
-        <p14:creationId xmlns:p14="http://schemas.microsoft.com/office/powerpoint/2010/main" val="917454996"/>
+        <p14:creationId xmlns:p14="http://schemas.microsoft.com/office/powerpoint/2010/main" val="2244959612"/>
       </p:ext>
     </p:extLst>
   </p:cSld>
@@ -4148,7 +4249,7 @@
           <a:p>
             <a:r>
               <a:rPr lang="en-US" dirty="0"/>
-              <a:t>System data model (persistence in general, particularly, database)</a:t>
+              <a:t>System overall design (chosen frameworks, libraries and high level code structure)</a:t>
             </a:r>
             <a:br>
               <a:rPr lang="en-US" dirty="0"/>
@@ -4172,10 +4273,6 @@
           <a:bodyPr/>
           <a:lstStyle/>
           <a:p>
-            <a:r>
-              <a:rPr lang="lv-LV" dirty="0" smtClean="0"/>
-              <a:t>TODO: Reverse Engineering – create UML Diagram from database!!!</a:t>
-            </a:r>
             <a:endParaRPr lang="en-US" dirty="0"/>
           </a:p>
         </p:txBody>
@@ -4183,7 +4280,7 @@
     </p:spTree>
     <p:extLst>
       <p:ext uri="{BB962C8B-B14F-4D97-AF65-F5344CB8AC3E}">
-        <p14:creationId xmlns:p14="http://schemas.microsoft.com/office/powerpoint/2010/main" val="1309183742"/>
+        <p14:creationId xmlns:p14="http://schemas.microsoft.com/office/powerpoint/2010/main" val="917454996"/>
       </p:ext>
     </p:extLst>
   </p:cSld>
@@ -4236,15 +4333,7 @@
           <a:p>
             <a:r>
               <a:rPr lang="en-US" dirty="0"/>
-              <a:t>Automated unit and/or system tests (</a:t>
-            </a:r>
-            <a:r>
-              <a:rPr lang="en-US" dirty="0" err="1"/>
-              <a:t>Junit</a:t>
-            </a:r>
-            <a:r>
-              <a:rPr lang="en-US" dirty="0"/>
-              <a:t>, Selenium, etc.)</a:t>
+              <a:t>System data model (persistence in general, particularly, database)</a:t>
             </a:r>
             <a:br>
               <a:rPr lang="en-US" dirty="0"/>
@@ -4270,18 +4359,40 @@
           <a:p>
             <a:r>
               <a:rPr lang="lv-LV" dirty="0" smtClean="0"/>
-              <a:t>TODO: Junit, SQLite (Local database)</a:t>
-            </a:r>
-          </a:p>
-          <a:p>
+              <a:t>TODO: Reverse Engineering – create UML Diagram from database!!!</a:t>
+            </a:r>
             <a:endParaRPr lang="en-US" dirty="0"/>
           </a:p>
         </p:txBody>
       </p:sp>
+      <p:pic>
+        <p:nvPicPr>
+          <p:cNvPr id="4" name="Picture 3"/>
+          <p:cNvPicPr>
+            <a:picLocks noChangeAspect="1"/>
+          </p:cNvPicPr>
+          <p:nvPr/>
+        </p:nvPicPr>
+        <p:blipFill>
+          <a:blip r:embed="rId2"/>
+          <a:stretch>
+            <a:fillRect/>
+          </a:stretch>
+        </p:blipFill>
+        <p:spPr>
+          <a:xfrm>
+            <a:off x="2816469" y="2428508"/>
+            <a:ext cx="5105400" cy="4181475"/>
+          </a:xfrm>
+          <a:prstGeom prst="rect">
+            <a:avLst/>
+          </a:prstGeom>
+        </p:spPr>
+      </p:pic>
     </p:spTree>
     <p:extLst>
       <p:ext uri="{BB962C8B-B14F-4D97-AF65-F5344CB8AC3E}">
-        <p14:creationId xmlns:p14="http://schemas.microsoft.com/office/powerpoint/2010/main" val="3473276231"/>
+        <p14:creationId xmlns:p14="http://schemas.microsoft.com/office/powerpoint/2010/main" val="1309183742"/>
       </p:ext>
     </p:extLst>
   </p:cSld>
@@ -4334,7 +4445,15 @@
           <a:p>
             <a:r>
               <a:rPr lang="en-US" dirty="0"/>
-              <a:t>System building and deployment (compiling, testing, and deployment)</a:t>
+              <a:t>Automated unit and/or system tests (</a:t>
+            </a:r>
+            <a:r>
+              <a:rPr lang="en-US" dirty="0" err="1"/>
+              <a:t>Junit</a:t>
+            </a:r>
+            <a:r>
+              <a:rPr lang="en-US" dirty="0"/>
+              <a:t>, Selenium, etc.)</a:t>
             </a:r>
             <a:br>
               <a:rPr lang="en-US" dirty="0"/>
@@ -4360,19 +4479,7 @@
           <a:p>
             <a:r>
               <a:rPr lang="lv-LV" dirty="0" smtClean="0"/>
-              <a:t>Manual testing</a:t>
-            </a:r>
-          </a:p>
-          <a:p>
-            <a:r>
-              <a:rPr lang="lv-LV" dirty="0" smtClean="0"/>
-              <a:t>Debuging</a:t>
-            </a:r>
-          </a:p>
-          <a:p>
-            <a:r>
-              <a:rPr lang="lv-LV" dirty="0" smtClean="0"/>
-              <a:t>Junit tests for local DB</a:t>
+              <a:t>TODO: Junit, SQLite (Local database)</a:t>
             </a:r>
           </a:p>
           <a:p>
@@ -4383,7 +4490,7 @@
     </p:spTree>
     <p:extLst>
       <p:ext uri="{BB962C8B-B14F-4D97-AF65-F5344CB8AC3E}">
-        <p14:creationId xmlns:p14="http://schemas.microsoft.com/office/powerpoint/2010/main" val="3082101261"/>
+        <p14:creationId xmlns:p14="http://schemas.microsoft.com/office/powerpoint/2010/main" val="3473276231"/>
       </p:ext>
     </p:extLst>
   </p:cSld>
@@ -4436,7 +4543,7 @@
           <a:p>
             <a:r>
               <a:rPr lang="en-US" dirty="0"/>
-              <a:t>User, administrator guides and other documentation</a:t>
+              <a:t>System building and deployment (compiling, testing, and deployment)</a:t>
             </a:r>
             <a:br>
               <a:rPr lang="en-US" dirty="0"/>
@@ -4460,14 +4567,32 @@
           <a:bodyPr/>
           <a:lstStyle/>
           <a:p>
-            <a:endParaRPr lang="en-US"/>
+            <a:r>
+              <a:rPr lang="lv-LV" dirty="0" smtClean="0"/>
+              <a:t>Manual testing</a:t>
+            </a:r>
+          </a:p>
+          <a:p>
+            <a:r>
+              <a:rPr lang="lv-LV" dirty="0" smtClean="0"/>
+              <a:t>Debuging</a:t>
+            </a:r>
+          </a:p>
+          <a:p>
+            <a:r>
+              <a:rPr lang="lv-LV" dirty="0" smtClean="0"/>
+              <a:t>Junit tests for local DB</a:t>
+            </a:r>
+          </a:p>
+          <a:p>
+            <a:endParaRPr lang="en-US" dirty="0"/>
           </a:p>
         </p:txBody>
       </p:sp>
     </p:spTree>
     <p:extLst>
       <p:ext uri="{BB962C8B-B14F-4D97-AF65-F5344CB8AC3E}">
-        <p14:creationId xmlns:p14="http://schemas.microsoft.com/office/powerpoint/2010/main" val="298945546"/>
+        <p14:creationId xmlns:p14="http://schemas.microsoft.com/office/powerpoint/2010/main" val="3082101261"/>
       </p:ext>
     </p:extLst>
   </p:cSld>
@@ -4520,7 +4645,7 @@
           <a:p>
             <a:r>
               <a:rPr lang="en-US" dirty="0"/>
-              <a:t>System demonstration, execution and maintenance</a:t>
+              <a:t>User, administrator guides and other documentation</a:t>
             </a:r>
             <a:br>
               <a:rPr lang="en-US" dirty="0"/>
@@ -4551,7 +4676,7 @@
     </p:spTree>
     <p:extLst>
       <p:ext uri="{BB962C8B-B14F-4D97-AF65-F5344CB8AC3E}">
-        <p14:creationId xmlns:p14="http://schemas.microsoft.com/office/powerpoint/2010/main" val="1406988973"/>
+        <p14:creationId xmlns:p14="http://schemas.microsoft.com/office/powerpoint/2010/main" val="298945546"/>
       </p:ext>
     </p:extLst>
   </p:cSld>

--- a/presentation/MilknBread.pptx
+++ b/presentation/MilknBread.pptx
@@ -9,14 +9,12 @@
     <p:sldId id="257" r:id="rId3"/>
     <p:sldId id="267" r:id="rId4"/>
     <p:sldId id="258" r:id="rId5"/>
-    <p:sldId id="259" r:id="rId6"/>
-    <p:sldId id="260" r:id="rId7"/>
-    <p:sldId id="261" r:id="rId8"/>
-    <p:sldId id="262" r:id="rId9"/>
-    <p:sldId id="263" r:id="rId10"/>
-    <p:sldId id="264" r:id="rId11"/>
-    <p:sldId id="265" r:id="rId12"/>
-    <p:sldId id="266" r:id="rId13"/>
+    <p:sldId id="260" r:id="rId6"/>
+    <p:sldId id="262" r:id="rId7"/>
+    <p:sldId id="265" r:id="rId8"/>
+    <p:sldId id="269" r:id="rId9"/>
+    <p:sldId id="268" r:id="rId10"/>
+    <p:sldId id="266" r:id="rId11"/>
   </p:sldIdLst>
   <p:sldSz cx="12192000" cy="6858000"/>
   <p:notesSz cx="6858000" cy="9144000"/>
@@ -3512,8 +3510,13 @@
           <a:p>
             <a:r>
               <a:rPr lang="lv-LV" dirty="0" smtClean="0"/>
-              <a:t>Java Boot Camp</a:t>
-            </a:r>
+              <a:t>Java </a:t>
+            </a:r>
+            <a:r>
+              <a:rPr lang="lv-LV" dirty="0" smtClean="0"/>
+              <a:t>Bootcamp</a:t>
+            </a:r>
+            <a:endParaRPr lang="lv-LV" dirty="0" smtClean="0"/>
           </a:p>
           <a:p>
             <a:r>
@@ -3572,14 +3575,12 @@
         </p:nvSpPr>
         <p:spPr/>
         <p:txBody>
-          <a:bodyPr>
-            <a:normAutofit fontScale="90000"/>
-          </a:bodyPr>
+          <a:bodyPr/>
           <a:lstStyle/>
           <a:p>
             <a:r>
               <a:rPr lang="en-US" dirty="0"/>
-              <a:t>System demonstration, execution and maintenance</a:t>
+              <a:t>Future work</a:t>
             </a:r>
             <a:br>
               <a:rPr lang="en-US" dirty="0"/>
@@ -3603,271 +3604,21 @@
           <a:bodyPr/>
           <a:lstStyle/>
           <a:p>
-            <a:endParaRPr lang="en-US"/>
-          </a:p>
-        </p:txBody>
-      </p:sp>
-    </p:spTree>
-    <p:extLst>
-      <p:ext uri="{BB962C8B-B14F-4D97-AF65-F5344CB8AC3E}">
-        <p14:creationId xmlns:p14="http://schemas.microsoft.com/office/powerpoint/2010/main" val="1406988973"/>
-      </p:ext>
-    </p:extLst>
-  </p:cSld>
-  <p:clrMapOvr>
-    <a:masterClrMapping/>
-  </p:clrMapOvr>
-  <p:timing>
-    <p:tnLst>
-      <p:par>
-        <p:cTn id="1" dur="indefinite" restart="never" nodeType="tmRoot"/>
-      </p:par>
-    </p:tnLst>
-  </p:timing>
-</p:sld>
-</file>
-
-<file path=ppt/slides/slide11.xml><?xml version="1.0" encoding="utf-8"?>
-<p:sld xmlns:a="http://schemas.openxmlformats.org/drawingml/2006/main" xmlns:r="http://schemas.openxmlformats.org/officeDocument/2006/relationships" xmlns:p="http://schemas.openxmlformats.org/presentationml/2006/main">
-  <p:cSld>
-    <p:spTree>
-      <p:nvGrpSpPr>
-        <p:cNvPr id="1" name=""/>
-        <p:cNvGrpSpPr/>
-        <p:nvPr/>
-      </p:nvGrpSpPr>
-      <p:grpSpPr>
-        <a:xfrm>
-          <a:off x="0" y="0"/>
-          <a:ext cx="0" cy="0"/>
-          <a:chOff x="0" y="0"/>
-          <a:chExt cx="0" cy="0"/>
-        </a:xfrm>
-      </p:grpSpPr>
-      <p:sp>
-        <p:nvSpPr>
-          <p:cNvPr id="2" name="Title 1"/>
-          <p:cNvSpPr>
-            <a:spLocks noGrp="1"/>
-          </p:cNvSpPr>
-          <p:nvPr>
-            <p:ph type="title"/>
-          </p:nvPr>
-        </p:nvSpPr>
-        <p:spPr/>
-        <p:txBody>
-          <a:bodyPr/>
-          <a:lstStyle/>
-          <a:p>
-            <a:r>
-              <a:rPr lang="en-US" dirty="0"/>
-              <a:t>Final overview:</a:t>
-            </a:r>
-            <a:br>
-              <a:rPr lang="en-US" dirty="0"/>
-            </a:br>
-            <a:endParaRPr lang="en-US" dirty="0"/>
-          </a:p>
-        </p:txBody>
-      </p:sp>
-      <p:sp>
-        <p:nvSpPr>
-          <p:cNvPr id="3" name="Content Placeholder 2"/>
-          <p:cNvSpPr>
-            <a:spLocks noGrp="1"/>
-          </p:cNvSpPr>
-          <p:nvPr>
-            <p:ph idx="1"/>
-          </p:nvPr>
-        </p:nvSpPr>
-        <p:spPr/>
-        <p:txBody>
-          <a:bodyPr/>
-          <a:lstStyle/>
-          <a:p>
-            <a:r>
-              <a:rPr lang="en-US" dirty="0"/>
-              <a:t>URL to project resources (if available</a:t>
-            </a:r>
-            <a:r>
-              <a:rPr lang="en-US" dirty="0" smtClean="0"/>
-              <a:t>)</a:t>
-            </a:r>
             <a:r>
               <a:rPr lang="lv-LV" dirty="0" smtClean="0"/>
-              <a:t>:</a:t>
-            </a:r>
-          </a:p>
-          <a:p>
-            <a:pPr lvl="1"/>
-            <a:r>
-              <a:rPr lang="en-US" dirty="0">
-                <a:hlinkClick r:id="rId2"/>
-              </a:rPr>
-              <a:t>https://</a:t>
-            </a:r>
-            <a:r>
-              <a:rPr lang="en-US" dirty="0" smtClean="0">
-                <a:hlinkClick r:id="rId2"/>
-              </a:rPr>
-              <a:t>github.com/bricht/piens-un-maize</a:t>
-            </a:r>
-            <a:endParaRPr lang="lv-LV" dirty="0" smtClean="0"/>
-          </a:p>
-          <a:p>
-            <a:pPr lvl="1"/>
-            <a:r>
-              <a:rPr lang="en-US" dirty="0">
-                <a:hlinkClick r:id="rId3"/>
-              </a:rPr>
-              <a:t>https://github.com/ErnestsA/SQLite_Test</a:t>
-            </a:r>
-            <a:r>
-              <a:rPr lang="en-US" dirty="0"/>
-              <a:t> </a:t>
-            </a:r>
-            <a:endParaRPr lang="lv-LV" dirty="0" smtClean="0"/>
-          </a:p>
-          <a:p>
-            <a:pPr lvl="1"/>
-            <a:r>
-              <a:rPr lang="en-US" dirty="0">
-                <a:hlinkClick r:id="rId4"/>
-              </a:rPr>
-              <a:t>https://github.com/LaurisLazda/WebDataReader</a:t>
-            </a:r>
-            <a:endParaRPr lang="en-US" dirty="0"/>
-          </a:p>
-          <a:p>
-            <a:r>
-              <a:rPr lang="en-US" dirty="0"/>
-              <a:t>Main features of the project (which is usually written in something like readme.txt),</a:t>
-            </a:r>
-          </a:p>
-          <a:p>
-            <a:r>
-              <a:rPr lang="en-US" dirty="0"/>
-              <a:t>List of team members and their main contribution to project,</a:t>
-            </a:r>
-          </a:p>
-          <a:p>
-            <a:r>
-              <a:rPr lang="en-US" dirty="0"/>
-              <a:t>Biggest challenges in the project and lessons learned.</a:t>
-            </a:r>
-          </a:p>
-          <a:p>
-            <a:endParaRPr lang="en-US" dirty="0"/>
-          </a:p>
-        </p:txBody>
-      </p:sp>
-    </p:spTree>
-    <p:extLst>
-      <p:ext uri="{BB962C8B-B14F-4D97-AF65-F5344CB8AC3E}">
-        <p14:creationId xmlns:p14="http://schemas.microsoft.com/office/powerpoint/2010/main" val="27205742"/>
-      </p:ext>
-    </p:extLst>
-  </p:cSld>
-  <p:clrMapOvr>
-    <a:masterClrMapping/>
-  </p:clrMapOvr>
-  <p:timing>
-    <p:tnLst>
-      <p:par>
-        <p:cTn id="1" dur="indefinite" restart="never" nodeType="tmRoot"/>
-      </p:par>
-    </p:tnLst>
-  </p:timing>
-</p:sld>
-</file>
-
-<file path=ppt/slides/slide12.xml><?xml version="1.0" encoding="utf-8"?>
-<p:sld xmlns:a="http://schemas.openxmlformats.org/drawingml/2006/main" xmlns:r="http://schemas.openxmlformats.org/officeDocument/2006/relationships" xmlns:p="http://schemas.openxmlformats.org/presentationml/2006/main">
-  <p:cSld>
-    <p:spTree>
-      <p:nvGrpSpPr>
-        <p:cNvPr id="1" name=""/>
-        <p:cNvGrpSpPr/>
-        <p:nvPr/>
-      </p:nvGrpSpPr>
-      <p:grpSpPr>
-        <a:xfrm>
-          <a:off x="0" y="0"/>
-          <a:ext cx="0" cy="0"/>
-          <a:chOff x="0" y="0"/>
-          <a:chExt cx="0" cy="0"/>
-        </a:xfrm>
-      </p:grpSpPr>
-      <p:sp>
-        <p:nvSpPr>
-          <p:cNvPr id="2" name="Title 1"/>
-          <p:cNvSpPr>
-            <a:spLocks noGrp="1"/>
-          </p:cNvSpPr>
-          <p:nvPr>
-            <p:ph type="title"/>
-          </p:nvPr>
-        </p:nvSpPr>
-        <p:spPr/>
-        <p:txBody>
-          <a:bodyPr/>
-          <a:lstStyle/>
-          <a:p>
-            <a:r>
-              <a:rPr lang="en-US" dirty="0"/>
-              <a:t>Future work</a:t>
-            </a:r>
-            <a:br>
-              <a:rPr lang="en-US" dirty="0"/>
-            </a:br>
-            <a:endParaRPr lang="en-US" dirty="0"/>
-          </a:p>
-        </p:txBody>
-      </p:sp>
-      <p:sp>
-        <p:nvSpPr>
-          <p:cNvPr id="3" name="Content Placeholder 2"/>
-          <p:cNvSpPr>
-            <a:spLocks noGrp="1"/>
-          </p:cNvSpPr>
-          <p:nvPr>
-            <p:ph idx="1"/>
-          </p:nvPr>
-        </p:nvSpPr>
-        <p:spPr/>
-        <p:txBody>
-          <a:bodyPr/>
-          <a:lstStyle/>
-          <a:p>
-            <a:r>
-              <a:rPr lang="en-US" dirty="0"/>
-              <a:t>1. Overcome RIMI app;</a:t>
-            </a:r>
-          </a:p>
-          <a:p>
-            <a:r>
-              <a:rPr lang="en-US" dirty="0"/>
-              <a:t>2. Sell </a:t>
-            </a:r>
-            <a:r>
-              <a:rPr lang="en-US" dirty="0" err="1"/>
-              <a:t>Milk'n'Bread</a:t>
-            </a:r>
-            <a:r>
-              <a:rPr lang="en-US" dirty="0"/>
-              <a:t> to RIMI;</a:t>
-            </a:r>
-          </a:p>
-          <a:p>
-            <a:r>
-              <a:rPr lang="en-US" dirty="0"/>
-              <a:t>3. Earn first million;</a:t>
-            </a:r>
-          </a:p>
-          <a:p>
-            <a:r>
-              <a:rPr lang="en-US" dirty="0"/>
-              <a:t>4. </a:t>
+              <a:t>Implement Categories;</a:t>
+            </a:r>
+          </a:p>
+          <a:p>
+            <a:r>
+              <a:rPr lang="lv-LV" dirty="0" smtClean="0"/>
+              <a:t>Get Maxima and other shop prices;</a:t>
+            </a:r>
+          </a:p>
+          <a:p>
+            <a:r>
+              <a:rPr lang="lv-LV" dirty="0" smtClean="0"/>
+              <a:t>Implement multiple user database usage;</a:t>
             </a:r>
           </a:p>
           <a:p>
@@ -3957,7 +3708,11 @@
           <a:p>
             <a:r>
               <a:rPr lang="lv-LV" dirty="0" smtClean="0"/>
-              <a:t>Android application et cetera....</a:t>
+              <a:t>Android application </a:t>
+            </a:r>
+            <a:r>
+              <a:rPr lang="lv-LV" dirty="0" smtClean="0"/>
+              <a:t>about grocery shopping list.</a:t>
             </a:r>
             <a:endParaRPr lang="en-US" dirty="0"/>
           </a:p>
@@ -4054,7 +3809,11 @@
           <a:bodyPr/>
           <a:lstStyle/>
           <a:p>
-            <a:endParaRPr lang="en-US"/>
+            <a:r>
+              <a:rPr lang="lv-LV" dirty="0" smtClean="0"/>
+              <a:t>SCRUM</a:t>
+            </a:r>
+            <a:endParaRPr lang="en-US" dirty="0"/>
           </a:p>
         </p:txBody>
       </p:sp>
@@ -4068,6 +3827,13 @@
   <p:clrMapOvr>
     <a:masterClrMapping/>
   </p:clrMapOvr>
+  <p:timing>
+    <p:tnLst>
+      <p:par>
+        <p:cTn id="1" dur="indefinite" restart="never" nodeType="tmRoot"/>
+      </p:par>
+    </p:tnLst>
+  </p:timing>
 </p:sld>
 </file>
 
@@ -4117,13 +3883,6 @@
               <a:rPr lang="en-US" dirty="0" smtClean="0"/>
               <a:t> tools</a:t>
             </a:r>
-            <a:r>
-              <a:rPr lang="en-US" dirty="0"/>
-              <a:t/>
-            </a:r>
-            <a:br>
-              <a:rPr lang="en-US" dirty="0"/>
-            </a:br>
             <a:endParaRPr lang="en-US" dirty="0"/>
           </a:p>
         </p:txBody>
@@ -4140,13 +3899,21 @@
         </p:nvSpPr>
         <p:spPr/>
         <p:txBody>
-          <a:bodyPr/>
+          <a:bodyPr>
+            <a:normAutofit lnSpcReduction="10000"/>
+          </a:bodyPr>
           <a:lstStyle/>
           <a:p>
             <a:r>
               <a:rPr lang="lv-LV" dirty="0" smtClean="0"/>
               <a:t>Java</a:t>
             </a:r>
+          </a:p>
+          <a:p>
+            <a:r>
+              <a:rPr lang="lv-LV" dirty="0" smtClean="0"/>
+              <a:t>Git</a:t>
+            </a:r>
             <a:endParaRPr lang="lv-LV" dirty="0"/>
           </a:p>
           <a:p>
@@ -4188,7 +3955,11 @@
           <a:p>
             <a:r>
               <a:rPr lang="lv-LV" dirty="0" smtClean="0"/>
-              <a:t>Android 6.0 and Higher</a:t>
+              <a:t>Android 6.0 and </a:t>
+            </a:r>
+            <a:r>
+              <a:rPr lang="lv-LV" dirty="0" smtClean="0"/>
+              <a:t>Higher</a:t>
             </a:r>
           </a:p>
         </p:txBody>
@@ -4249,7 +4020,7 @@
           <a:p>
             <a:r>
               <a:rPr lang="en-US" dirty="0"/>
-              <a:t>System overall design (chosen frameworks, libraries and high level code structure)</a:t>
+              <a:t>System data model (persistence in general, particularly, database)</a:t>
             </a:r>
             <a:br>
               <a:rPr lang="en-US" dirty="0"/>
@@ -4273,14 +4044,54 @@
           <a:bodyPr/>
           <a:lstStyle/>
           <a:p>
+            <a:pPr marL="0" indent="0">
+              <a:buNone/>
+            </a:pPr>
+            <a:r>
+              <a:rPr lang="lv-LV" dirty="0" smtClean="0"/>
+              <a:t>Database table constraints secured</a:t>
+            </a:r>
+          </a:p>
+          <a:p>
+            <a:pPr marL="0" indent="0">
+              <a:buNone/>
+            </a:pPr>
+            <a:r>
+              <a:rPr lang="lv-LV" dirty="0" smtClean="0"/>
+              <a:t>At Java code level.</a:t>
+            </a:r>
             <a:endParaRPr lang="en-US" dirty="0"/>
           </a:p>
         </p:txBody>
       </p:sp>
+      <p:pic>
+        <p:nvPicPr>
+          <p:cNvPr id="4" name="Picture 3"/>
+          <p:cNvPicPr>
+            <a:picLocks noChangeAspect="1"/>
+          </p:cNvPicPr>
+          <p:nvPr/>
+        </p:nvPicPr>
+        <p:blipFill>
+          <a:blip r:embed="rId2"/>
+          <a:stretch>
+            <a:fillRect/>
+          </a:stretch>
+        </p:blipFill>
+        <p:spPr>
+          <a:xfrm>
+            <a:off x="6005146" y="1825625"/>
+            <a:ext cx="5105400" cy="4181475"/>
+          </a:xfrm>
+          <a:prstGeom prst="rect">
+            <a:avLst/>
+          </a:prstGeom>
+        </p:spPr>
+      </p:pic>
     </p:spTree>
     <p:extLst>
       <p:ext uri="{BB962C8B-B14F-4D97-AF65-F5344CB8AC3E}">
-        <p14:creationId xmlns:p14="http://schemas.microsoft.com/office/powerpoint/2010/main" val="917454996"/>
+        <p14:creationId xmlns:p14="http://schemas.microsoft.com/office/powerpoint/2010/main" val="1309183742"/>
       </p:ext>
     </p:extLst>
   </p:cSld>
@@ -4327,13 +4138,25 @@
         <p:spPr/>
         <p:txBody>
           <a:bodyPr>
-            <a:normAutofit fontScale="90000"/>
+            <a:normAutofit/>
           </a:bodyPr>
           <a:lstStyle/>
           <a:p>
             <a:r>
               <a:rPr lang="en-US" dirty="0"/>
-              <a:t>System data model (persistence in general, particularly, database)</a:t>
+              <a:t>System building and </a:t>
+            </a:r>
+            <a:r>
+              <a:rPr lang="en-US" dirty="0" err="1" smtClean="0"/>
+              <a:t>deploymen</a:t>
+            </a:r>
+            <a:r>
+              <a:rPr lang="lv-LV" dirty="0" smtClean="0"/>
+              <a:t>t</a:t>
+            </a:r>
+            <a:r>
+              <a:rPr lang="en-US" dirty="0"/>
+              <a:t/>
             </a:r>
             <a:br>
               <a:rPr lang="en-US" dirty="0"/>
@@ -4359,40 +4182,30 @@
           <a:p>
             <a:r>
               <a:rPr lang="lv-LV" dirty="0" smtClean="0"/>
-              <a:t>TODO: Reverse Engineering – create UML Diagram from database!!!</a:t>
-            </a:r>
+              <a:t>Manual testing</a:t>
+            </a:r>
+          </a:p>
+          <a:p>
+            <a:r>
+              <a:rPr lang="lv-LV" dirty="0" smtClean="0"/>
+              <a:t>Debuging</a:t>
+            </a:r>
+          </a:p>
+          <a:p>
+            <a:r>
+              <a:rPr lang="lv-LV" dirty="0" smtClean="0"/>
+              <a:t>Junit tests for local DB</a:t>
+            </a:r>
+          </a:p>
+          <a:p>
             <a:endParaRPr lang="en-US" dirty="0"/>
           </a:p>
         </p:txBody>
       </p:sp>
-      <p:pic>
-        <p:nvPicPr>
-          <p:cNvPr id="4" name="Picture 3"/>
-          <p:cNvPicPr>
-            <a:picLocks noChangeAspect="1"/>
-          </p:cNvPicPr>
-          <p:nvPr/>
-        </p:nvPicPr>
-        <p:blipFill>
-          <a:blip r:embed="rId2"/>
-          <a:stretch>
-            <a:fillRect/>
-          </a:stretch>
-        </p:blipFill>
-        <p:spPr>
-          <a:xfrm>
-            <a:off x="2816469" y="2428508"/>
-            <a:ext cx="5105400" cy="4181475"/>
-          </a:xfrm>
-          <a:prstGeom prst="rect">
-            <a:avLst/>
-          </a:prstGeom>
-        </p:spPr>
-      </p:pic>
     </p:spTree>
     <p:extLst>
       <p:ext uri="{BB962C8B-B14F-4D97-AF65-F5344CB8AC3E}">
-        <p14:creationId xmlns:p14="http://schemas.microsoft.com/office/powerpoint/2010/main" val="1309183742"/>
+        <p14:creationId xmlns:p14="http://schemas.microsoft.com/office/powerpoint/2010/main" val="3082101261"/>
       </p:ext>
     </p:extLst>
   </p:cSld>
@@ -4438,22 +4251,12 @@
         </p:nvSpPr>
         <p:spPr/>
         <p:txBody>
-          <a:bodyPr>
-            <a:normAutofit fontScale="90000"/>
-          </a:bodyPr>
+          <a:bodyPr/>
           <a:lstStyle/>
           <a:p>
             <a:r>
               <a:rPr lang="en-US" dirty="0"/>
-              <a:t>Automated unit and/or system tests (</a:t>
-            </a:r>
-            <a:r>
-              <a:rPr lang="en-US" dirty="0" err="1"/>
-              <a:t>Junit</a:t>
-            </a:r>
-            <a:r>
-              <a:rPr lang="en-US" dirty="0"/>
-              <a:t>, Selenium, etc.)</a:t>
+              <a:t>Final overview:</a:t>
             </a:r>
             <a:br>
               <a:rPr lang="en-US" dirty="0"/>
@@ -4478,9 +4281,78 @@
           <a:lstStyle/>
           <a:p>
             <a:r>
+              <a:rPr lang="en-US" dirty="0"/>
+              <a:t>URL to project resources (if available</a:t>
+            </a:r>
+            <a:r>
+              <a:rPr lang="en-US" dirty="0" smtClean="0"/>
+              <a:t>)</a:t>
+            </a:r>
+            <a:r>
               <a:rPr lang="lv-LV" dirty="0" smtClean="0"/>
-              <a:t>TODO: Junit, SQLite (Local database)</a:t>
-            </a:r>
+              <a:t>:</a:t>
+            </a:r>
+          </a:p>
+          <a:p>
+            <a:pPr lvl="1"/>
+            <a:r>
+              <a:rPr lang="en-US" dirty="0">
+                <a:hlinkClick r:id="rId2"/>
+              </a:rPr>
+              <a:t>https://</a:t>
+            </a:r>
+            <a:r>
+              <a:rPr lang="en-US" dirty="0" smtClean="0">
+                <a:hlinkClick r:id="rId2"/>
+              </a:rPr>
+              <a:t>github.com/bricht/piens-un-maize</a:t>
+            </a:r>
+            <a:endParaRPr lang="lv-LV" dirty="0" smtClean="0"/>
+          </a:p>
+          <a:p>
+            <a:pPr lvl="1"/>
+            <a:r>
+              <a:rPr lang="en-US" dirty="0">
+                <a:hlinkClick r:id="rId3"/>
+              </a:rPr>
+              <a:t>https://github.com/ErnestsA/SQLite_Test</a:t>
+            </a:r>
+            <a:r>
+              <a:rPr lang="en-US" dirty="0"/>
+              <a:t> </a:t>
+            </a:r>
+            <a:endParaRPr lang="lv-LV" dirty="0" smtClean="0"/>
+          </a:p>
+          <a:p>
+            <a:pPr lvl="1"/>
+            <a:r>
+              <a:rPr lang="en-US" dirty="0">
+                <a:hlinkClick r:id="rId4"/>
+              </a:rPr>
+              <a:t>https://github.com/LaurisLazda/WebDataReader</a:t>
+            </a:r>
+            <a:endParaRPr lang="en-US" dirty="0"/>
+          </a:p>
+          <a:p>
+            <a:r>
+              <a:rPr lang="en-US" dirty="0"/>
+              <a:t>Main features of the project (which is usually written in something like </a:t>
+            </a:r>
+            <a:r>
+              <a:rPr lang="en-US" b="1" dirty="0"/>
+              <a:t>readme.txt</a:t>
+            </a:r>
+            <a:r>
+              <a:rPr lang="en-US" dirty="0" smtClean="0"/>
+              <a:t>),</a:t>
+            </a:r>
+            <a:endParaRPr lang="en-US" dirty="0"/>
+          </a:p>
+          <a:p>
+            <a:pPr marL="0" indent="0">
+              <a:buNone/>
+            </a:pPr>
+            <a:endParaRPr lang="en-US" dirty="0"/>
           </a:p>
           <a:p>
             <a:endParaRPr lang="en-US" dirty="0"/>
@@ -4490,7 +4362,7 @@
     </p:spTree>
     <p:extLst>
       <p:ext uri="{BB962C8B-B14F-4D97-AF65-F5344CB8AC3E}">
-        <p14:creationId xmlns:p14="http://schemas.microsoft.com/office/powerpoint/2010/main" val="3473276231"/>
+        <p14:creationId xmlns:p14="http://schemas.microsoft.com/office/powerpoint/2010/main" val="27205742"/>
       </p:ext>
     </p:extLst>
   </p:cSld>
@@ -4536,19 +4408,13 @@
         </p:nvSpPr>
         <p:spPr/>
         <p:txBody>
-          <a:bodyPr>
-            <a:normAutofit fontScale="90000"/>
-          </a:bodyPr>
+          <a:bodyPr/>
           <a:lstStyle/>
           <a:p>
             <a:r>
               <a:rPr lang="en-US" dirty="0"/>
-              <a:t>System building and deployment (compiling, testing, and deployment)</a:t>
-            </a:r>
-            <a:br>
-              <a:rPr lang="en-US" dirty="0"/>
-            </a:br>
-            <a:endParaRPr lang="en-US" dirty="0"/>
+              <a:t>Biggest challenges in the project and lessons learned</a:t>
+            </a:r>
           </a:p>
         </p:txBody>
       </p:sp>
@@ -4569,43 +4435,42 @@
           <a:p>
             <a:r>
               <a:rPr lang="lv-LV" dirty="0" smtClean="0"/>
-              <a:t>Manual testing</a:t>
+              <a:t>First time Android application development;</a:t>
             </a:r>
           </a:p>
           <a:p>
             <a:r>
               <a:rPr lang="lv-LV" dirty="0" smtClean="0"/>
-              <a:t>Debuging</a:t>
+              <a:t>Web scraper;</a:t>
             </a:r>
           </a:p>
           <a:p>
             <a:r>
               <a:rPr lang="lv-LV" dirty="0" smtClean="0"/>
-              <a:t>Junit tests for local DB</a:t>
-            </a:r>
-          </a:p>
-          <a:p>
-            <a:endParaRPr lang="en-US" dirty="0"/>
+              <a:t>Local database (unresolved);</a:t>
+            </a:r>
+          </a:p>
+          <a:p>
+            <a:r>
+              <a:rPr lang="lv-LV" dirty="0" smtClean="0"/>
+              <a:t>Remote database;</a:t>
+            </a:r>
+          </a:p>
+          <a:p>
+            <a:endParaRPr lang="lv-LV" dirty="0" smtClean="0"/>
           </a:p>
         </p:txBody>
       </p:sp>
     </p:spTree>
     <p:extLst>
       <p:ext uri="{BB962C8B-B14F-4D97-AF65-F5344CB8AC3E}">
-        <p14:creationId xmlns:p14="http://schemas.microsoft.com/office/powerpoint/2010/main" val="3082101261"/>
+        <p14:creationId xmlns:p14="http://schemas.microsoft.com/office/powerpoint/2010/main" val="778218044"/>
       </p:ext>
     </p:extLst>
   </p:cSld>
   <p:clrMapOvr>
     <a:masterClrMapping/>
   </p:clrMapOvr>
-  <p:timing>
-    <p:tnLst>
-      <p:par>
-        <p:cTn id="1" dur="indefinite" restart="never" nodeType="tmRoot"/>
-      </p:par>
-    </p:tnLst>
-  </p:timing>
 </p:sld>
 </file>
 
@@ -4638,58 +4503,119 @@
         </p:nvSpPr>
         <p:spPr/>
         <p:txBody>
+          <a:bodyPr/>
+          <a:lstStyle/>
+          <a:p>
+            <a:r>
+              <a:rPr lang="en-US" dirty="0"/>
+              <a:t>List of team members and their main contribution to project</a:t>
+            </a:r>
+          </a:p>
+        </p:txBody>
+      </p:sp>
+      <p:sp>
+        <p:nvSpPr>
+          <p:cNvPr id="3" name="Content Placeholder 2"/>
+          <p:cNvSpPr>
+            <a:spLocks noGrp="1"/>
+          </p:cNvSpPr>
+          <p:nvPr>
+            <p:ph idx="1"/>
+          </p:nvPr>
+        </p:nvSpPr>
+        <p:spPr/>
+        <p:txBody>
           <a:bodyPr>
-            <a:normAutofit fontScale="90000"/>
+            <a:normAutofit/>
           </a:bodyPr>
           <a:lstStyle/>
           <a:p>
             <a:r>
-              <a:rPr lang="en-US" dirty="0"/>
-              <a:t>User, administrator guides and other documentation</a:t>
-            </a:r>
-            <a:br>
-              <a:rPr lang="en-US" dirty="0"/>
-            </a:br>
+              <a:rPr lang="lv-LV" dirty="0" smtClean="0"/>
+              <a:t>Mārtiņš Klevs - Front-end (Search activities, Barcode implementation)</a:t>
+            </a:r>
+          </a:p>
+          <a:p>
+            <a:r>
+              <a:rPr lang="lv-LV" dirty="0"/>
+              <a:t>Guntars </a:t>
+            </a:r>
+            <a:r>
+              <a:rPr lang="lv-LV" dirty="0" smtClean="0"/>
+              <a:t>Bērziņš – Back-end (remote database)</a:t>
+            </a:r>
+            <a:endParaRPr lang="lv-LV" dirty="0"/>
+          </a:p>
+          <a:p>
+            <a:r>
+              <a:rPr lang="lv-LV" dirty="0"/>
+              <a:t>Roberts </a:t>
+            </a:r>
+            <a:r>
+              <a:rPr lang="lv-LV" dirty="0" smtClean="0"/>
+              <a:t>Stašķevičs – Front-end(UI managment, Git management)</a:t>
+            </a:r>
+            <a:endParaRPr lang="lv-LV" dirty="0"/>
+          </a:p>
+          <a:p>
+            <a:r>
+              <a:rPr lang="lv-LV" dirty="0"/>
+              <a:t>Jānis </a:t>
+            </a:r>
+            <a:r>
+              <a:rPr lang="lv-LV" dirty="0" smtClean="0"/>
+              <a:t>Lazda – Back-end (Web Scraper, remote database population)</a:t>
+            </a:r>
+            <a:endParaRPr lang="lv-LV" dirty="0"/>
+          </a:p>
+          <a:p>
+            <a:r>
+              <a:rPr lang="lv-LV" dirty="0"/>
+              <a:t>Lauris </a:t>
+            </a:r>
+            <a:r>
+              <a:rPr lang="lv-LV" dirty="0" smtClean="0"/>
+              <a:t>Lazda – Back-end (Web Scraper) + Front-end (Shopping list activities)</a:t>
+            </a:r>
+            <a:endParaRPr lang="lv-LV" dirty="0"/>
+          </a:p>
+          <a:p>
+            <a:r>
+              <a:rPr lang="lv-LV" dirty="0"/>
+              <a:t>Ernests </a:t>
+            </a:r>
+            <a:r>
+              <a:rPr lang="lv-LV" dirty="0" smtClean="0"/>
+              <a:t>Auziņš – Back-end (local SQLite database)</a:t>
+            </a:r>
+            <a:endParaRPr lang="lv-LV" dirty="0"/>
+          </a:p>
+          <a:p>
+            <a:r>
+              <a:rPr lang="lv-LV" dirty="0"/>
+              <a:t>Jēkabs </a:t>
+            </a:r>
+            <a:r>
+              <a:rPr lang="lv-LV" dirty="0" smtClean="0"/>
+              <a:t>Aizpurvs – Front-end (UI planning and managment, Favorites activities)</a:t>
+            </a:r>
+            <a:endParaRPr lang="lv-LV" dirty="0"/>
+          </a:p>
+          <a:p>
             <a:endParaRPr lang="en-US" dirty="0"/>
-          </a:p>
-        </p:txBody>
-      </p:sp>
-      <p:sp>
-        <p:nvSpPr>
-          <p:cNvPr id="3" name="Content Placeholder 2"/>
-          <p:cNvSpPr>
-            <a:spLocks noGrp="1"/>
-          </p:cNvSpPr>
-          <p:nvPr>
-            <p:ph idx="1"/>
-          </p:nvPr>
-        </p:nvSpPr>
-        <p:spPr/>
-        <p:txBody>
-          <a:bodyPr/>
-          <a:lstStyle/>
-          <a:p>
-            <a:endParaRPr lang="en-US"/>
           </a:p>
         </p:txBody>
       </p:sp>
     </p:spTree>
     <p:extLst>
       <p:ext uri="{BB962C8B-B14F-4D97-AF65-F5344CB8AC3E}">
-        <p14:creationId xmlns:p14="http://schemas.microsoft.com/office/powerpoint/2010/main" val="298945546"/>
+        <p14:creationId xmlns:p14="http://schemas.microsoft.com/office/powerpoint/2010/main" val="3265042939"/>
       </p:ext>
     </p:extLst>
   </p:cSld>
   <p:clrMapOvr>
     <a:masterClrMapping/>
   </p:clrMapOvr>
-  <p:timing>
-    <p:tnLst>
-      <p:par>
-        <p:cTn id="1" dur="indefinite" restart="never" nodeType="tmRoot"/>
-      </p:par>
-    </p:tnLst>
-  </p:timing>
 </p:sld>
 </file>
 

--- a/presentation/MilknBread.pptx
+++ b/presentation/MilknBread.pptx
@@ -7,14 +7,14 @@
   <p:sldIdLst>
     <p:sldId id="256" r:id="rId2"/>
     <p:sldId id="257" r:id="rId3"/>
-    <p:sldId id="267" r:id="rId4"/>
-    <p:sldId id="258" r:id="rId5"/>
-    <p:sldId id="260" r:id="rId6"/>
-    <p:sldId id="262" r:id="rId7"/>
-    <p:sldId id="265" r:id="rId8"/>
-    <p:sldId id="269" r:id="rId9"/>
-    <p:sldId id="268" r:id="rId10"/>
-    <p:sldId id="266" r:id="rId11"/>
+    <p:sldId id="258" r:id="rId4"/>
+    <p:sldId id="260" r:id="rId5"/>
+    <p:sldId id="262" r:id="rId6"/>
+    <p:sldId id="265" r:id="rId7"/>
+    <p:sldId id="269" r:id="rId8"/>
+    <p:sldId id="268" r:id="rId9"/>
+    <p:sldId id="266" r:id="rId10"/>
+    <p:sldId id="270" r:id="rId11"/>
   </p:sldIdLst>
   <p:sldSz cx="12192000" cy="6858000"/>
   <p:notesSz cx="6858000" cy="9144000"/>
@@ -252,7 +252,7 @@
           <a:p>
             <a:fld id="{41DF9119-CC45-4CE0-9A82-A929B1212639}" type="datetimeFigureOut">
               <a:rPr lang="en-US" smtClean="0"/>
-              <a:t>8/24/2017</a:t>
+              <a:t>8/25/2017</a:t>
             </a:fld>
             <a:endParaRPr lang="en-US"/>
           </a:p>
@@ -422,7 +422,7 @@
           <a:p>
             <a:fld id="{41DF9119-CC45-4CE0-9A82-A929B1212639}" type="datetimeFigureOut">
               <a:rPr lang="en-US" smtClean="0"/>
-              <a:t>8/24/2017</a:t>
+              <a:t>8/25/2017</a:t>
             </a:fld>
             <a:endParaRPr lang="en-US"/>
           </a:p>
@@ -602,7 +602,7 @@
           <a:p>
             <a:fld id="{41DF9119-CC45-4CE0-9A82-A929B1212639}" type="datetimeFigureOut">
               <a:rPr lang="en-US" smtClean="0"/>
-              <a:t>8/24/2017</a:t>
+              <a:t>8/25/2017</a:t>
             </a:fld>
             <a:endParaRPr lang="en-US"/>
           </a:p>
@@ -772,7 +772,7 @@
           <a:p>
             <a:fld id="{41DF9119-CC45-4CE0-9A82-A929B1212639}" type="datetimeFigureOut">
               <a:rPr lang="en-US" smtClean="0"/>
-              <a:t>8/24/2017</a:t>
+              <a:t>8/25/2017</a:t>
             </a:fld>
             <a:endParaRPr lang="en-US"/>
           </a:p>
@@ -1018,7 +1018,7 @@
           <a:p>
             <a:fld id="{41DF9119-CC45-4CE0-9A82-A929B1212639}" type="datetimeFigureOut">
               <a:rPr lang="en-US" smtClean="0"/>
-              <a:t>8/24/2017</a:t>
+              <a:t>8/25/2017</a:t>
             </a:fld>
             <a:endParaRPr lang="en-US"/>
           </a:p>
@@ -1250,7 +1250,7 @@
           <a:p>
             <a:fld id="{41DF9119-CC45-4CE0-9A82-A929B1212639}" type="datetimeFigureOut">
               <a:rPr lang="en-US" smtClean="0"/>
-              <a:t>8/24/2017</a:t>
+              <a:t>8/25/2017</a:t>
             </a:fld>
             <a:endParaRPr lang="en-US"/>
           </a:p>
@@ -1617,7 +1617,7 @@
           <a:p>
             <a:fld id="{41DF9119-CC45-4CE0-9A82-A929B1212639}" type="datetimeFigureOut">
               <a:rPr lang="en-US" smtClean="0"/>
-              <a:t>8/24/2017</a:t>
+              <a:t>8/25/2017</a:t>
             </a:fld>
             <a:endParaRPr lang="en-US"/>
           </a:p>
@@ -1735,7 +1735,7 @@
           <a:p>
             <a:fld id="{41DF9119-CC45-4CE0-9A82-A929B1212639}" type="datetimeFigureOut">
               <a:rPr lang="en-US" smtClean="0"/>
-              <a:t>8/24/2017</a:t>
+              <a:t>8/25/2017</a:t>
             </a:fld>
             <a:endParaRPr lang="en-US"/>
           </a:p>
@@ -1830,7 +1830,7 @@
           <a:p>
             <a:fld id="{41DF9119-CC45-4CE0-9A82-A929B1212639}" type="datetimeFigureOut">
               <a:rPr lang="en-US" smtClean="0"/>
-              <a:t>8/24/2017</a:t>
+              <a:t>8/25/2017</a:t>
             </a:fld>
             <a:endParaRPr lang="en-US"/>
           </a:p>
@@ -2107,7 +2107,7 @@
           <a:p>
             <a:fld id="{41DF9119-CC45-4CE0-9A82-A929B1212639}" type="datetimeFigureOut">
               <a:rPr lang="en-US" smtClean="0"/>
-              <a:t>8/24/2017</a:t>
+              <a:t>8/25/2017</a:t>
             </a:fld>
             <a:endParaRPr lang="en-US"/>
           </a:p>
@@ -2360,7 +2360,7 @@
           <a:p>
             <a:fld id="{41DF9119-CC45-4CE0-9A82-A929B1212639}" type="datetimeFigureOut">
               <a:rPr lang="en-US" smtClean="0"/>
-              <a:t>8/24/2017</a:t>
+              <a:t>8/25/2017</a:t>
             </a:fld>
             <a:endParaRPr lang="en-US"/>
           </a:p>
@@ -2573,7 +2573,7 @@
           <a:p>
             <a:fld id="{41DF9119-CC45-4CE0-9A82-A929B1212639}" type="datetimeFigureOut">
               <a:rPr lang="en-US" smtClean="0"/>
-              <a:t>8/24/2017</a:t>
+              <a:t>8/25/2017</a:t>
             </a:fld>
             <a:endParaRPr lang="en-US"/>
           </a:p>
@@ -3000,7 +3000,15 @@
           <a:p>
             <a:r>
               <a:rPr lang="lv-LV" dirty="0" smtClean="0"/>
-              <a:t>Milk ‘n’ Bread</a:t>
+              <a:t>Bread ‘</a:t>
+            </a:r>
+            <a:r>
+              <a:rPr lang="lv-LV" dirty="0"/>
+              <a:t>n</a:t>
+            </a:r>
+            <a:r>
+              <a:rPr lang="lv-LV" dirty="0" smtClean="0"/>
+              <a:t>’ Milk</a:t>
             </a:r>
             <a:endParaRPr lang="en-US" dirty="0"/>
           </a:p>
@@ -3510,13 +3518,8 @@
           <a:p>
             <a:r>
               <a:rPr lang="lv-LV" dirty="0" smtClean="0"/>
-              <a:t>Java </a:t>
-            </a:r>
-            <a:r>
-              <a:rPr lang="lv-LV" dirty="0" smtClean="0"/>
-              <a:t>Bootcamp</a:t>
-            </a:r>
-            <a:endParaRPr lang="lv-LV" dirty="0" smtClean="0"/>
+              <a:t>Java Bootcamp</a:t>
+            </a:r>
           </a:p>
           <a:p>
             <a:r>
@@ -3563,6 +3566,35 @@
           <a:chExt cx="0" cy="0"/>
         </a:xfrm>
       </p:grpSpPr>
+      <p:pic>
+        <p:nvPicPr>
+          <p:cNvPr id="6" name="Picture 5"/>
+          <p:cNvPicPr>
+            <a:picLocks noChangeAspect="1"/>
+          </p:cNvPicPr>
+          <p:nvPr/>
+        </p:nvPicPr>
+        <p:blipFill rotWithShape="1">
+          <a:blip r:embed="rId2">
+            <a:extLst>
+              <a:ext uri="{28A0092B-C50C-407E-A947-70E740481C1C}">
+                <a14:useLocalDpi xmlns:a14="http://schemas.microsoft.com/office/drawing/2010/main" val="0"/>
+              </a:ext>
+            </a:extLst>
+          </a:blip>
+          <a:srcRect l="2149" t="18967" r="1701" b="2347"/>
+          <a:stretch/>
+        </p:blipFill>
+        <p:spPr>
+          <a:xfrm>
+            <a:off x="3477296" y="1292404"/>
+            <a:ext cx="4945487" cy="5396248"/>
+          </a:xfrm>
+          <a:prstGeom prst="rect">
+            <a:avLst/>
+          </a:prstGeom>
+        </p:spPr>
+      </p:pic>
       <p:sp>
         <p:nvSpPr>
           <p:cNvPr id="2" name="Title 1"/>
@@ -3573,55 +3605,21 @@
             <p:ph type="title"/>
           </p:nvPr>
         </p:nvSpPr>
-        <p:spPr/>
-        <p:txBody>
-          <a:bodyPr/>
-          <a:lstStyle/>
-          <a:p>
-            <a:r>
-              <a:rPr lang="en-US" dirty="0"/>
-              <a:t>Future work</a:t>
-            </a:r>
-            <a:br>
-              <a:rPr lang="en-US" dirty="0"/>
-            </a:br>
-            <a:endParaRPr lang="en-US" dirty="0"/>
-          </a:p>
-        </p:txBody>
-      </p:sp>
-      <p:sp>
-        <p:nvSpPr>
-          <p:cNvPr id="3" name="Content Placeholder 2"/>
-          <p:cNvSpPr>
-            <a:spLocks noGrp="1"/>
-          </p:cNvSpPr>
-          <p:nvPr>
-            <p:ph idx="1"/>
-          </p:nvPr>
-        </p:nvSpPr>
-        <p:spPr/>
-        <p:txBody>
-          <a:bodyPr/>
-          <a:lstStyle/>
-          <a:p>
-            <a:r>
-              <a:rPr lang="lv-LV" dirty="0" smtClean="0"/>
-              <a:t>Implement Categories;</a:t>
-            </a:r>
-          </a:p>
-          <a:p>
-            <a:r>
-              <a:rPr lang="lv-LV" dirty="0" smtClean="0"/>
-              <a:t>Get Maxima and other shop prices;</a:t>
-            </a:r>
-          </a:p>
-          <a:p>
-            <a:r>
-              <a:rPr lang="lv-LV" dirty="0" smtClean="0"/>
-              <a:t>Implement multiple user database usage;</a:t>
-            </a:r>
-          </a:p>
-          <a:p>
+        <p:spPr>
+          <a:xfrm>
+            <a:off x="941231" y="326489"/>
+            <a:ext cx="10515600" cy="1325563"/>
+          </a:xfrm>
+        </p:spPr>
+        <p:txBody>
+          <a:bodyPr/>
+          <a:lstStyle/>
+          <a:p>
+            <a:pPr algn="ctr"/>
+            <a:r>
+              <a:rPr lang="lv-LV" dirty="0" smtClean="0"/>
+              <a:t>Thank you for your attention!</a:t>
+            </a:r>
             <a:endParaRPr lang="en-US" dirty="0"/>
           </a:p>
         </p:txBody>
@@ -3629,7 +3627,7 @@
     </p:spTree>
     <p:extLst>
       <p:ext uri="{BB962C8B-B14F-4D97-AF65-F5344CB8AC3E}">
-        <p14:creationId xmlns:p14="http://schemas.microsoft.com/office/powerpoint/2010/main" val="2435937612"/>
+        <p14:creationId xmlns:p14="http://schemas.microsoft.com/office/powerpoint/2010/main" val="1403109904"/>
       </p:ext>
     </p:extLst>
   </p:cSld>
@@ -3708,11 +3706,7 @@
           <a:p>
             <a:r>
               <a:rPr lang="lv-LV" dirty="0" smtClean="0"/>
-              <a:t>Android application </a:t>
-            </a:r>
-            <a:r>
-              <a:rPr lang="lv-LV" dirty="0" smtClean="0"/>
-              <a:t>about grocery shopping list.</a:t>
+              <a:t>Android application about grocery shopping list.</a:t>
             </a:r>
             <a:endParaRPr lang="en-US" dirty="0"/>
           </a:p>
@@ -3755,6 +3749,36 @@
           <a:chExt cx="0" cy="0"/>
         </a:xfrm>
       </p:grpSpPr>
+      <p:pic>
+        <p:nvPicPr>
+          <p:cNvPr id="9" name="Picture 8"/>
+          <p:cNvPicPr>
+            <a:picLocks noChangeAspect="1"/>
+          </p:cNvPicPr>
+          <p:nvPr/>
+        </p:nvPicPr>
+        <p:blipFill>
+          <a:blip r:embed="rId2" cstate="print">
+            <a:extLst>
+              <a:ext uri="{28A0092B-C50C-407E-A947-70E740481C1C}">
+                <a14:useLocalDpi xmlns:a14="http://schemas.microsoft.com/office/drawing/2010/main" val="0"/>
+              </a:ext>
+            </a:extLst>
+          </a:blip>
+          <a:stretch>
+            <a:fillRect/>
+          </a:stretch>
+        </p:blipFill>
+        <p:spPr>
+          <a:xfrm>
+            <a:off x="7375007" y="2645860"/>
+            <a:ext cx="1788544" cy="1788544"/>
+          </a:xfrm>
+          <a:prstGeom prst="rect">
+            <a:avLst/>
+          </a:prstGeom>
+        </p:spPr>
+      </p:pic>
       <p:sp>
         <p:nvSpPr>
           <p:cNvPr id="2" name="Title 1"/>
@@ -3765,13 +3789,20 @@
             <p:ph type="title"/>
           </p:nvPr>
         </p:nvSpPr>
-        <p:spPr/>
-        <p:txBody>
-          <a:bodyPr/>
-          <a:lstStyle/>
-          <a:p>
-            <a:r>
-              <a:rPr lang="lv-LV" dirty="0" smtClean="0"/>
+        <p:spPr>
+          <a:xfrm>
+            <a:off x="838199" y="365125"/>
+            <a:ext cx="4983051" cy="1325563"/>
+          </a:xfrm>
+        </p:spPr>
+        <p:txBody>
+          <a:bodyPr>
+            <a:normAutofit/>
+          </a:bodyPr>
+          <a:lstStyle/>
+          <a:p>
+            <a:r>
+              <a:rPr lang="lv-LV" dirty="0"/>
               <a:t>U</a:t>
             </a:r>
             <a:r>
@@ -3780,47 +3811,492 @@
             </a:r>
             <a:r>
               <a:rPr lang="en-US" dirty="0" smtClean="0"/>
-              <a:t> </a:t>
+              <a:t> tools</a:t>
+            </a:r>
+            <a:endParaRPr lang="en-US" dirty="0"/>
+          </a:p>
+        </p:txBody>
+      </p:sp>
+      <p:sp>
+        <p:nvSpPr>
+          <p:cNvPr id="3" name="Content Placeholder 2"/>
+          <p:cNvSpPr>
+            <a:spLocks noGrp="1"/>
+          </p:cNvSpPr>
+          <p:nvPr>
+            <p:ph idx="1"/>
+          </p:nvPr>
+        </p:nvSpPr>
+        <p:spPr>
+          <a:xfrm>
+            <a:off x="7323786" y="1978025"/>
+            <a:ext cx="4030014" cy="4351338"/>
+          </a:xfrm>
+        </p:spPr>
+        <p:txBody>
+          <a:bodyPr>
+            <a:normAutofit/>
+          </a:bodyPr>
+          <a:lstStyle/>
+          <a:p>
+            <a:r>
+              <a:rPr lang="lv-LV" dirty="0" smtClean="0"/>
+              <a:t>SCRUM</a:t>
+            </a:r>
+          </a:p>
+        </p:txBody>
+      </p:sp>
+      <p:sp>
+        <p:nvSpPr>
+          <p:cNvPr id="4" name="Content Placeholder 2"/>
+          <p:cNvSpPr txBox="1">
+            <a:spLocks/>
+          </p:cNvSpPr>
+          <p:nvPr/>
+        </p:nvSpPr>
+        <p:spPr>
+          <a:xfrm>
+            <a:off x="990600" y="1978025"/>
+            <a:ext cx="4030014" cy="4351338"/>
+          </a:xfrm>
+          <a:prstGeom prst="rect">
+            <a:avLst/>
+          </a:prstGeom>
+        </p:spPr>
+        <p:txBody>
+          <a:bodyPr vert="horz" lIns="91440" tIns="45720" rIns="91440" bIns="45720" rtlCol="0">
+            <a:normAutofit lnSpcReduction="10000"/>
+          </a:bodyPr>
+          <a:lstStyle>
+            <a:lvl1pPr marL="228600" indent="-228600" algn="l" defTabSz="914400" rtl="0" eaLnBrk="1" latinLnBrk="0" hangingPunct="1">
+              <a:lnSpc>
+                <a:spcPct val="90000"/>
+              </a:lnSpc>
+              <a:spcBef>
+                <a:spcPts val="1000"/>
+              </a:spcBef>
+              <a:buFont typeface="Arial" panose="020B0604020202020204" pitchFamily="34" charset="0"/>
+              <a:buChar char="•"/>
+              <a:defRPr sz="2800" kern="1200">
+                <a:solidFill>
+                  <a:schemeClr val="tx1"/>
+                </a:solidFill>
+                <a:latin typeface="+mn-lt"/>
+                <a:ea typeface="+mn-ea"/>
+                <a:cs typeface="+mn-cs"/>
+              </a:defRPr>
+            </a:lvl1pPr>
+            <a:lvl2pPr marL="685800" indent="-228600" algn="l" defTabSz="914400" rtl="0" eaLnBrk="1" latinLnBrk="0" hangingPunct="1">
+              <a:lnSpc>
+                <a:spcPct val="90000"/>
+              </a:lnSpc>
+              <a:spcBef>
+                <a:spcPts val="500"/>
+              </a:spcBef>
+              <a:buFont typeface="Arial" panose="020B0604020202020204" pitchFamily="34" charset="0"/>
+              <a:buChar char="•"/>
+              <a:defRPr sz="2400" kern="1200">
+                <a:solidFill>
+                  <a:schemeClr val="tx1"/>
+                </a:solidFill>
+                <a:latin typeface="+mn-lt"/>
+                <a:ea typeface="+mn-ea"/>
+                <a:cs typeface="+mn-cs"/>
+              </a:defRPr>
+            </a:lvl2pPr>
+            <a:lvl3pPr marL="1143000" indent="-228600" algn="l" defTabSz="914400" rtl="0" eaLnBrk="1" latinLnBrk="0" hangingPunct="1">
+              <a:lnSpc>
+                <a:spcPct val="90000"/>
+              </a:lnSpc>
+              <a:spcBef>
+                <a:spcPts val="500"/>
+              </a:spcBef>
+              <a:buFont typeface="Arial" panose="020B0604020202020204" pitchFamily="34" charset="0"/>
+              <a:buChar char="•"/>
+              <a:defRPr sz="2000" kern="1200">
+                <a:solidFill>
+                  <a:schemeClr val="tx1"/>
+                </a:solidFill>
+                <a:latin typeface="+mn-lt"/>
+                <a:ea typeface="+mn-ea"/>
+                <a:cs typeface="+mn-cs"/>
+              </a:defRPr>
+            </a:lvl3pPr>
+            <a:lvl4pPr marL="1600200" indent="-228600" algn="l" defTabSz="914400" rtl="0" eaLnBrk="1" latinLnBrk="0" hangingPunct="1">
+              <a:lnSpc>
+                <a:spcPct val="90000"/>
+              </a:lnSpc>
+              <a:spcBef>
+                <a:spcPts val="500"/>
+              </a:spcBef>
+              <a:buFont typeface="Arial" panose="020B0604020202020204" pitchFamily="34" charset="0"/>
+              <a:buChar char="•"/>
+              <a:defRPr sz="1800" kern="1200">
+                <a:solidFill>
+                  <a:schemeClr val="tx1"/>
+                </a:solidFill>
+                <a:latin typeface="+mn-lt"/>
+                <a:ea typeface="+mn-ea"/>
+                <a:cs typeface="+mn-cs"/>
+              </a:defRPr>
+            </a:lvl4pPr>
+            <a:lvl5pPr marL="2057400" indent="-228600" algn="l" defTabSz="914400" rtl="0" eaLnBrk="1" latinLnBrk="0" hangingPunct="1">
+              <a:lnSpc>
+                <a:spcPct val="90000"/>
+              </a:lnSpc>
+              <a:spcBef>
+                <a:spcPts val="500"/>
+              </a:spcBef>
+              <a:buFont typeface="Arial" panose="020B0604020202020204" pitchFamily="34" charset="0"/>
+              <a:buChar char="•"/>
+              <a:defRPr sz="1800" kern="1200">
+                <a:solidFill>
+                  <a:schemeClr val="tx1"/>
+                </a:solidFill>
+                <a:latin typeface="+mn-lt"/>
+                <a:ea typeface="+mn-ea"/>
+                <a:cs typeface="+mn-cs"/>
+              </a:defRPr>
+            </a:lvl5pPr>
+            <a:lvl6pPr marL="2514600" indent="-228600" algn="l" defTabSz="914400" rtl="0" eaLnBrk="1" latinLnBrk="0" hangingPunct="1">
+              <a:lnSpc>
+                <a:spcPct val="90000"/>
+              </a:lnSpc>
+              <a:spcBef>
+                <a:spcPts val="500"/>
+              </a:spcBef>
+              <a:buFont typeface="Arial" panose="020B0604020202020204" pitchFamily="34" charset="0"/>
+              <a:buChar char="•"/>
+              <a:defRPr sz="1800" kern="1200">
+                <a:solidFill>
+                  <a:schemeClr val="tx1"/>
+                </a:solidFill>
+                <a:latin typeface="+mn-lt"/>
+                <a:ea typeface="+mn-ea"/>
+                <a:cs typeface="+mn-cs"/>
+              </a:defRPr>
+            </a:lvl6pPr>
+            <a:lvl7pPr marL="2971800" indent="-228600" algn="l" defTabSz="914400" rtl="0" eaLnBrk="1" latinLnBrk="0" hangingPunct="1">
+              <a:lnSpc>
+                <a:spcPct val="90000"/>
+              </a:lnSpc>
+              <a:spcBef>
+                <a:spcPts val="500"/>
+              </a:spcBef>
+              <a:buFont typeface="Arial" panose="020B0604020202020204" pitchFamily="34" charset="0"/>
+              <a:buChar char="•"/>
+              <a:defRPr sz="1800" kern="1200">
+                <a:solidFill>
+                  <a:schemeClr val="tx1"/>
+                </a:solidFill>
+                <a:latin typeface="+mn-lt"/>
+                <a:ea typeface="+mn-ea"/>
+                <a:cs typeface="+mn-cs"/>
+              </a:defRPr>
+            </a:lvl7pPr>
+            <a:lvl8pPr marL="3429000" indent="-228600" algn="l" defTabSz="914400" rtl="0" eaLnBrk="1" latinLnBrk="0" hangingPunct="1">
+              <a:lnSpc>
+                <a:spcPct val="90000"/>
+              </a:lnSpc>
+              <a:spcBef>
+                <a:spcPts val="500"/>
+              </a:spcBef>
+              <a:buFont typeface="Arial" panose="020B0604020202020204" pitchFamily="34" charset="0"/>
+              <a:buChar char="•"/>
+              <a:defRPr sz="1800" kern="1200">
+                <a:solidFill>
+                  <a:schemeClr val="tx1"/>
+                </a:solidFill>
+                <a:latin typeface="+mn-lt"/>
+                <a:ea typeface="+mn-ea"/>
+                <a:cs typeface="+mn-cs"/>
+              </a:defRPr>
+            </a:lvl8pPr>
+            <a:lvl9pPr marL="3886200" indent="-228600" algn="l" defTabSz="914400" rtl="0" eaLnBrk="1" latinLnBrk="0" hangingPunct="1">
+              <a:lnSpc>
+                <a:spcPct val="90000"/>
+              </a:lnSpc>
+              <a:spcBef>
+                <a:spcPts val="500"/>
+              </a:spcBef>
+              <a:buFont typeface="Arial" panose="020B0604020202020204" pitchFamily="34" charset="0"/>
+              <a:buChar char="•"/>
+              <a:defRPr sz="1800" kern="1200">
+                <a:solidFill>
+                  <a:schemeClr val="tx1"/>
+                </a:solidFill>
+                <a:latin typeface="+mn-lt"/>
+                <a:ea typeface="+mn-ea"/>
+                <a:cs typeface="+mn-cs"/>
+              </a:defRPr>
+            </a:lvl9pPr>
+          </a:lstStyle>
+          <a:p>
+            <a:r>
+              <a:rPr lang="lv-LV" dirty="0" smtClean="0"/>
+              <a:t>Java</a:t>
+            </a:r>
+          </a:p>
+          <a:p>
+            <a:r>
+              <a:rPr lang="lv-LV" dirty="0" smtClean="0"/>
+              <a:t>Git</a:t>
+            </a:r>
+          </a:p>
+          <a:p>
+            <a:r>
+              <a:rPr lang="lv-LV" dirty="0" smtClean="0"/>
+              <a:t>Balsamiq Mockup</a:t>
+            </a:r>
+          </a:p>
+          <a:p>
+            <a:r>
+              <a:rPr lang="lv-LV" dirty="0" smtClean="0"/>
+              <a:t>Androdi Studio</a:t>
+            </a:r>
+          </a:p>
+          <a:p>
+            <a:r>
+              <a:rPr lang="lv-LV" dirty="0" smtClean="0"/>
+              <a:t>Mysql Workbench</a:t>
+            </a:r>
+          </a:p>
+          <a:p>
+            <a:r>
+              <a:rPr lang="lv-LV" dirty="0" smtClean="0"/>
+              <a:t>Eclipse</a:t>
+            </a:r>
+          </a:p>
+          <a:p>
+            <a:r>
+              <a:rPr lang="lv-LV" dirty="0" smtClean="0"/>
+              <a:t>PHP</a:t>
+            </a:r>
+          </a:p>
+          <a:p>
+            <a:r>
+              <a:rPr lang="lv-LV" dirty="0" smtClean="0"/>
+              <a:t>Windows/Lubuntu</a:t>
+            </a:r>
+          </a:p>
+          <a:p>
+            <a:r>
+              <a:rPr lang="lv-LV" dirty="0" smtClean="0"/>
+              <a:t>Android 6.0 and Higher</a:t>
+            </a:r>
+          </a:p>
+        </p:txBody>
+      </p:sp>
+      <p:sp>
+        <p:nvSpPr>
+          <p:cNvPr id="5" name="Title 1"/>
+          <p:cNvSpPr txBox="1">
+            <a:spLocks/>
+          </p:cNvSpPr>
+          <p:nvPr/>
+        </p:nvSpPr>
+        <p:spPr>
+          <a:xfrm>
+            <a:off x="6735651" y="365125"/>
+            <a:ext cx="4618149" cy="1325563"/>
+          </a:xfrm>
+          <a:prstGeom prst="rect">
+            <a:avLst/>
+          </a:prstGeom>
+        </p:spPr>
+        <p:txBody>
+          <a:bodyPr vert="horz" lIns="91440" tIns="45720" rIns="91440" bIns="45720" rtlCol="0" anchor="ctr">
+            <a:normAutofit fontScale="85000" lnSpcReduction="10000"/>
+          </a:bodyPr>
+          <a:lstStyle>
+            <a:lvl1pPr algn="l" defTabSz="914400" rtl="0" eaLnBrk="1" latinLnBrk="0" hangingPunct="1">
+              <a:lnSpc>
+                <a:spcPct val="90000"/>
+              </a:lnSpc>
+              <a:spcBef>
+                <a:spcPct val="0"/>
+              </a:spcBef>
+              <a:buNone/>
+              <a:defRPr sz="4400" kern="1200">
+                <a:solidFill>
+                  <a:schemeClr val="tx1"/>
+                </a:solidFill>
+                <a:latin typeface="+mj-lt"/>
+                <a:ea typeface="+mj-ea"/>
+                <a:cs typeface="+mj-cs"/>
+              </a:defRPr>
+            </a:lvl1pPr>
+          </a:lstStyle>
+          <a:p>
+            <a:r>
+              <a:rPr lang="lv-LV" dirty="0"/>
+              <a:t>U</a:t>
+            </a:r>
+            <a:r>
+              <a:rPr lang="en-US" dirty="0" err="1"/>
+              <a:t>sed</a:t>
             </a:r>
             <a:r>
               <a:rPr lang="en-US" dirty="0"/>
-              <a:t>workload management </a:t>
-            </a:r>
-            <a:r>
-              <a:rPr lang="en-US" dirty="0" smtClean="0"/>
-              <a:t>approach</a:t>
-            </a:r>
-            <a:endParaRPr lang="en-US" dirty="0"/>
-          </a:p>
-        </p:txBody>
-      </p:sp>
-      <p:sp>
-        <p:nvSpPr>
-          <p:cNvPr id="3" name="Content Placeholder 2"/>
-          <p:cNvSpPr>
-            <a:spLocks noGrp="1"/>
-          </p:cNvSpPr>
-          <p:nvPr>
-            <p:ph idx="1"/>
-          </p:nvPr>
-        </p:nvSpPr>
-        <p:spPr/>
-        <p:txBody>
-          <a:bodyPr/>
-          <a:lstStyle/>
-          <a:p>
-            <a:r>
-              <a:rPr lang="lv-LV" dirty="0" smtClean="0"/>
-              <a:t>SCRUM</a:t>
-            </a:r>
-            <a:endParaRPr lang="en-US" dirty="0"/>
-          </a:p>
-        </p:txBody>
-      </p:sp>
+              <a:t> workload management approach</a:t>
+            </a:r>
+          </a:p>
+        </p:txBody>
+      </p:sp>
+      <p:pic>
+        <p:nvPicPr>
+          <p:cNvPr id="6" name="Picture 5"/>
+          <p:cNvPicPr>
+            <a:picLocks noChangeAspect="1"/>
+          </p:cNvPicPr>
+          <p:nvPr/>
+        </p:nvPicPr>
+        <p:blipFill>
+          <a:blip r:embed="rId3" cstate="print">
+            <a:extLst>
+              <a:ext uri="{28A0092B-C50C-407E-A947-70E740481C1C}">
+                <a14:useLocalDpi xmlns:a14="http://schemas.microsoft.com/office/drawing/2010/main" val="0"/>
+              </a:ext>
+            </a:extLst>
+          </a:blip>
+          <a:stretch>
+            <a:fillRect/>
+          </a:stretch>
+        </p:blipFill>
+        <p:spPr>
+          <a:xfrm>
+            <a:off x="9715479" y="3239418"/>
+            <a:ext cx="1200407" cy="1200407"/>
+          </a:xfrm>
+          <a:prstGeom prst="rect">
+            <a:avLst/>
+          </a:prstGeom>
+        </p:spPr>
+      </p:pic>
+      <p:pic>
+        <p:nvPicPr>
+          <p:cNvPr id="7" name="Picture 6"/>
+          <p:cNvPicPr>
+            <a:picLocks noChangeAspect="1"/>
+          </p:cNvPicPr>
+          <p:nvPr/>
+        </p:nvPicPr>
+        <p:blipFill>
+          <a:blip r:embed="rId4" cstate="print">
+            <a:extLst>
+              <a:ext uri="{28A0092B-C50C-407E-A947-70E740481C1C}">
+                <a14:useLocalDpi xmlns:a14="http://schemas.microsoft.com/office/drawing/2010/main" val="0"/>
+              </a:ext>
+            </a:extLst>
+          </a:blip>
+          <a:stretch>
+            <a:fillRect/>
+          </a:stretch>
+        </p:blipFill>
+        <p:spPr>
+          <a:xfrm>
+            <a:off x="9908442" y="5021376"/>
+            <a:ext cx="2014888" cy="1611910"/>
+          </a:xfrm>
+          <a:prstGeom prst="rect">
+            <a:avLst/>
+          </a:prstGeom>
+        </p:spPr>
+      </p:pic>
+      <p:pic>
+        <p:nvPicPr>
+          <p:cNvPr id="10" name="Picture 9"/>
+          <p:cNvPicPr>
+            <a:picLocks noChangeAspect="1"/>
+          </p:cNvPicPr>
+          <p:nvPr/>
+        </p:nvPicPr>
+        <p:blipFill>
+          <a:blip r:embed="rId5" cstate="print">
+            <a:extLst>
+              <a:ext uri="{28A0092B-C50C-407E-A947-70E740481C1C}">
+                <a14:useLocalDpi xmlns:a14="http://schemas.microsoft.com/office/drawing/2010/main" val="0"/>
+              </a:ext>
+            </a:extLst>
+          </a:blip>
+          <a:stretch>
+            <a:fillRect/>
+          </a:stretch>
+        </p:blipFill>
+        <p:spPr>
+          <a:xfrm>
+            <a:off x="7237506" y="4683360"/>
+            <a:ext cx="1961104" cy="1961104"/>
+          </a:xfrm>
+          <a:prstGeom prst="rect">
+            <a:avLst/>
+          </a:prstGeom>
+        </p:spPr>
+      </p:pic>
+      <p:pic>
+        <p:nvPicPr>
+          <p:cNvPr id="11" name="Picture 10"/>
+          <p:cNvPicPr>
+            <a:picLocks noChangeAspect="1"/>
+          </p:cNvPicPr>
+          <p:nvPr/>
+        </p:nvPicPr>
+        <p:blipFill>
+          <a:blip r:embed="rId6">
+            <a:extLst>
+              <a:ext uri="{28A0092B-C50C-407E-A947-70E740481C1C}">
+                <a14:useLocalDpi xmlns:a14="http://schemas.microsoft.com/office/drawing/2010/main" val="0"/>
+              </a:ext>
+            </a:extLst>
+          </a:blip>
+          <a:stretch>
+            <a:fillRect/>
+          </a:stretch>
+        </p:blipFill>
+        <p:spPr>
+          <a:xfrm>
+            <a:off x="4867594" y="4153694"/>
+            <a:ext cx="1816589" cy="1816589"/>
+          </a:xfrm>
+          <a:prstGeom prst="rect">
+            <a:avLst/>
+          </a:prstGeom>
+        </p:spPr>
+      </p:pic>
+      <p:pic>
+        <p:nvPicPr>
+          <p:cNvPr id="12" name="Picture 11"/>
+          <p:cNvPicPr>
+            <a:picLocks noChangeAspect="1"/>
+          </p:cNvPicPr>
+          <p:nvPr/>
+        </p:nvPicPr>
+        <p:blipFill>
+          <a:blip r:embed="rId7" cstate="print">
+            <a:extLst>
+              <a:ext uri="{28A0092B-C50C-407E-A947-70E740481C1C}">
+                <a14:useLocalDpi xmlns:a14="http://schemas.microsoft.com/office/drawing/2010/main" val="0"/>
+              </a:ext>
+            </a:extLst>
+          </a:blip>
+          <a:stretch>
+            <a:fillRect/>
+          </a:stretch>
+        </p:blipFill>
+        <p:spPr>
+          <a:xfrm>
+            <a:off x="4444159" y="1957362"/>
+            <a:ext cx="2449669" cy="1837252"/>
+          </a:xfrm>
+          <a:prstGeom prst="rect">
+            <a:avLst/>
+          </a:prstGeom>
+        </p:spPr>
+      </p:pic>
     </p:spTree>
     <p:extLst>
       <p:ext uri="{BB962C8B-B14F-4D97-AF65-F5344CB8AC3E}">
-        <p14:creationId xmlns:p14="http://schemas.microsoft.com/office/powerpoint/2010/main" val="443407286"/>
+        <p14:creationId xmlns:p14="http://schemas.microsoft.com/office/powerpoint/2010/main" val="2244959612"/>
       </p:ext>
     </p:extLst>
   </p:cSld>
@@ -3872,159 +4348,13 @@
           <a:lstStyle/>
           <a:p>
             <a:r>
-              <a:rPr lang="lv-LV" dirty="0"/>
-              <a:t>U</a:t>
-            </a:r>
-            <a:r>
-              <a:rPr lang="en-US" dirty="0" err="1" smtClean="0"/>
-              <a:t>sed</a:t>
+              <a:rPr lang="en-US" dirty="0"/>
+              <a:t>System data </a:t>
             </a:r>
             <a:r>
               <a:rPr lang="en-US" dirty="0" smtClean="0"/>
-              <a:t> tools</a:t>
-            </a:r>
-            <a:endParaRPr lang="en-US" dirty="0"/>
-          </a:p>
-        </p:txBody>
-      </p:sp>
-      <p:sp>
-        <p:nvSpPr>
-          <p:cNvPr id="3" name="Content Placeholder 2"/>
-          <p:cNvSpPr>
-            <a:spLocks noGrp="1"/>
-          </p:cNvSpPr>
-          <p:nvPr>
-            <p:ph idx="1"/>
-          </p:nvPr>
-        </p:nvSpPr>
-        <p:spPr/>
-        <p:txBody>
-          <a:bodyPr>
-            <a:normAutofit lnSpcReduction="10000"/>
-          </a:bodyPr>
-          <a:lstStyle/>
-          <a:p>
-            <a:r>
-              <a:rPr lang="lv-LV" dirty="0" smtClean="0"/>
-              <a:t>Java</a:t>
-            </a:r>
-          </a:p>
-          <a:p>
-            <a:r>
-              <a:rPr lang="lv-LV" dirty="0" smtClean="0"/>
-              <a:t>Git</a:t>
-            </a:r>
-            <a:endParaRPr lang="lv-LV" dirty="0"/>
-          </a:p>
-          <a:p>
-            <a:r>
-              <a:rPr lang="lv-LV" dirty="0" smtClean="0"/>
-              <a:t>Balsamiq Mockup</a:t>
-            </a:r>
-          </a:p>
-          <a:p>
-            <a:r>
-              <a:rPr lang="lv-LV" dirty="0" smtClean="0"/>
-              <a:t>Androdi Studio</a:t>
-            </a:r>
-          </a:p>
-          <a:p>
-            <a:r>
-              <a:rPr lang="lv-LV" dirty="0" smtClean="0"/>
-              <a:t>Mysql Workbench</a:t>
-            </a:r>
-          </a:p>
-          <a:p>
-            <a:r>
-              <a:rPr lang="lv-LV" dirty="0" smtClean="0"/>
-              <a:t>Eclipse</a:t>
-            </a:r>
-          </a:p>
-          <a:p>
-            <a:r>
-              <a:rPr lang="lv-LV" dirty="0" smtClean="0"/>
-              <a:t>PHP</a:t>
-            </a:r>
-          </a:p>
-          <a:p>
-            <a:r>
-              <a:rPr lang="lv-LV" dirty="0" smtClean="0"/>
-              <a:t>Windows/Lubuntu</a:t>
-            </a:r>
-          </a:p>
-          <a:p>
-            <a:r>
-              <a:rPr lang="lv-LV" dirty="0" smtClean="0"/>
-              <a:t>Android 6.0 and </a:t>
-            </a:r>
-            <a:r>
-              <a:rPr lang="lv-LV" dirty="0" smtClean="0"/>
-              <a:t>Higher</a:t>
-            </a:r>
-          </a:p>
-        </p:txBody>
-      </p:sp>
-    </p:spTree>
-    <p:extLst>
-      <p:ext uri="{BB962C8B-B14F-4D97-AF65-F5344CB8AC3E}">
-        <p14:creationId xmlns:p14="http://schemas.microsoft.com/office/powerpoint/2010/main" val="2244959612"/>
-      </p:ext>
-    </p:extLst>
-  </p:cSld>
-  <p:clrMapOvr>
-    <a:masterClrMapping/>
-  </p:clrMapOvr>
-  <p:timing>
-    <p:tnLst>
-      <p:par>
-        <p:cTn id="1" dur="indefinite" restart="never" nodeType="tmRoot"/>
-      </p:par>
-    </p:tnLst>
-  </p:timing>
-</p:sld>
-</file>
-
-<file path=ppt/slides/slide5.xml><?xml version="1.0" encoding="utf-8"?>
-<p:sld xmlns:a="http://schemas.openxmlformats.org/drawingml/2006/main" xmlns:r="http://schemas.openxmlformats.org/officeDocument/2006/relationships" xmlns:p="http://schemas.openxmlformats.org/presentationml/2006/main">
-  <p:cSld>
-    <p:spTree>
-      <p:nvGrpSpPr>
-        <p:cNvPr id="1" name=""/>
-        <p:cNvGrpSpPr/>
-        <p:nvPr/>
-      </p:nvGrpSpPr>
-      <p:grpSpPr>
-        <a:xfrm>
-          <a:off x="0" y="0"/>
-          <a:ext cx="0" cy="0"/>
-          <a:chOff x="0" y="0"/>
-          <a:chExt cx="0" cy="0"/>
-        </a:xfrm>
-      </p:grpSpPr>
-      <p:sp>
-        <p:nvSpPr>
-          <p:cNvPr id="2" name="Title 1"/>
-          <p:cNvSpPr>
-            <a:spLocks noGrp="1"/>
-          </p:cNvSpPr>
-          <p:nvPr>
-            <p:ph type="title"/>
-          </p:nvPr>
-        </p:nvSpPr>
-        <p:spPr/>
-        <p:txBody>
-          <a:bodyPr>
-            <a:normAutofit fontScale="90000"/>
-          </a:bodyPr>
-          <a:lstStyle/>
-          <a:p>
-            <a:r>
-              <a:rPr lang="en-US" dirty="0"/>
-              <a:t>System data model (persistence in general, particularly, database)</a:t>
-            </a:r>
-            <a:br>
-              <a:rPr lang="en-US" dirty="0"/>
-            </a:br>
+              <a:t>model</a:t>
+            </a:r>
             <a:endParaRPr lang="en-US" dirty="0"/>
           </a:p>
         </p:txBody>
@@ -4108,6 +4438,120 @@
 </p:sld>
 </file>
 
+<file path=ppt/slides/slide5.xml><?xml version="1.0" encoding="utf-8"?>
+<p:sld xmlns:a="http://schemas.openxmlformats.org/drawingml/2006/main" xmlns:r="http://schemas.openxmlformats.org/officeDocument/2006/relationships" xmlns:p="http://schemas.openxmlformats.org/presentationml/2006/main">
+  <p:cSld>
+    <p:spTree>
+      <p:nvGrpSpPr>
+        <p:cNvPr id="1" name=""/>
+        <p:cNvGrpSpPr/>
+        <p:nvPr/>
+      </p:nvGrpSpPr>
+      <p:grpSpPr>
+        <a:xfrm>
+          <a:off x="0" y="0"/>
+          <a:ext cx="0" cy="0"/>
+          <a:chOff x="0" y="0"/>
+          <a:chExt cx="0" cy="0"/>
+        </a:xfrm>
+      </p:grpSpPr>
+      <p:sp>
+        <p:nvSpPr>
+          <p:cNvPr id="2" name="Title 1"/>
+          <p:cNvSpPr>
+            <a:spLocks noGrp="1"/>
+          </p:cNvSpPr>
+          <p:nvPr>
+            <p:ph type="title"/>
+          </p:nvPr>
+        </p:nvSpPr>
+        <p:spPr/>
+        <p:txBody>
+          <a:bodyPr>
+            <a:normAutofit/>
+          </a:bodyPr>
+          <a:lstStyle/>
+          <a:p>
+            <a:r>
+              <a:rPr lang="en-US" dirty="0"/>
+              <a:t>System building and </a:t>
+            </a:r>
+            <a:r>
+              <a:rPr lang="en-US" dirty="0" err="1" smtClean="0"/>
+              <a:t>deploymen</a:t>
+            </a:r>
+            <a:r>
+              <a:rPr lang="lv-LV" dirty="0" smtClean="0"/>
+              <a:t>t</a:t>
+            </a:r>
+            <a:r>
+              <a:rPr lang="en-US" dirty="0"/>
+              <a:t/>
+            </a:r>
+            <a:br>
+              <a:rPr lang="en-US" dirty="0"/>
+            </a:br>
+            <a:endParaRPr lang="en-US" dirty="0"/>
+          </a:p>
+        </p:txBody>
+      </p:sp>
+      <p:sp>
+        <p:nvSpPr>
+          <p:cNvPr id="3" name="Content Placeholder 2"/>
+          <p:cNvSpPr>
+            <a:spLocks noGrp="1"/>
+          </p:cNvSpPr>
+          <p:nvPr>
+            <p:ph idx="1"/>
+          </p:nvPr>
+        </p:nvSpPr>
+        <p:spPr/>
+        <p:txBody>
+          <a:bodyPr/>
+          <a:lstStyle/>
+          <a:p>
+            <a:r>
+              <a:rPr lang="lv-LV" dirty="0" smtClean="0"/>
+              <a:t>Manual testing</a:t>
+            </a:r>
+          </a:p>
+          <a:p>
+            <a:r>
+              <a:rPr lang="lv-LV" dirty="0" smtClean="0"/>
+              <a:t>Debuging</a:t>
+            </a:r>
+          </a:p>
+          <a:p>
+            <a:r>
+              <a:rPr lang="lv-LV" dirty="0" smtClean="0"/>
+              <a:t>Junit tests for local DB</a:t>
+            </a:r>
+          </a:p>
+          <a:p>
+            <a:endParaRPr lang="en-US" dirty="0"/>
+          </a:p>
+        </p:txBody>
+      </p:sp>
+    </p:spTree>
+    <p:extLst>
+      <p:ext uri="{BB962C8B-B14F-4D97-AF65-F5344CB8AC3E}">
+        <p14:creationId xmlns:p14="http://schemas.microsoft.com/office/powerpoint/2010/main" val="3082101261"/>
+      </p:ext>
+    </p:extLst>
+  </p:cSld>
+  <p:clrMapOvr>
+    <a:masterClrMapping/>
+  </p:clrMapOvr>
+  <p:timing>
+    <p:tnLst>
+      <p:par>
+        <p:cTn id="1" dur="indefinite" restart="never" nodeType="tmRoot"/>
+      </p:par>
+    </p:tnLst>
+  </p:timing>
+</p:sld>
+</file>
+
 <file path=ppt/slides/slide6.xml><?xml version="1.0" encoding="utf-8"?>
 <p:sld xmlns:a="http://schemas.openxmlformats.org/drawingml/2006/main" xmlns:r="http://schemas.openxmlformats.org/officeDocument/2006/relationships" xmlns:p="http://schemas.openxmlformats.org/presentationml/2006/main">
   <p:cSld>
@@ -4137,26 +4581,12 @@
         </p:nvSpPr>
         <p:spPr/>
         <p:txBody>
-          <a:bodyPr>
-            <a:normAutofit/>
-          </a:bodyPr>
+          <a:bodyPr/>
           <a:lstStyle/>
           <a:p>
             <a:r>
               <a:rPr lang="en-US" dirty="0"/>
-              <a:t>System building and </a:t>
-            </a:r>
-            <a:r>
-              <a:rPr lang="en-US" dirty="0" err="1" smtClean="0"/>
-              <a:t>deploymen</a:t>
-            </a:r>
-            <a:r>
-              <a:rPr lang="lv-LV" dirty="0" smtClean="0"/>
-              <a:t>t</a:t>
-            </a:r>
-            <a:r>
-              <a:rPr lang="en-US" dirty="0"/>
-              <a:t/>
+              <a:t>Final overview:</a:t>
             </a:r>
             <a:br>
               <a:rPr lang="en-US" dirty="0"/>
@@ -4181,21 +4611,78 @@
           <a:lstStyle/>
           <a:p>
             <a:r>
-              <a:rPr lang="lv-LV" dirty="0" smtClean="0"/>
-              <a:t>Manual testing</a:t>
-            </a:r>
-          </a:p>
-          <a:p>
-            <a:r>
-              <a:rPr lang="lv-LV" dirty="0" smtClean="0"/>
-              <a:t>Debuging</a:t>
-            </a:r>
-          </a:p>
-          <a:p>
-            <a:r>
-              <a:rPr lang="lv-LV" dirty="0" smtClean="0"/>
-              <a:t>Junit tests for local DB</a:t>
-            </a:r>
+              <a:rPr lang="en-US" dirty="0"/>
+              <a:t>URL to project resources (if available</a:t>
+            </a:r>
+            <a:r>
+              <a:rPr lang="en-US" dirty="0" smtClean="0"/>
+              <a:t>)</a:t>
+            </a:r>
+            <a:r>
+              <a:rPr lang="lv-LV" dirty="0" smtClean="0"/>
+              <a:t>:</a:t>
+            </a:r>
+          </a:p>
+          <a:p>
+            <a:pPr lvl="1"/>
+            <a:r>
+              <a:rPr lang="en-US" dirty="0">
+                <a:hlinkClick r:id="rId2"/>
+              </a:rPr>
+              <a:t>https://</a:t>
+            </a:r>
+            <a:r>
+              <a:rPr lang="en-US" dirty="0" smtClean="0">
+                <a:hlinkClick r:id="rId2"/>
+              </a:rPr>
+              <a:t>github.com/bricht/piens-un-maize</a:t>
+            </a:r>
+            <a:endParaRPr lang="lv-LV" dirty="0" smtClean="0"/>
+          </a:p>
+          <a:p>
+            <a:pPr lvl="1"/>
+            <a:r>
+              <a:rPr lang="en-US" dirty="0">
+                <a:hlinkClick r:id="rId3"/>
+              </a:rPr>
+              <a:t>https://github.com/ErnestsA/SQLite_Test</a:t>
+            </a:r>
+            <a:r>
+              <a:rPr lang="en-US" dirty="0"/>
+              <a:t> </a:t>
+            </a:r>
+            <a:endParaRPr lang="lv-LV" dirty="0" smtClean="0"/>
+          </a:p>
+          <a:p>
+            <a:pPr lvl="1"/>
+            <a:r>
+              <a:rPr lang="en-US" dirty="0">
+                <a:hlinkClick r:id="rId4"/>
+              </a:rPr>
+              <a:t>https://github.com/LaurisLazda/WebDataReader</a:t>
+            </a:r>
+            <a:endParaRPr lang="en-US" dirty="0"/>
+          </a:p>
+          <a:p>
+            <a:r>
+              <a:rPr lang="en-US" dirty="0"/>
+              <a:t>Main features of the project (which is usually written in something like </a:t>
+            </a:r>
+            <a:r>
+              <a:rPr lang="en-US" b="1" dirty="0"/>
+              <a:t>readme.txt</a:t>
+            </a:r>
+            <a:r>
+              <a:rPr lang="en-US" dirty="0" smtClean="0"/>
+              <a:t>),</a:t>
+            </a:r>
+            <a:endParaRPr lang="en-US" dirty="0"/>
+          </a:p>
+          <a:p>
+            <a:pPr marL="0" indent="0">
+              <a:buNone/>
+            </a:pPr>
+            <a:endParaRPr lang="en-US" dirty="0"/>
           </a:p>
           <a:p>
             <a:endParaRPr lang="en-US" dirty="0"/>
@@ -4205,7 +4692,7 @@
     </p:spTree>
     <p:extLst>
       <p:ext uri="{BB962C8B-B14F-4D97-AF65-F5344CB8AC3E}">
-        <p14:creationId xmlns:p14="http://schemas.microsoft.com/office/powerpoint/2010/main" val="3082101261"/>
+        <p14:creationId xmlns:p14="http://schemas.microsoft.com/office/powerpoint/2010/main" val="27205742"/>
       </p:ext>
     </p:extLst>
   </p:cSld>
@@ -4256,12 +4743,8 @@
           <a:p>
             <a:r>
               <a:rPr lang="en-US" dirty="0"/>
-              <a:t>Final overview:</a:t>
-            </a:r>
-            <a:br>
-              <a:rPr lang="en-US" dirty="0"/>
-            </a:br>
-            <a:endParaRPr lang="en-US" dirty="0"/>
+              <a:t>Biggest challenges in the project and lessons learned</a:t>
+            </a:r>
           </a:p>
         </p:txBody>
       </p:sp>
@@ -4281,88 +4764,43 @@
           <a:lstStyle/>
           <a:p>
             <a:r>
-              <a:rPr lang="en-US" dirty="0"/>
-              <a:t>URL to project resources (if available</a:t>
-            </a:r>
-            <a:r>
-              <a:rPr lang="en-US" dirty="0" smtClean="0"/>
-              <a:t>)</a:t>
-            </a:r>
-            <a:r>
-              <a:rPr lang="lv-LV" dirty="0" smtClean="0"/>
-              <a:t>:</a:t>
-            </a:r>
-          </a:p>
-          <a:p>
-            <a:pPr lvl="1"/>
-            <a:r>
-              <a:rPr lang="en-US" dirty="0">
-                <a:hlinkClick r:id="rId2"/>
-              </a:rPr>
-              <a:t>https://</a:t>
-            </a:r>
-            <a:r>
-              <a:rPr lang="en-US" dirty="0" smtClean="0">
-                <a:hlinkClick r:id="rId2"/>
-              </a:rPr>
-              <a:t>github.com/bricht/piens-un-maize</a:t>
-            </a:r>
+              <a:rPr lang="lv-LV" dirty="0" smtClean="0"/>
+              <a:t>First time Android application development</a:t>
+            </a:r>
+          </a:p>
+          <a:p>
+            <a:r>
+              <a:rPr lang="lv-LV" dirty="0" smtClean="0"/>
+              <a:t>Web scraper</a:t>
+            </a:r>
+          </a:p>
+          <a:p>
+            <a:r>
+              <a:rPr lang="lv-LV" dirty="0" smtClean="0"/>
+              <a:t>Local database (unresolved)</a:t>
+            </a:r>
+          </a:p>
+          <a:p>
+            <a:r>
+              <a:rPr lang="lv-LV" dirty="0" smtClean="0"/>
+              <a:t>Remote database</a:t>
+            </a:r>
+          </a:p>
+          <a:p>
+            <a:r>
+              <a:rPr lang="lv-LV" dirty="0" smtClean="0"/>
+              <a:t>Documentation</a:t>
+            </a:r>
+          </a:p>
+          <a:p>
             <a:endParaRPr lang="lv-LV" dirty="0" smtClean="0"/>
-          </a:p>
-          <a:p>
-            <a:pPr lvl="1"/>
-            <a:r>
-              <a:rPr lang="en-US" dirty="0">
-                <a:hlinkClick r:id="rId3"/>
-              </a:rPr>
-              <a:t>https://github.com/ErnestsA/SQLite_Test</a:t>
-            </a:r>
-            <a:r>
-              <a:rPr lang="en-US" dirty="0"/>
-              <a:t> </a:t>
-            </a:r>
-            <a:endParaRPr lang="lv-LV" dirty="0" smtClean="0"/>
-          </a:p>
-          <a:p>
-            <a:pPr lvl="1"/>
-            <a:r>
-              <a:rPr lang="en-US" dirty="0">
-                <a:hlinkClick r:id="rId4"/>
-              </a:rPr>
-              <a:t>https://github.com/LaurisLazda/WebDataReader</a:t>
-            </a:r>
-            <a:endParaRPr lang="en-US" dirty="0"/>
-          </a:p>
-          <a:p>
-            <a:r>
-              <a:rPr lang="en-US" dirty="0"/>
-              <a:t>Main features of the project (which is usually written in something like </a:t>
-            </a:r>
-            <a:r>
-              <a:rPr lang="en-US" b="1" dirty="0"/>
-              <a:t>readme.txt</a:t>
-            </a:r>
-            <a:r>
-              <a:rPr lang="en-US" dirty="0" smtClean="0"/>
-              <a:t>),</a:t>
-            </a:r>
-            <a:endParaRPr lang="en-US" dirty="0"/>
-          </a:p>
-          <a:p>
-            <a:pPr marL="0" indent="0">
-              <a:buNone/>
-            </a:pPr>
-            <a:endParaRPr lang="en-US" dirty="0"/>
-          </a:p>
-          <a:p>
-            <a:endParaRPr lang="en-US" dirty="0"/>
           </a:p>
         </p:txBody>
       </p:sp>
     </p:spTree>
     <p:extLst>
       <p:ext uri="{BB962C8B-B14F-4D97-AF65-F5344CB8AC3E}">
-        <p14:creationId xmlns:p14="http://schemas.microsoft.com/office/powerpoint/2010/main" val="27205742"/>
+        <p14:creationId xmlns:p14="http://schemas.microsoft.com/office/powerpoint/2010/main" val="778218044"/>
       </p:ext>
     </p:extLst>
   </p:cSld>
@@ -4413,7 +4851,7 @@
           <a:p>
             <a:r>
               <a:rPr lang="en-US" dirty="0"/>
-              <a:t>Biggest challenges in the project and lessons learned</a:t>
+              <a:t>List of team members and their main contribution to project</a:t>
             </a:r>
           </a:p>
         </p:txBody>
@@ -4430,47 +4868,280 @@
         </p:nvSpPr>
         <p:spPr/>
         <p:txBody>
-          <a:bodyPr/>
-          <a:lstStyle/>
-          <a:p>
-            <a:r>
-              <a:rPr lang="lv-LV" dirty="0" smtClean="0"/>
-              <a:t>First time Android application development;</a:t>
-            </a:r>
-          </a:p>
-          <a:p>
-            <a:r>
-              <a:rPr lang="lv-LV" dirty="0" smtClean="0"/>
-              <a:t>Web scraper;</a:t>
-            </a:r>
-          </a:p>
-          <a:p>
-            <a:r>
-              <a:rPr lang="lv-LV" dirty="0" smtClean="0"/>
-              <a:t>Local database (unresolved);</a:t>
-            </a:r>
-          </a:p>
-          <a:p>
-            <a:r>
-              <a:rPr lang="lv-LV" dirty="0" smtClean="0"/>
-              <a:t>Remote database;</a:t>
-            </a:r>
-          </a:p>
-          <a:p>
-            <a:endParaRPr lang="lv-LV" dirty="0" smtClean="0"/>
+          <a:bodyPr>
+            <a:normAutofit lnSpcReduction="10000"/>
+          </a:bodyPr>
+          <a:lstStyle/>
+          <a:p>
+            <a:r>
+              <a:rPr lang="lv-LV" b="1" dirty="0" smtClean="0"/>
+              <a:t>Mārtiņš Klevs </a:t>
+            </a:r>
+            <a:r>
+              <a:rPr lang="lv-LV" dirty="0" smtClean="0"/>
+              <a:t>- </a:t>
+            </a:r>
+            <a:r>
+              <a:rPr lang="lv-LV" i="1" dirty="0" smtClean="0"/>
+              <a:t>Front-end</a:t>
+            </a:r>
+            <a:r>
+              <a:rPr lang="lv-LV" dirty="0" smtClean="0"/>
+              <a:t> </a:t>
+            </a:r>
+            <a:r>
+              <a:rPr lang="lv-LV" dirty="0" smtClean="0"/>
+              <a:t>(search </a:t>
+            </a:r>
+            <a:r>
+              <a:rPr lang="lv-LV" dirty="0" smtClean="0"/>
+              <a:t>activities, </a:t>
+            </a:r>
+            <a:r>
+              <a:rPr lang="lv-LV" dirty="0" smtClean="0"/>
+              <a:t>barcode </a:t>
+            </a:r>
+            <a:r>
+              <a:rPr lang="lv-LV" dirty="0" smtClean="0"/>
+              <a:t>implementation)</a:t>
+            </a:r>
+          </a:p>
+          <a:p>
+            <a:r>
+              <a:rPr lang="lv-LV" b="1" dirty="0"/>
+              <a:t>Guntars </a:t>
+            </a:r>
+            <a:r>
+              <a:rPr lang="lv-LV" b="1" dirty="0" smtClean="0"/>
+              <a:t>Bērziņš </a:t>
+            </a:r>
+            <a:r>
+              <a:rPr lang="lv-LV" dirty="0" smtClean="0"/>
+              <a:t>– </a:t>
+            </a:r>
+            <a:r>
+              <a:rPr lang="lv-LV" i="1" dirty="0" smtClean="0"/>
+              <a:t>Back-end</a:t>
+            </a:r>
+            <a:r>
+              <a:rPr lang="lv-LV" dirty="0" smtClean="0"/>
+              <a:t> (remote database)</a:t>
+            </a:r>
+            <a:endParaRPr lang="lv-LV" dirty="0"/>
+          </a:p>
+          <a:p>
+            <a:r>
+              <a:rPr lang="lv-LV" b="1" dirty="0"/>
+              <a:t>Roberts </a:t>
+            </a:r>
+            <a:r>
+              <a:rPr lang="lv-LV" b="1" dirty="0" smtClean="0"/>
+              <a:t>Stašķevičs </a:t>
+            </a:r>
+            <a:r>
+              <a:rPr lang="lv-LV" dirty="0" smtClean="0"/>
+              <a:t>– </a:t>
+            </a:r>
+            <a:r>
+              <a:rPr lang="lv-LV" i="1" dirty="0" smtClean="0"/>
+              <a:t>Front-end</a:t>
+            </a:r>
+            <a:r>
+              <a:rPr lang="lv-LV" dirty="0" smtClean="0"/>
+              <a:t> (</a:t>
+            </a:r>
+            <a:r>
+              <a:rPr lang="lv-LV" dirty="0" smtClean="0"/>
+              <a:t>UI managment, </a:t>
+            </a:r>
+            <a:r>
+              <a:rPr lang="lv-LV" dirty="0" smtClean="0"/>
+              <a:t>git </a:t>
+            </a:r>
+            <a:r>
+              <a:rPr lang="lv-LV" dirty="0" smtClean="0"/>
+              <a:t>management, </a:t>
+            </a:r>
+            <a:r>
+              <a:rPr lang="lv-LV" dirty="0" smtClean="0"/>
+              <a:t>share </a:t>
+            </a:r>
+            <a:r>
+              <a:rPr lang="lv-LV" dirty="0" smtClean="0"/>
+              <a:t>activity layouts)</a:t>
+            </a:r>
+            <a:endParaRPr lang="lv-LV" dirty="0"/>
+          </a:p>
+          <a:p>
+            <a:r>
+              <a:rPr lang="lv-LV" b="1" dirty="0"/>
+              <a:t>Jānis </a:t>
+            </a:r>
+            <a:r>
+              <a:rPr lang="lv-LV" b="1" dirty="0" smtClean="0"/>
+              <a:t>Lazda </a:t>
+            </a:r>
+            <a:r>
+              <a:rPr lang="lv-LV" dirty="0" smtClean="0"/>
+              <a:t>– </a:t>
+            </a:r>
+            <a:r>
+              <a:rPr lang="lv-LV" i="1" dirty="0" smtClean="0"/>
+              <a:t>Back-end</a:t>
+            </a:r>
+            <a:r>
+              <a:rPr lang="lv-LV" dirty="0" smtClean="0"/>
+              <a:t> </a:t>
+            </a:r>
+            <a:r>
+              <a:rPr lang="lv-LV" dirty="0" smtClean="0"/>
+              <a:t>(web </a:t>
+            </a:r>
+            <a:r>
+              <a:rPr lang="lv-LV" dirty="0"/>
+              <a:t>s</a:t>
+            </a:r>
+            <a:r>
+              <a:rPr lang="lv-LV" dirty="0" smtClean="0"/>
+              <a:t>craper</a:t>
+            </a:r>
+            <a:r>
+              <a:rPr lang="lv-LV" dirty="0" smtClean="0"/>
+              <a:t>, remote database population)</a:t>
+            </a:r>
+            <a:endParaRPr lang="lv-LV" dirty="0"/>
+          </a:p>
+          <a:p>
+            <a:r>
+              <a:rPr lang="lv-LV" b="1" dirty="0"/>
+              <a:t>Lauris </a:t>
+            </a:r>
+            <a:r>
+              <a:rPr lang="lv-LV" b="1" dirty="0" smtClean="0"/>
+              <a:t>Lazda </a:t>
+            </a:r>
+            <a:r>
+              <a:rPr lang="lv-LV" dirty="0" smtClean="0"/>
+              <a:t>– </a:t>
+            </a:r>
+            <a:r>
+              <a:rPr lang="lv-LV" i="1" dirty="0" smtClean="0"/>
+              <a:t>Back-end</a:t>
+            </a:r>
+            <a:r>
+              <a:rPr lang="lv-LV" dirty="0" smtClean="0"/>
+              <a:t> </a:t>
+            </a:r>
+            <a:r>
+              <a:rPr lang="lv-LV" dirty="0" smtClean="0"/>
+              <a:t>(web </a:t>
+            </a:r>
+            <a:r>
+              <a:rPr lang="lv-LV" dirty="0"/>
+              <a:t>s</a:t>
+            </a:r>
+            <a:r>
+              <a:rPr lang="lv-LV" dirty="0" smtClean="0"/>
+              <a:t>craper</a:t>
+            </a:r>
+            <a:r>
+              <a:rPr lang="lv-LV" dirty="0" smtClean="0"/>
+              <a:t>) + </a:t>
+            </a:r>
+            <a:r>
+              <a:rPr lang="lv-LV" i="1" dirty="0" smtClean="0"/>
+              <a:t>Front-end</a:t>
+            </a:r>
+            <a:r>
+              <a:rPr lang="lv-LV" dirty="0" smtClean="0"/>
+              <a:t> </a:t>
+            </a:r>
+            <a:r>
+              <a:rPr lang="lv-LV" dirty="0" smtClean="0"/>
+              <a:t>(shopping </a:t>
+            </a:r>
+            <a:r>
+              <a:rPr lang="lv-LV" dirty="0" smtClean="0"/>
+              <a:t>list activities)</a:t>
+            </a:r>
+            <a:endParaRPr lang="lv-LV" dirty="0"/>
+          </a:p>
+          <a:p>
+            <a:r>
+              <a:rPr lang="lv-LV" b="1" dirty="0"/>
+              <a:t>Ernests </a:t>
+            </a:r>
+            <a:r>
+              <a:rPr lang="lv-LV" b="1" dirty="0" smtClean="0"/>
+              <a:t>Auziņš </a:t>
+            </a:r>
+            <a:r>
+              <a:rPr lang="lv-LV" dirty="0" smtClean="0"/>
+              <a:t>– </a:t>
+            </a:r>
+            <a:r>
+              <a:rPr lang="lv-LV" i="1" dirty="0" smtClean="0"/>
+              <a:t>Back-end</a:t>
+            </a:r>
+            <a:r>
+              <a:rPr lang="lv-LV" dirty="0" smtClean="0"/>
+              <a:t> (local SQLite database)</a:t>
+            </a:r>
+            <a:endParaRPr lang="lv-LV" dirty="0"/>
+          </a:p>
+          <a:p>
+            <a:r>
+              <a:rPr lang="lv-LV" b="1" dirty="0"/>
+              <a:t>Jēkabs </a:t>
+            </a:r>
+            <a:r>
+              <a:rPr lang="lv-LV" b="1" dirty="0" smtClean="0"/>
+              <a:t>Aizpurvs </a:t>
+            </a:r>
+            <a:r>
+              <a:rPr lang="lv-LV" dirty="0" smtClean="0"/>
+              <a:t>– </a:t>
+            </a:r>
+            <a:r>
+              <a:rPr lang="lv-LV" i="1" dirty="0" smtClean="0"/>
+              <a:t>Front-end</a:t>
+            </a:r>
+            <a:r>
+              <a:rPr lang="lv-LV" dirty="0" smtClean="0"/>
+              <a:t> (UI planning and managment, </a:t>
+            </a:r>
+            <a:r>
+              <a:rPr lang="lv-LV" dirty="0" smtClean="0"/>
+              <a:t>favorites </a:t>
+            </a:r>
+            <a:r>
+              <a:rPr lang="lv-LV" dirty="0" smtClean="0"/>
+              <a:t>activities)</a:t>
+            </a:r>
+            <a:endParaRPr lang="lv-LV" dirty="0"/>
+          </a:p>
+          <a:p>
+            <a:endParaRPr lang="en-US" dirty="0"/>
           </a:p>
         </p:txBody>
       </p:sp>
     </p:spTree>
     <p:extLst>
       <p:ext uri="{BB962C8B-B14F-4D97-AF65-F5344CB8AC3E}">
-        <p14:creationId xmlns:p14="http://schemas.microsoft.com/office/powerpoint/2010/main" val="778218044"/>
+        <p14:creationId xmlns:p14="http://schemas.microsoft.com/office/powerpoint/2010/main" val="3265042939"/>
       </p:ext>
     </p:extLst>
   </p:cSld>
   <p:clrMapOvr>
     <a:masterClrMapping/>
   </p:clrMapOvr>
+  <p:timing>
+    <p:tnLst>
+      <p:par>
+        <p:cTn id="1" dur="indefinite" restart="never" nodeType="tmRoot"/>
+      </p:par>
+    </p:tnLst>
+  </p:timing>
 </p:sld>
 </file>
 
@@ -4508,8 +5179,12 @@
           <a:p>
             <a:r>
               <a:rPr lang="en-US" dirty="0"/>
-              <a:t>List of team members and their main contribution to project</a:t>
-            </a:r>
+              <a:t>Future work</a:t>
+            </a:r>
+            <a:br>
+              <a:rPr lang="en-US" dirty="0"/>
+            </a:br>
+            <a:endParaRPr lang="en-US" dirty="0"/>
           </a:p>
         </p:txBody>
       </p:sp>
@@ -4525,81 +5200,31 @@
         </p:nvSpPr>
         <p:spPr/>
         <p:txBody>
-          <a:bodyPr>
-            <a:normAutofit/>
-          </a:bodyPr>
-          <a:lstStyle/>
-          <a:p>
-            <a:r>
-              <a:rPr lang="lv-LV" dirty="0" smtClean="0"/>
-              <a:t>Mārtiņš Klevs - Front-end (Search activities, Barcode implementation)</a:t>
-            </a:r>
-          </a:p>
-          <a:p>
-            <a:r>
-              <a:rPr lang="lv-LV" dirty="0"/>
-              <a:t>Guntars </a:t>
-            </a:r>
-            <a:r>
-              <a:rPr lang="lv-LV" dirty="0" smtClean="0"/>
-              <a:t>Bērziņš – Back-end (remote database)</a:t>
-            </a:r>
-            <a:endParaRPr lang="lv-LV" dirty="0"/>
-          </a:p>
-          <a:p>
-            <a:r>
-              <a:rPr lang="lv-LV" dirty="0"/>
-              <a:t>Roberts </a:t>
-            </a:r>
-            <a:r>
-              <a:rPr lang="lv-LV" dirty="0" smtClean="0"/>
-              <a:t>Stašķevičs – Front-end(UI managment, Git management)</a:t>
-            </a:r>
-            <a:endParaRPr lang="lv-LV" dirty="0"/>
-          </a:p>
-          <a:p>
-            <a:r>
-              <a:rPr lang="lv-LV" dirty="0"/>
-              <a:t>Jānis </a:t>
-            </a:r>
-            <a:r>
-              <a:rPr lang="lv-LV" dirty="0" smtClean="0"/>
-              <a:t>Lazda – Back-end (Web Scraper, remote database population)</a:t>
-            </a:r>
-            <a:endParaRPr lang="lv-LV" dirty="0"/>
-          </a:p>
-          <a:p>
-            <a:r>
-              <a:rPr lang="lv-LV" dirty="0"/>
-              <a:t>Lauris </a:t>
-            </a:r>
-            <a:r>
-              <a:rPr lang="lv-LV" dirty="0" smtClean="0"/>
-              <a:t>Lazda – Back-end (Web Scraper) + Front-end (Shopping list activities)</a:t>
-            </a:r>
-            <a:endParaRPr lang="lv-LV" dirty="0"/>
-          </a:p>
-          <a:p>
-            <a:r>
-              <a:rPr lang="lv-LV" dirty="0"/>
-              <a:t>Ernests </a:t>
-            </a:r>
-            <a:r>
-              <a:rPr lang="lv-LV" dirty="0" smtClean="0"/>
-              <a:t>Auziņš – Back-end (local SQLite database)</a:t>
-            </a:r>
-            <a:endParaRPr lang="lv-LV" dirty="0"/>
-          </a:p>
-          <a:p>
-            <a:r>
-              <a:rPr lang="lv-LV" dirty="0"/>
-              <a:t>Jēkabs </a:t>
-            </a:r>
-            <a:r>
-              <a:rPr lang="lv-LV" dirty="0" smtClean="0"/>
-              <a:t>Aizpurvs – Front-end (UI planning and managment, Favorites activities)</a:t>
-            </a:r>
-            <a:endParaRPr lang="lv-LV" dirty="0"/>
+          <a:bodyPr/>
+          <a:lstStyle/>
+          <a:p>
+            <a:r>
+              <a:rPr lang="lv-LV" dirty="0" smtClean="0"/>
+              <a:t>Implement Categories;</a:t>
+            </a:r>
+          </a:p>
+          <a:p>
+            <a:r>
+              <a:rPr lang="lv-LV" dirty="0" smtClean="0"/>
+              <a:t>Get Maxima and other shop prices;</a:t>
+            </a:r>
+          </a:p>
+          <a:p>
+            <a:r>
+              <a:rPr lang="lv-LV" dirty="0" smtClean="0"/>
+              <a:t>Implement multiple user database usage;</a:t>
+            </a:r>
+          </a:p>
+          <a:p>
+            <a:r>
+              <a:rPr lang="lv-LV" dirty="0" smtClean="0"/>
+              <a:t>Sort list of products by price;</a:t>
+            </a:r>
           </a:p>
           <a:p>
             <a:endParaRPr lang="en-US" dirty="0"/>
@@ -4609,13 +5234,20 @@
     </p:spTree>
     <p:extLst>
       <p:ext uri="{BB962C8B-B14F-4D97-AF65-F5344CB8AC3E}">
-        <p14:creationId xmlns:p14="http://schemas.microsoft.com/office/powerpoint/2010/main" val="3265042939"/>
+        <p14:creationId xmlns:p14="http://schemas.microsoft.com/office/powerpoint/2010/main" val="2435937612"/>
       </p:ext>
     </p:extLst>
   </p:cSld>
   <p:clrMapOvr>
     <a:masterClrMapping/>
   </p:clrMapOvr>
+  <p:timing>
+    <p:tnLst>
+      <p:par>
+        <p:cTn id="1" dur="indefinite" restart="never" nodeType="tmRoot"/>
+      </p:par>
+    </p:tnLst>
+  </p:timing>
 </p:sld>
 </file>
 

--- a/presentation/MilknBread.pptx
+++ b/presentation/MilknBread.pptx
@@ -3674,17 +3674,18 @@
         <p:spPr/>
         <p:txBody>
           <a:bodyPr>
-            <a:normAutofit fontScale="90000"/>
+            <a:normAutofit/>
           </a:bodyPr>
           <a:lstStyle/>
           <a:p>
             <a:r>
               <a:rPr lang="en-US" dirty="0"/>
-              <a:t>Business analysis and analysis of given input (actuality of the chosen problem)</a:t>
-            </a:r>
-            <a:br>
-              <a:rPr lang="en-US" dirty="0"/>
-            </a:br>
+              <a:t>Business </a:t>
+            </a:r>
+            <a:r>
+              <a:rPr lang="en-US" dirty="0" smtClean="0"/>
+              <a:t>analysis</a:t>
+            </a:r>
             <a:endParaRPr lang="en-US" dirty="0"/>
           </a:p>
         </p:txBody>
@@ -3701,14 +3702,83 @@
         </p:nvSpPr>
         <p:spPr/>
         <p:txBody>
-          <a:bodyPr/>
-          <a:lstStyle/>
-          <a:p>
-            <a:r>
-              <a:rPr lang="lv-LV" dirty="0" smtClean="0"/>
-              <a:t>Android application about grocery shopping list.</a:t>
-            </a:r>
-            <a:endParaRPr lang="en-US" dirty="0"/>
+          <a:bodyPr>
+            <a:normAutofit lnSpcReduction="10000"/>
+          </a:bodyPr>
+          <a:lstStyle/>
+          <a:p>
+            <a:r>
+              <a:rPr lang="lv-LV" dirty="0" smtClean="0"/>
+              <a:t>Grocery shopping is something everyone does</a:t>
+            </a:r>
+          </a:p>
+          <a:p>
+            <a:r>
+              <a:rPr lang="lv-LV" dirty="0" smtClean="0"/>
+              <a:t>People obsess about saving money </a:t>
+            </a:r>
+          </a:p>
+          <a:p>
+            <a:r>
+              <a:rPr lang="lv-LV" dirty="0" smtClean="0"/>
+              <a:t>Prices vary between stores and change frequently</a:t>
+            </a:r>
+          </a:p>
+          <a:p>
+            <a:endParaRPr lang="lv-LV" dirty="0"/>
+          </a:p>
+          <a:p>
+            <a:r>
+              <a:rPr lang="lv-LV" dirty="0" smtClean="0"/>
+              <a:t>Applications with the same functionality popular abroad</a:t>
+            </a:r>
+          </a:p>
+          <a:p>
+            <a:pPr lvl="1"/>
+            <a:r>
+              <a:rPr lang="lv-LV" dirty="0" smtClean="0"/>
+              <a:t>Out of Milk (Germany)</a:t>
+            </a:r>
+          </a:p>
+          <a:p>
+            <a:pPr lvl="1"/>
+            <a:r>
+              <a:rPr lang="lv-LV" dirty="0"/>
+              <a:t>Bring! Shopping List (</a:t>
+            </a:r>
+            <a:r>
+              <a:rPr lang="lv-LV" dirty="0" smtClean="0"/>
+              <a:t>Switzerland)</a:t>
+            </a:r>
+          </a:p>
+          <a:p>
+            <a:pPr lvl="1"/>
+            <a:r>
+              <a:rPr lang="lv-LV" dirty="0"/>
+              <a:t>Smart Shopping List </a:t>
+            </a:r>
+            <a:r>
+              <a:rPr lang="lv-LV" dirty="0" smtClean="0"/>
+              <a:t>– Listonic (Poland)</a:t>
+            </a:r>
+            <a:endParaRPr lang="lv-LV" dirty="0"/>
+          </a:p>
+          <a:p>
+            <a:r>
+              <a:rPr lang="lv-LV" dirty="0" smtClean="0"/>
+              <a:t>No such application in Latvia</a:t>
+            </a:r>
+          </a:p>
+          <a:p>
+            <a:pPr lvl="1"/>
+            <a:r>
+              <a:rPr lang="lv-LV" dirty="0" smtClean="0"/>
+              <a:t>App.rimi.lv</a:t>
+            </a:r>
+          </a:p>
+          <a:p>
+            <a:pPr lvl="1"/>
+            <a:endParaRPr lang="lv-LV" dirty="0" smtClean="0"/>
           </a:p>
         </p:txBody>
       </p:sp>
@@ -4379,8 +4449,9 @@
             </a:pPr>
             <a:r>
               <a:rPr lang="lv-LV" dirty="0" smtClean="0"/>
-              <a:t>Database table constraints secured</a:t>
-            </a:r>
+              <a:t>Database table constraints </a:t>
+            </a:r>
+            <a:endParaRPr lang="lv-LV" dirty="0" smtClean="0"/>
           </a:p>
           <a:p>
             <a:pPr marL="0" indent="0">
@@ -4388,7 +4459,19 @@
             </a:pPr>
             <a:r>
               <a:rPr lang="lv-LV" dirty="0" smtClean="0"/>
-              <a:t>At Java code level.</a:t>
+              <a:t>Secured</a:t>
+            </a:r>
+            <a:r>
+              <a:rPr lang="lv-LV" dirty="0" smtClean="0"/>
+              <a:t> a</a:t>
+            </a:r>
+            <a:r>
+              <a:rPr lang="lv-LV" dirty="0" smtClean="0"/>
+              <a:t>t </a:t>
+            </a:r>
+            <a:r>
+              <a:rPr lang="lv-LV" dirty="0" smtClean="0"/>
+              <a:t>Java code level.</a:t>
             </a:r>
             <a:endParaRPr lang="en-US" dirty="0"/>
           </a:p>
@@ -4477,12 +4560,8 @@
               <a:t>System building and </a:t>
             </a:r>
             <a:r>
-              <a:rPr lang="en-US" dirty="0" err="1" smtClean="0"/>
-              <a:t>deploymen</a:t>
-            </a:r>
-            <a:r>
-              <a:rPr lang="lv-LV" dirty="0" smtClean="0"/>
-              <a:t>t</a:t>
+              <a:rPr lang="en-US" dirty="0"/>
+              <a:t>deployment</a:t>
             </a:r>
             <a:r>
               <a:rPr lang="en-US" dirty="0"/>
@@ -4586,42 +4665,44 @@
           <a:p>
             <a:r>
               <a:rPr lang="en-US" dirty="0"/>
-              <a:t>Final overview:</a:t>
-            </a:r>
-            <a:br>
+              <a:t>Final overview</a:t>
+            </a:r>
+            <a:r>
+              <a:rPr lang="en-US" dirty="0" smtClean="0"/>
+              <a:t>:</a:t>
+            </a:r>
+            <a:endParaRPr lang="en-US" dirty="0"/>
+          </a:p>
+        </p:txBody>
+      </p:sp>
+      <p:sp>
+        <p:nvSpPr>
+          <p:cNvPr id="3" name="Content Placeholder 2"/>
+          <p:cNvSpPr>
+            <a:spLocks noGrp="1"/>
+          </p:cNvSpPr>
+          <p:nvPr>
+            <p:ph idx="1"/>
+          </p:nvPr>
+        </p:nvSpPr>
+        <p:spPr/>
+        <p:txBody>
+          <a:bodyPr/>
+          <a:lstStyle/>
+          <a:p>
+            <a:r>
               <a:rPr lang="en-US" dirty="0"/>
-            </a:br>
-            <a:endParaRPr lang="en-US" dirty="0"/>
-          </a:p>
-        </p:txBody>
-      </p:sp>
-      <p:sp>
-        <p:nvSpPr>
-          <p:cNvPr id="3" name="Content Placeholder 2"/>
-          <p:cNvSpPr>
-            <a:spLocks noGrp="1"/>
-          </p:cNvSpPr>
-          <p:nvPr>
-            <p:ph idx="1"/>
-          </p:nvPr>
-        </p:nvSpPr>
-        <p:spPr/>
-        <p:txBody>
-          <a:bodyPr/>
-          <a:lstStyle/>
-          <a:p>
-            <a:r>
-              <a:rPr lang="en-US" dirty="0"/>
-              <a:t>URL to project resources (if available</a:t>
+              <a:t>URL to project </a:t>
             </a:r>
             <a:r>
               <a:rPr lang="en-US" dirty="0" smtClean="0"/>
-              <a:t>)</a:t>
+              <a:t>resources</a:t>
             </a:r>
             <a:r>
               <a:rPr lang="lv-LV" dirty="0" smtClean="0"/>
               <a:t>:</a:t>
             </a:r>
+            <a:endParaRPr lang="lv-LV" dirty="0" smtClean="0"/>
           </a:p>
           <a:p>
             <a:pPr lvl="1"/>
@@ -4637,6 +4718,10 @@
               </a:rPr>
               <a:t>github.com/bricht/piens-un-maize</a:t>
             </a:r>
+            <a:r>
+              <a:rPr lang="lv-LV" dirty="0" smtClean="0"/>
+              <a:t> - main project</a:t>
+            </a:r>
             <a:endParaRPr lang="lv-LV" dirty="0" smtClean="0"/>
           </a:p>
           <a:p>
@@ -4651,6 +4736,10 @@
               <a:rPr lang="en-US" dirty="0"/>
               <a:t> </a:t>
             </a:r>
+            <a:r>
+              <a:rPr lang="lv-LV" dirty="0" smtClean="0"/>
+              <a:t>- local database</a:t>
+            </a:r>
             <a:endParaRPr lang="lv-LV" dirty="0" smtClean="0"/>
           </a:p>
           <a:p>
@@ -4659,7 +4748,17 @@
               <a:rPr lang="en-US" dirty="0">
                 <a:hlinkClick r:id="rId4"/>
               </a:rPr>
-              <a:t>https://github.com/LaurisLazda/WebDataReader</a:t>
+              <a:t>https://</a:t>
+            </a:r>
+            <a:r>
+              <a:rPr lang="en-US" dirty="0" smtClean="0">
+                <a:hlinkClick r:id="rId4"/>
+              </a:rPr>
+              <a:t>github.com/LaurisLazda/WebDataReader</a:t>
+            </a:r>
+            <a:r>
+              <a:rPr lang="lv-LV" dirty="0" smtClean="0"/>
+              <a:t> - web scraper</a:t>
             </a:r>
             <a:endParaRPr lang="en-US" dirty="0"/>
           </a:p>
@@ -5179,11 +5278,12 @@
           <a:p>
             <a:r>
               <a:rPr lang="en-US" dirty="0"/>
-              <a:t>Future work</a:t>
-            </a:r>
-            <a:br>
-              <a:rPr lang="en-US" dirty="0"/>
-            </a:br>
+              <a:t>Future </a:t>
+            </a:r>
+            <a:r>
+              <a:rPr lang="en-US" dirty="0" smtClean="0"/>
+              <a:t>work</a:t>
+            </a:r>
             <a:endParaRPr lang="en-US" dirty="0"/>
           </a:p>
         </p:txBody>
@@ -5205,26 +5305,46 @@
           <a:p>
             <a:r>
               <a:rPr lang="lv-LV" dirty="0" smtClean="0"/>
-              <a:t>Implement Categories;</a:t>
-            </a:r>
-          </a:p>
-          <a:p>
-            <a:r>
-              <a:rPr lang="lv-LV" dirty="0" smtClean="0"/>
-              <a:t>Get Maxima and other shop prices;</a:t>
-            </a:r>
-          </a:p>
-          <a:p>
-            <a:r>
-              <a:rPr lang="lv-LV" dirty="0" smtClean="0"/>
-              <a:t>Implement multiple user database usage;</a:t>
-            </a:r>
-          </a:p>
-          <a:p>
-            <a:r>
-              <a:rPr lang="lv-LV" dirty="0" smtClean="0"/>
-              <a:t>Sort list of products by price;</a:t>
-            </a:r>
+              <a:t>Implement </a:t>
+            </a:r>
+            <a:r>
+              <a:rPr lang="lv-LV" dirty="0" smtClean="0"/>
+              <a:t>Categories</a:t>
+            </a:r>
+            <a:endParaRPr lang="lv-LV" dirty="0" smtClean="0"/>
+          </a:p>
+          <a:p>
+            <a:r>
+              <a:rPr lang="lv-LV" dirty="0" smtClean="0"/>
+              <a:t>Get </a:t>
+            </a:r>
+            <a:r>
+              <a:rPr lang="lv-LV" dirty="0" smtClean="0"/>
+              <a:t>Maxima, Elvi, Lats product prices</a:t>
+            </a:r>
+            <a:endParaRPr lang="lv-LV" dirty="0" smtClean="0"/>
+          </a:p>
+          <a:p>
+            <a:r>
+              <a:rPr lang="lv-LV" dirty="0" smtClean="0"/>
+              <a:t>Implement multiple user database </a:t>
+            </a:r>
+            <a:r>
+              <a:rPr lang="lv-LV" dirty="0" smtClean="0"/>
+              <a:t>usage</a:t>
+            </a:r>
+            <a:endParaRPr lang="lv-LV" dirty="0" smtClean="0"/>
+          </a:p>
+          <a:p>
+            <a:r>
+              <a:rPr lang="lv-LV" dirty="0" smtClean="0"/>
+              <a:t>Sort list of products by </a:t>
+            </a:r>
+            <a:r>
+              <a:rPr lang="lv-LV" dirty="0" smtClean="0"/>
+              <a:t>price</a:t>
+            </a:r>
+            <a:endParaRPr lang="lv-LV" dirty="0" smtClean="0"/>
           </a:p>
           <a:p>
             <a:endParaRPr lang="en-US" dirty="0"/>

--- a/presentation/MilknBread.pptx
+++ b/presentation/MilknBread.pptx
@@ -2,7 +2,7 @@
 <file path=ppt/presentation.xml><?xml version="1.0" encoding="utf-8"?>
 <p:presentation xmlns:a="http://schemas.openxmlformats.org/drawingml/2006/main" xmlns:r="http://schemas.openxmlformats.org/officeDocument/2006/relationships" xmlns:p="http://schemas.openxmlformats.org/presentationml/2006/main" saveSubsetFonts="1">
   <p:sldMasterIdLst>
-    <p:sldMasterId id="2147483648" r:id="rId1"/>
+    <p:sldMasterId id="2147483672" r:id="rId1"/>
   </p:sldMasterIdLst>
   <p:sldIdLst>
     <p:sldId id="256" r:id="rId2"/>
@@ -122,7 +122,7 @@
 </file>
 
 <file path=ppt/slideLayouts/slideLayout1.xml><?xml version="1.0" encoding="utf-8"?>
-<p:sldLayout xmlns:a="http://schemas.openxmlformats.org/drawingml/2006/main" xmlns:r="http://schemas.openxmlformats.org/officeDocument/2006/relationships" xmlns:p="http://schemas.openxmlformats.org/presentationml/2006/main" type="title" preserve="1">
+<p:sldLayout xmlns:a="http://schemas.openxmlformats.org/drawingml/2006/main" xmlns:r="http://schemas.openxmlformats.org/officeDocument/2006/relationships" xmlns:p="http://schemas.openxmlformats.org/presentationml/2006/main" showMasterSp="0" type="title" preserve="1">
   <p:cSld name="Title Slide">
     <p:spTree>
       <p:nvGrpSpPr>
@@ -140,25 +140,113 @@
       </p:grpSpPr>
       <p:sp>
         <p:nvSpPr>
-          <p:cNvPr id="2" name="Title 1"/>
-          <p:cNvSpPr>
-            <a:spLocks noGrp="1"/>
-          </p:cNvSpPr>
-          <p:nvPr>
-            <p:ph type="ctrTitle"/>
-          </p:nvPr>
+          <p:cNvPr id="7" name="Rectangle 6"/>
+          <p:cNvSpPr/>
+          <p:nvPr/>
         </p:nvSpPr>
         <p:spPr>
           <a:xfrm>
-            <a:off x="1524000" y="1122363"/>
-            <a:ext cx="9144000" cy="2387600"/>
+            <a:off x="3175" y="6400800"/>
+            <a:ext cx="12188825" cy="457200"/>
+          </a:xfrm>
+          <a:prstGeom prst="rect">
+            <a:avLst/>
+          </a:prstGeom>
+          <a:solidFill>
+            <a:schemeClr val="accent2"/>
+          </a:solidFill>
+          <a:ln>
+            <a:noFill/>
+          </a:ln>
+        </p:spPr>
+        <p:style>
+          <a:lnRef idx="2">
+            <a:schemeClr val="accent1">
+              <a:shade val="50000"/>
+            </a:schemeClr>
+          </a:lnRef>
+          <a:fillRef idx="1">
+            <a:schemeClr val="accent1"/>
+          </a:fillRef>
+          <a:effectRef idx="0">
+            <a:schemeClr val="accent1"/>
+          </a:effectRef>
+          <a:fontRef idx="minor">
+            <a:schemeClr val="lt1"/>
+          </a:fontRef>
+        </p:style>
+      </p:sp>
+      <p:sp>
+        <p:nvSpPr>
+          <p:cNvPr id="8" name="Rectangle 7"/>
+          <p:cNvSpPr/>
+          <p:nvPr/>
+        </p:nvSpPr>
+        <p:spPr>
+          <a:xfrm>
+            <a:off x="15" y="6334316"/>
+            <a:ext cx="12188825" cy="64008"/>
+          </a:xfrm>
+          <a:prstGeom prst="rect">
+            <a:avLst/>
+          </a:prstGeom>
+          <a:solidFill>
+            <a:schemeClr val="accent1"/>
+          </a:solidFill>
+          <a:ln>
+            <a:noFill/>
+          </a:ln>
+        </p:spPr>
+        <p:style>
+          <a:lnRef idx="2">
+            <a:schemeClr val="accent1">
+              <a:shade val="50000"/>
+            </a:schemeClr>
+          </a:lnRef>
+          <a:fillRef idx="1">
+            <a:schemeClr val="accent1"/>
+          </a:fillRef>
+          <a:effectRef idx="0">
+            <a:schemeClr val="accent1"/>
+          </a:effectRef>
+          <a:fontRef idx="minor">
+            <a:schemeClr val="lt1"/>
+          </a:fontRef>
+        </p:style>
+      </p:sp>
+      <p:sp>
+        <p:nvSpPr>
+          <p:cNvPr id="2" name="Title 1"/>
+          <p:cNvSpPr>
+            <a:spLocks noGrp="1"/>
+          </p:cNvSpPr>
+          <p:nvPr>
+            <p:ph type="ctrTitle"/>
+          </p:nvPr>
+        </p:nvSpPr>
+        <p:spPr>
+          <a:xfrm>
+            <a:off x="1097280" y="758952"/>
+            <a:ext cx="10058400" cy="3566160"/>
           </a:xfrm>
         </p:spPr>
         <p:txBody>
-          <a:bodyPr anchor="b"/>
+          <a:bodyPr anchor="b">
+            <a:normAutofit/>
+          </a:bodyPr>
           <a:lstStyle>
-            <a:lvl1pPr algn="ctr">
-              <a:defRPr sz="6000"/>
+            <a:lvl1pPr algn="l">
+              <a:lnSpc>
+                <a:spcPct val="85000"/>
+              </a:lnSpc>
+              <a:defRPr sz="8000" spc="-50" baseline="0">
+                <a:solidFill>
+                  <a:schemeClr val="tx1">
+                    <a:lumMod val="85000"/>
+                    <a:lumOff val="15000"/>
+                  </a:schemeClr>
+                </a:solidFill>
+              </a:defRPr>
             </a:lvl1pPr>
           </a:lstStyle>
           <a:p>
@@ -166,7 +254,7 @@
               <a:rPr lang="en-US" smtClean="0"/>
               <a:t>Click to edit Master title style</a:t>
             </a:r>
-            <a:endParaRPr lang="en-US"/>
+            <a:endParaRPr lang="en-US" dirty="0"/>
           </a:p>
         </p:txBody>
       </p:sp>
@@ -182,48 +270,55 @@
         </p:nvSpPr>
         <p:spPr>
           <a:xfrm>
-            <a:off x="1524000" y="3602038"/>
-            <a:ext cx="9144000" cy="1655762"/>
+            <a:off x="1100051" y="4455621"/>
+            <a:ext cx="10058400" cy="1143000"/>
           </a:xfrm>
         </p:spPr>
         <p:txBody>
-          <a:bodyPr/>
+          <a:bodyPr lIns="91440" rIns="91440">
+            <a:normAutofit/>
+          </a:bodyPr>
           <a:lstStyle>
-            <a:lvl1pPr marL="0" indent="0" algn="ctr">
-              <a:buNone/>
-              <a:defRPr sz="2400"/>
+            <a:lvl1pPr marL="0" indent="0" algn="l">
+              <a:buNone/>
+              <a:defRPr sz="2400" cap="all" spc="200" baseline="0">
+                <a:solidFill>
+                  <a:schemeClr val="tx2"/>
+                </a:solidFill>
+                <a:latin typeface="+mj-lt"/>
+              </a:defRPr>
             </a:lvl1pPr>
             <a:lvl2pPr marL="457200" indent="0" algn="ctr">
               <a:buNone/>
-              <a:defRPr sz="2000"/>
+              <a:defRPr sz="2400"/>
             </a:lvl2pPr>
             <a:lvl3pPr marL="914400" indent="0" algn="ctr">
               <a:buNone/>
-              <a:defRPr sz="1800"/>
+              <a:defRPr sz="2400"/>
             </a:lvl3pPr>
             <a:lvl4pPr marL="1371600" indent="0" algn="ctr">
               <a:buNone/>
-              <a:defRPr sz="1600"/>
+              <a:defRPr sz="2000"/>
             </a:lvl4pPr>
             <a:lvl5pPr marL="1828800" indent="0" algn="ctr">
               <a:buNone/>
-              <a:defRPr sz="1600"/>
+              <a:defRPr sz="2000"/>
             </a:lvl5pPr>
             <a:lvl6pPr marL="2286000" indent="0" algn="ctr">
               <a:buNone/>
-              <a:defRPr sz="1600"/>
+              <a:defRPr sz="2000"/>
             </a:lvl6pPr>
             <a:lvl7pPr marL="2743200" indent="0" algn="ctr">
               <a:buNone/>
-              <a:defRPr sz="1600"/>
+              <a:defRPr sz="2000"/>
             </a:lvl7pPr>
             <a:lvl8pPr marL="3200400" indent="0" algn="ctr">
               <a:buNone/>
-              <a:defRPr sz="1600"/>
+              <a:defRPr sz="2000"/>
             </a:lvl8pPr>
             <a:lvl9pPr marL="3657600" indent="0" algn="ctr">
               <a:buNone/>
-              <a:defRPr sz="1600"/>
+              <a:defRPr sz="2000"/>
             </a:lvl9pPr>
           </a:lstStyle>
           <a:p>
@@ -231,7 +326,7 @@
               <a:rPr lang="en-US" smtClean="0"/>
               <a:t>Click to edit Master subtitle style</a:t>
             </a:r>
-            <a:endParaRPr lang="en-US"/>
+            <a:endParaRPr lang="en-US" dirty="0"/>
           </a:p>
         </p:txBody>
       </p:sp>
@@ -300,10 +395,48 @@
           </a:p>
         </p:txBody>
       </p:sp>
+      <p:cxnSp>
+        <p:nvCxnSpPr>
+          <p:cNvPr id="9" name="Straight Connector 8"/>
+          <p:cNvCxnSpPr/>
+          <p:nvPr/>
+        </p:nvCxnSpPr>
+        <p:spPr>
+          <a:xfrm>
+            <a:off x="1207658" y="4343400"/>
+            <a:ext cx="9875520" cy="0"/>
+          </a:xfrm>
+          <a:prstGeom prst="line">
+            <a:avLst/>
+          </a:prstGeom>
+          <a:ln w="6350">
+            <a:solidFill>
+              <a:schemeClr val="tx1">
+                <a:lumMod val="50000"/>
+                <a:lumOff val="50000"/>
+              </a:schemeClr>
+            </a:solidFill>
+          </a:ln>
+        </p:spPr>
+        <p:style>
+          <a:lnRef idx="1">
+            <a:schemeClr val="accent1"/>
+          </a:lnRef>
+          <a:fillRef idx="0">
+            <a:schemeClr val="accent1"/>
+          </a:fillRef>
+          <a:effectRef idx="0">
+            <a:schemeClr val="accent1"/>
+          </a:effectRef>
+          <a:fontRef idx="minor">
+            <a:schemeClr val="tx1"/>
+          </a:fontRef>
+        </p:style>
+      </p:cxnSp>
     </p:spTree>
     <p:extLst>
       <p:ext uri="{BB962C8B-B14F-4D97-AF65-F5344CB8AC3E}">
-        <p14:creationId xmlns:p14="http://schemas.microsoft.com/office/powerpoint/2010/main" val="550034240"/>
+        <p14:creationId xmlns:p14="http://schemas.microsoft.com/office/powerpoint/2010/main" val="637567278"/>
       </p:ext>
     </p:extLst>
   </p:cSld>
@@ -349,7 +482,7 @@
               <a:rPr lang="en-US" smtClean="0"/>
               <a:t>Click to edit Master title style</a:t>
             </a:r>
-            <a:endParaRPr lang="en-US"/>
+            <a:endParaRPr lang="en-US" dirty="0"/>
           </a:p>
         </p:txBody>
       </p:sp>
@@ -365,7 +498,7 @@
         </p:nvSpPr>
         <p:spPr/>
         <p:txBody>
-          <a:bodyPr vert="eaVert"/>
+          <a:bodyPr vert="eaVert" lIns="45720" tIns="0" rIns="45720" bIns="0"/>
           <a:lstStyle/>
           <a:p>
             <a:pPr lvl="0"/>
@@ -401,7 +534,7 @@
               <a:rPr lang="en-US" smtClean="0"/>
               <a:t>Fifth level</a:t>
             </a:r>
-            <a:endParaRPr lang="en-US"/>
+            <a:endParaRPr lang="en-US" dirty="0"/>
           </a:p>
         </p:txBody>
       </p:sp>
@@ -473,7 +606,7 @@
     </p:spTree>
     <p:extLst>
       <p:ext uri="{BB962C8B-B14F-4D97-AF65-F5344CB8AC3E}">
-        <p14:creationId xmlns:p14="http://schemas.microsoft.com/office/powerpoint/2010/main" val="488307628"/>
+        <p14:creationId xmlns:p14="http://schemas.microsoft.com/office/powerpoint/2010/main" val="1580377318"/>
       </p:ext>
     </p:extLst>
   </p:cSld>
@@ -484,7 +617,7 @@
 </file>
 
 <file path=ppt/slideLayouts/slideLayout11.xml><?xml version="1.0" encoding="utf-8"?>
-<p:sldLayout xmlns:a="http://schemas.openxmlformats.org/drawingml/2006/main" xmlns:r="http://schemas.openxmlformats.org/officeDocument/2006/relationships" xmlns:p="http://schemas.openxmlformats.org/presentationml/2006/main" type="vertTitleAndTx" preserve="1">
+<p:sldLayout xmlns:a="http://schemas.openxmlformats.org/drawingml/2006/main" xmlns:r="http://schemas.openxmlformats.org/officeDocument/2006/relationships" xmlns:p="http://schemas.openxmlformats.org/presentationml/2006/main" showMasterSp="0" type="vertTitleAndTx" preserve="1">
   <p:cSld name="Vertical Title and Text">
     <p:spTree>
       <p:nvGrpSpPr>
@@ -502,18 +635,94 @@
       </p:grpSpPr>
       <p:sp>
         <p:nvSpPr>
-          <p:cNvPr id="2" name="Vertical Title 1"/>
-          <p:cNvSpPr>
-            <a:spLocks noGrp="1"/>
-          </p:cNvSpPr>
-          <p:nvPr>
-            <p:ph type="title" orient="vert"/>
-          </p:nvPr>
+          <p:cNvPr id="7" name="Rectangle 6"/>
+          <p:cNvSpPr/>
+          <p:nvPr/>
         </p:nvSpPr>
         <p:spPr>
           <a:xfrm>
-            <a:off x="8724900" y="365125"/>
-            <a:ext cx="2628900" cy="5811838"/>
+            <a:off x="3175" y="6400800"/>
+            <a:ext cx="12188825" cy="457200"/>
+          </a:xfrm>
+          <a:prstGeom prst="rect">
+            <a:avLst/>
+          </a:prstGeom>
+          <a:solidFill>
+            <a:schemeClr val="accent2"/>
+          </a:solidFill>
+          <a:ln>
+            <a:noFill/>
+          </a:ln>
+        </p:spPr>
+        <p:style>
+          <a:lnRef idx="2">
+            <a:schemeClr val="accent1">
+              <a:shade val="50000"/>
+            </a:schemeClr>
+          </a:lnRef>
+          <a:fillRef idx="1">
+            <a:schemeClr val="accent1"/>
+          </a:fillRef>
+          <a:effectRef idx="0">
+            <a:schemeClr val="accent1"/>
+          </a:effectRef>
+          <a:fontRef idx="minor">
+            <a:schemeClr val="lt1"/>
+          </a:fontRef>
+        </p:style>
+      </p:sp>
+      <p:sp>
+        <p:nvSpPr>
+          <p:cNvPr id="8" name="Rectangle 7"/>
+          <p:cNvSpPr/>
+          <p:nvPr/>
+        </p:nvSpPr>
+        <p:spPr>
+          <a:xfrm>
+            <a:off x="15" y="6334316"/>
+            <a:ext cx="12188825" cy="64008"/>
+          </a:xfrm>
+          <a:prstGeom prst="rect">
+            <a:avLst/>
+          </a:prstGeom>
+          <a:solidFill>
+            <a:schemeClr val="accent1"/>
+          </a:solidFill>
+          <a:ln>
+            <a:noFill/>
+          </a:ln>
+        </p:spPr>
+        <p:style>
+          <a:lnRef idx="2">
+            <a:schemeClr val="accent1">
+              <a:shade val="50000"/>
+            </a:schemeClr>
+          </a:lnRef>
+          <a:fillRef idx="1">
+            <a:schemeClr val="accent1"/>
+          </a:fillRef>
+          <a:effectRef idx="0">
+            <a:schemeClr val="accent1"/>
+          </a:effectRef>
+          <a:fontRef idx="minor">
+            <a:schemeClr val="lt1"/>
+          </a:fontRef>
+        </p:style>
+      </p:sp>
+      <p:sp>
+        <p:nvSpPr>
+          <p:cNvPr id="2" name="Vertical Title 1"/>
+          <p:cNvSpPr>
+            <a:spLocks noGrp="1"/>
+          </p:cNvSpPr>
+          <p:nvPr>
+            <p:ph type="title" orient="vert"/>
+          </p:nvPr>
+        </p:nvSpPr>
+        <p:spPr>
+          <a:xfrm>
+            <a:off x="8724900" y="412302"/>
+            <a:ext cx="2628900" cy="5759898"/>
           </a:xfrm>
         </p:spPr>
         <p:txBody>
@@ -524,7 +733,7 @@
               <a:rPr lang="en-US" smtClean="0"/>
               <a:t>Click to edit Master title style</a:t>
             </a:r>
-            <a:endParaRPr lang="en-US"/>
+            <a:endParaRPr lang="en-US" dirty="0"/>
           </a:p>
         </p:txBody>
       </p:sp>
@@ -540,12 +749,12 @@
         </p:nvSpPr>
         <p:spPr>
           <a:xfrm>
-            <a:off x="838200" y="365125"/>
-            <a:ext cx="7734300" cy="5811838"/>
+            <a:off x="838200" y="412302"/>
+            <a:ext cx="7734300" cy="5759898"/>
           </a:xfrm>
         </p:spPr>
         <p:txBody>
-          <a:bodyPr vert="eaVert"/>
+          <a:bodyPr vert="eaVert" lIns="45720" tIns="0" rIns="45720" bIns="0"/>
           <a:lstStyle/>
           <a:p>
             <a:pPr lvl="0"/>
@@ -581,7 +790,7 @@
               <a:rPr lang="en-US" smtClean="0"/>
               <a:t>Fifth level</a:t>
             </a:r>
-            <a:endParaRPr lang="en-US"/>
+            <a:endParaRPr lang="en-US" dirty="0"/>
           </a:p>
         </p:txBody>
       </p:sp>
@@ -653,7 +862,7 @@
     </p:spTree>
     <p:extLst>
       <p:ext uri="{BB962C8B-B14F-4D97-AF65-F5344CB8AC3E}">
-        <p14:creationId xmlns:p14="http://schemas.microsoft.com/office/powerpoint/2010/main" val="1190597203"/>
+        <p14:creationId xmlns:p14="http://schemas.microsoft.com/office/powerpoint/2010/main" val="697869140"/>
       </p:ext>
     </p:extLst>
   </p:cSld>
@@ -699,7 +908,7 @@
               <a:rPr lang="en-US" smtClean="0"/>
               <a:t>Click to edit Master title style</a:t>
             </a:r>
-            <a:endParaRPr lang="en-US"/>
+            <a:endParaRPr lang="en-US" dirty="0"/>
           </a:p>
         </p:txBody>
       </p:sp>
@@ -751,7 +960,7 @@
               <a:rPr lang="en-US" smtClean="0"/>
               <a:t>Fifth level</a:t>
             </a:r>
-            <a:endParaRPr lang="en-US"/>
+            <a:endParaRPr lang="en-US" dirty="0"/>
           </a:p>
         </p:txBody>
       </p:sp>
@@ -823,7 +1032,7 @@
     </p:spTree>
     <p:extLst>
       <p:ext uri="{BB962C8B-B14F-4D97-AF65-F5344CB8AC3E}">
-        <p14:creationId xmlns:p14="http://schemas.microsoft.com/office/powerpoint/2010/main" val="1107333466"/>
+        <p14:creationId xmlns:p14="http://schemas.microsoft.com/office/powerpoint/2010/main" val="3689402607"/>
       </p:ext>
     </p:extLst>
   </p:cSld>
@@ -834,8 +1043,16 @@
 </file>
 
 <file path=ppt/slideLayouts/slideLayout3.xml><?xml version="1.0" encoding="utf-8"?>
-<p:sldLayout xmlns:a="http://schemas.openxmlformats.org/drawingml/2006/main" xmlns:r="http://schemas.openxmlformats.org/officeDocument/2006/relationships" xmlns:p="http://schemas.openxmlformats.org/presentationml/2006/main" type="secHead" preserve="1">
+<p:sldLayout xmlns:a="http://schemas.openxmlformats.org/drawingml/2006/main" xmlns:r="http://schemas.openxmlformats.org/officeDocument/2006/relationships" xmlns:p="http://schemas.openxmlformats.org/presentationml/2006/main" showMasterSp="0" type="secHead" preserve="1">
   <p:cSld name="Section Header">
+    <p:bg>
+      <p:bgPr>
+        <a:solidFill>
+          <a:schemeClr val="bg1"/>
+        </a:solidFill>
+        <a:effectLst/>
+      </p:bgPr>
+    </p:bg>
     <p:spTree>
       <p:nvGrpSpPr>
         <p:cNvPr id="1" name=""/>
@@ -852,68 +1069,157 @@
       </p:grpSpPr>
       <p:sp>
         <p:nvSpPr>
-          <p:cNvPr id="2" name="Title 1"/>
-          <p:cNvSpPr>
-            <a:spLocks noGrp="1"/>
-          </p:cNvSpPr>
-          <p:nvPr>
-            <p:ph type="title"/>
-          </p:nvPr>
+          <p:cNvPr id="7" name="Rectangle 6"/>
+          <p:cNvSpPr/>
+          <p:nvPr/>
         </p:nvSpPr>
         <p:spPr>
           <a:xfrm>
-            <a:off x="831850" y="1709738"/>
-            <a:ext cx="10515600" cy="2852737"/>
+            <a:off x="3175" y="6400800"/>
+            <a:ext cx="12188825" cy="457200"/>
+          </a:xfrm>
+          <a:prstGeom prst="rect">
+            <a:avLst/>
+          </a:prstGeom>
+          <a:solidFill>
+            <a:schemeClr val="accent2"/>
+          </a:solidFill>
+          <a:ln>
+            <a:noFill/>
+          </a:ln>
+        </p:spPr>
+        <p:style>
+          <a:lnRef idx="2">
+            <a:schemeClr val="accent1">
+              <a:shade val="50000"/>
+            </a:schemeClr>
+          </a:lnRef>
+          <a:fillRef idx="1">
+            <a:schemeClr val="accent1"/>
+          </a:fillRef>
+          <a:effectRef idx="0">
+            <a:schemeClr val="accent1"/>
+          </a:effectRef>
+          <a:fontRef idx="minor">
+            <a:schemeClr val="lt1"/>
+          </a:fontRef>
+        </p:style>
+      </p:sp>
+      <p:sp>
+        <p:nvSpPr>
+          <p:cNvPr id="8" name="Rectangle 7"/>
+          <p:cNvSpPr/>
+          <p:nvPr/>
+        </p:nvSpPr>
+        <p:spPr>
+          <a:xfrm>
+            <a:off x="15" y="6334316"/>
+            <a:ext cx="12188825" cy="64008"/>
+          </a:xfrm>
+          <a:prstGeom prst="rect">
+            <a:avLst/>
+          </a:prstGeom>
+          <a:solidFill>
+            <a:schemeClr val="accent1"/>
+          </a:solidFill>
+          <a:ln>
+            <a:noFill/>
+          </a:ln>
+        </p:spPr>
+        <p:style>
+          <a:lnRef idx="2">
+            <a:schemeClr val="accent1">
+              <a:shade val="50000"/>
+            </a:schemeClr>
+          </a:lnRef>
+          <a:fillRef idx="1">
+            <a:schemeClr val="accent1"/>
+          </a:fillRef>
+          <a:effectRef idx="0">
+            <a:schemeClr val="accent1"/>
+          </a:effectRef>
+          <a:fontRef idx="minor">
+            <a:schemeClr val="lt1"/>
+          </a:fontRef>
+        </p:style>
+      </p:sp>
+      <p:sp>
+        <p:nvSpPr>
+          <p:cNvPr id="2" name="Title 1"/>
+          <p:cNvSpPr>
+            <a:spLocks noGrp="1"/>
+          </p:cNvSpPr>
+          <p:nvPr>
+            <p:ph type="title"/>
+          </p:nvPr>
+        </p:nvSpPr>
+        <p:spPr>
+          <a:xfrm>
+            <a:off x="1097280" y="758952"/>
+            <a:ext cx="10058400" cy="3566160"/>
           </a:xfrm>
         </p:spPr>
         <p:txBody>
-          <a:bodyPr anchor="b"/>
+          <a:bodyPr anchor="b" anchorCtr="0">
+            <a:normAutofit/>
+          </a:bodyPr>
           <a:lstStyle>
             <a:lvl1pPr>
-              <a:defRPr sz="6000"/>
-            </a:lvl1pPr>
-          </a:lstStyle>
-          <a:p>
-            <a:r>
-              <a:rPr lang="en-US" smtClean="0"/>
-              <a:t>Click to edit Master title style</a:t>
-            </a:r>
-            <a:endParaRPr lang="en-US"/>
-          </a:p>
-        </p:txBody>
-      </p:sp>
-      <p:sp>
-        <p:nvSpPr>
-          <p:cNvPr id="3" name="Text Placeholder 2"/>
-          <p:cNvSpPr>
-            <a:spLocks noGrp="1"/>
-          </p:cNvSpPr>
-          <p:nvPr>
-            <p:ph type="body" idx="1"/>
-          </p:nvPr>
-        </p:nvSpPr>
-        <p:spPr>
-          <a:xfrm>
-            <a:off x="831850" y="4589463"/>
-            <a:ext cx="10515600" cy="1500187"/>
-          </a:xfrm>
-        </p:spPr>
-        <p:txBody>
-          <a:bodyPr/>
-          <a:lstStyle>
-            <a:lvl1pPr marL="0" indent="0">
-              <a:buNone/>
-              <a:defRPr sz="2400">
+              <a:lnSpc>
+                <a:spcPct val="85000"/>
+              </a:lnSpc>
+              <a:defRPr sz="8000" b="0">
                 <a:solidFill>
                   <a:schemeClr val="tx1">
-                    <a:tint val="75000"/>
+                    <a:lumMod val="85000"/>
+                    <a:lumOff val="15000"/>
                   </a:schemeClr>
                 </a:solidFill>
               </a:defRPr>
             </a:lvl1pPr>
+          </a:lstStyle>
+          <a:p>
+            <a:r>
+              <a:rPr lang="en-US" smtClean="0"/>
+              <a:t>Click to edit Master title style</a:t>
+            </a:r>
+            <a:endParaRPr lang="en-US" dirty="0"/>
+          </a:p>
+        </p:txBody>
+      </p:sp>
+      <p:sp>
+        <p:nvSpPr>
+          <p:cNvPr id="3" name="Text Placeholder 2"/>
+          <p:cNvSpPr>
+            <a:spLocks noGrp="1"/>
+          </p:cNvSpPr>
+          <p:nvPr>
+            <p:ph type="body" idx="1"/>
+          </p:nvPr>
+        </p:nvSpPr>
+        <p:spPr>
+          <a:xfrm>
+            <a:off x="1097280" y="4453128"/>
+            <a:ext cx="10058400" cy="1143000"/>
+          </a:xfrm>
+        </p:spPr>
+        <p:txBody>
+          <a:bodyPr lIns="91440" rIns="91440" anchor="t" anchorCtr="0">
+            <a:normAutofit/>
+          </a:bodyPr>
+          <a:lstStyle>
+            <a:lvl1pPr marL="0" indent="0">
+              <a:buNone/>
+              <a:defRPr sz="2400" cap="all" spc="200" baseline="0">
+                <a:solidFill>
+                  <a:schemeClr val="tx2"/>
+                </a:solidFill>
+                <a:latin typeface="+mj-lt"/>
+              </a:defRPr>
+            </a:lvl1pPr>
             <a:lvl2pPr marL="457200" indent="0">
               <a:buNone/>
-              <a:defRPr sz="2000">
+              <a:defRPr sz="1800">
                 <a:solidFill>
                   <a:schemeClr val="tx1">
                     <a:tint val="75000"/>
@@ -923,7 +1229,7 @@
             </a:lvl2pPr>
             <a:lvl3pPr marL="914400" indent="0">
               <a:buNone/>
-              <a:defRPr sz="1800">
+              <a:defRPr sz="1600">
                 <a:solidFill>
                   <a:schemeClr val="tx1">
                     <a:tint val="75000"/>
@@ -933,7 +1239,7 @@
             </a:lvl3pPr>
             <a:lvl4pPr marL="1371600" indent="0">
               <a:buNone/>
-              <a:defRPr sz="1600">
+              <a:defRPr sz="1400">
                 <a:solidFill>
                   <a:schemeClr val="tx1">
                     <a:tint val="75000"/>
@@ -943,7 +1249,7 @@
             </a:lvl4pPr>
             <a:lvl5pPr marL="1828800" indent="0">
               <a:buNone/>
-              <a:defRPr sz="1600">
+              <a:defRPr sz="1400">
                 <a:solidFill>
                   <a:schemeClr val="tx1">
                     <a:tint val="75000"/>
@@ -953,7 +1259,7 @@
             </a:lvl5pPr>
             <a:lvl6pPr marL="2286000" indent="0">
               <a:buNone/>
-              <a:defRPr sz="1600">
+              <a:defRPr sz="1400">
                 <a:solidFill>
                   <a:schemeClr val="tx1">
                     <a:tint val="75000"/>
@@ -963,7 +1269,7 @@
             </a:lvl6pPr>
             <a:lvl7pPr marL="2743200" indent="0">
               <a:buNone/>
-              <a:defRPr sz="1600">
+              <a:defRPr sz="1400">
                 <a:solidFill>
                   <a:schemeClr val="tx1">
                     <a:tint val="75000"/>
@@ -973,7 +1279,7 @@
             </a:lvl7pPr>
             <a:lvl8pPr marL="3200400" indent="0">
               <a:buNone/>
-              <a:defRPr sz="1600">
+              <a:defRPr sz="1400">
                 <a:solidFill>
                   <a:schemeClr val="tx1">
                     <a:tint val="75000"/>
@@ -983,7 +1289,7 @@
             </a:lvl8pPr>
             <a:lvl9pPr marL="3657600" indent="0">
               <a:buNone/>
-              <a:defRPr sz="1600">
+              <a:defRPr sz="1400">
                 <a:solidFill>
                   <a:schemeClr val="tx1">
                     <a:tint val="75000"/>
@@ -1066,10 +1372,48 @@
           </a:p>
         </p:txBody>
       </p:sp>
+      <p:cxnSp>
+        <p:nvCxnSpPr>
+          <p:cNvPr id="9" name="Straight Connector 8"/>
+          <p:cNvCxnSpPr/>
+          <p:nvPr/>
+        </p:nvCxnSpPr>
+        <p:spPr>
+          <a:xfrm>
+            <a:off x="1207658" y="4343400"/>
+            <a:ext cx="9875520" cy="0"/>
+          </a:xfrm>
+          <a:prstGeom prst="line">
+            <a:avLst/>
+          </a:prstGeom>
+          <a:ln w="6350">
+            <a:solidFill>
+              <a:schemeClr val="tx1">
+                <a:lumMod val="50000"/>
+                <a:lumOff val="50000"/>
+              </a:schemeClr>
+            </a:solidFill>
+          </a:ln>
+        </p:spPr>
+        <p:style>
+          <a:lnRef idx="1">
+            <a:schemeClr val="accent1"/>
+          </a:lnRef>
+          <a:fillRef idx="0">
+            <a:schemeClr val="accent1"/>
+          </a:fillRef>
+          <a:effectRef idx="0">
+            <a:schemeClr val="accent1"/>
+          </a:effectRef>
+          <a:fontRef idx="minor">
+            <a:schemeClr val="tx1"/>
+          </a:fontRef>
+        </p:style>
+      </p:cxnSp>
     </p:spTree>
     <p:extLst>
       <p:ext uri="{BB962C8B-B14F-4D97-AF65-F5344CB8AC3E}">
-        <p14:creationId xmlns:p14="http://schemas.microsoft.com/office/powerpoint/2010/main" val="3165394555"/>
+        <p14:creationId xmlns:p14="http://schemas.microsoft.com/office/powerpoint/2010/main" val="1009271725"/>
       </p:ext>
     </p:extLst>
   </p:cSld>
@@ -1098,7 +1442,7 @@
       </p:grpSpPr>
       <p:sp>
         <p:nvSpPr>
-          <p:cNvPr id="2" name="Title 1"/>
+          <p:cNvPr id="8" name="Title 7"/>
           <p:cNvSpPr>
             <a:spLocks noGrp="1"/>
           </p:cNvSpPr>
@@ -1106,7 +1450,12 @@
             <p:ph type="title"/>
           </p:nvPr>
         </p:nvSpPr>
-        <p:spPr/>
+        <p:spPr>
+          <a:xfrm>
+            <a:off x="1097280" y="286603"/>
+            <a:ext cx="10058400" cy="1450757"/>
+          </a:xfrm>
+        </p:spPr>
         <p:txBody>
           <a:bodyPr/>
           <a:lstStyle/>
@@ -1115,7 +1464,7 @@
               <a:rPr lang="en-US" smtClean="0"/>
               <a:t>Click to edit Master title style</a:t>
             </a:r>
-            <a:endParaRPr lang="en-US"/>
+            <a:endParaRPr lang="en-US" dirty="0"/>
           </a:p>
         </p:txBody>
       </p:sp>
@@ -1131,8 +1480,8 @@
         </p:nvSpPr>
         <p:spPr>
           <a:xfrm>
-            <a:off x="838200" y="1825625"/>
-            <a:ext cx="5181600" cy="4351338"/>
+            <a:off x="1097278" y="1845734"/>
+            <a:ext cx="4937760" cy="4023360"/>
           </a:xfrm>
         </p:spPr>
         <p:txBody>
@@ -1172,7 +1521,7 @@
               <a:rPr lang="en-US" smtClean="0"/>
               <a:t>Fifth level</a:t>
             </a:r>
-            <a:endParaRPr lang="en-US"/>
+            <a:endParaRPr lang="en-US" dirty="0"/>
           </a:p>
         </p:txBody>
       </p:sp>
@@ -1188,8 +1537,8 @@
         </p:nvSpPr>
         <p:spPr>
           <a:xfrm>
-            <a:off x="6172200" y="1825625"/>
-            <a:ext cx="5181600" cy="4351338"/>
+            <a:off x="6217920" y="1845735"/>
+            <a:ext cx="4937760" cy="4023360"/>
           </a:xfrm>
         </p:spPr>
         <p:txBody>
@@ -1229,7 +1578,7 @@
               <a:rPr lang="en-US" smtClean="0"/>
               <a:t>Fifth level</a:t>
             </a:r>
-            <a:endParaRPr lang="en-US"/>
+            <a:endParaRPr lang="en-US" dirty="0"/>
           </a:p>
         </p:txBody>
       </p:sp>
@@ -1301,7 +1650,7 @@
     </p:spTree>
     <p:extLst>
       <p:ext uri="{BB962C8B-B14F-4D97-AF65-F5344CB8AC3E}">
-        <p14:creationId xmlns:p14="http://schemas.microsoft.com/office/powerpoint/2010/main" val="3557202373"/>
+        <p14:creationId xmlns:p14="http://schemas.microsoft.com/office/powerpoint/2010/main" val="372350209"/>
       </p:ext>
     </p:extLst>
   </p:cSld>
@@ -1330,7 +1679,7 @@
       </p:grpSpPr>
       <p:sp>
         <p:nvSpPr>
-          <p:cNvPr id="2" name="Title 1"/>
+          <p:cNvPr id="10" name="Title 9"/>
           <p:cNvSpPr>
             <a:spLocks noGrp="1"/>
           </p:cNvSpPr>
@@ -1340,8 +1689,8 @@
         </p:nvSpPr>
         <p:spPr>
           <a:xfrm>
-            <a:off x="839788" y="365125"/>
-            <a:ext cx="10515600" cy="1325563"/>
+            <a:off x="1097280" y="286603"/>
+            <a:ext cx="10058400" cy="1450757"/>
           </a:xfrm>
         </p:spPr>
         <p:txBody>
@@ -1352,7 +1701,7 @@
               <a:rPr lang="en-US" smtClean="0"/>
               <a:t>Click to edit Master title style</a:t>
             </a:r>
-            <a:endParaRPr lang="en-US"/>
+            <a:endParaRPr lang="en-US" dirty="0"/>
           </a:p>
         </p:txBody>
       </p:sp>
@@ -1368,16 +1717,22 @@
         </p:nvSpPr>
         <p:spPr>
           <a:xfrm>
-            <a:off x="839788" y="1681163"/>
-            <a:ext cx="5157787" cy="823912"/>
+            <a:off x="1097280" y="1846052"/>
+            <a:ext cx="4937760" cy="736282"/>
           </a:xfrm>
         </p:spPr>
         <p:txBody>
-          <a:bodyPr anchor="b"/>
+          <a:bodyPr lIns="91440" rIns="91440" anchor="ctr">
+            <a:normAutofit/>
+          </a:bodyPr>
           <a:lstStyle>
             <a:lvl1pPr marL="0" indent="0">
               <a:buNone/>
-              <a:defRPr sz="2400" b="1"/>
+              <a:defRPr sz="2000" b="0" cap="all" baseline="0">
+                <a:solidFill>
+                  <a:schemeClr val="tx2"/>
+                </a:solidFill>
+              </a:defRPr>
             </a:lvl1pPr>
             <a:lvl2pPr marL="457200" indent="0">
               <a:buNone/>
@@ -1433,8 +1788,8 @@
         </p:nvSpPr>
         <p:spPr>
           <a:xfrm>
-            <a:off x="839788" y="2505075"/>
-            <a:ext cx="5157787" cy="3684588"/>
+            <a:off x="1097280" y="2582334"/>
+            <a:ext cx="4937760" cy="3378200"/>
           </a:xfrm>
         </p:spPr>
         <p:txBody>
@@ -1474,7 +1829,7 @@
               <a:rPr lang="en-US" smtClean="0"/>
               <a:t>Fifth level</a:t>
             </a:r>
-            <a:endParaRPr lang="en-US"/>
+            <a:endParaRPr lang="en-US" dirty="0"/>
           </a:p>
         </p:txBody>
       </p:sp>
@@ -1490,16 +1845,22 @@
         </p:nvSpPr>
         <p:spPr>
           <a:xfrm>
-            <a:off x="6172200" y="1681163"/>
-            <a:ext cx="5183188" cy="823912"/>
+            <a:off x="6217920" y="1846052"/>
+            <a:ext cx="4937760" cy="736282"/>
           </a:xfrm>
         </p:spPr>
         <p:txBody>
-          <a:bodyPr anchor="b"/>
+          <a:bodyPr lIns="91440" rIns="91440" anchor="ctr">
+            <a:normAutofit/>
+          </a:bodyPr>
           <a:lstStyle>
             <a:lvl1pPr marL="0" indent="0">
               <a:buNone/>
-              <a:defRPr sz="2400" b="1"/>
+              <a:defRPr sz="2000" b="0" cap="all" baseline="0">
+                <a:solidFill>
+                  <a:schemeClr val="tx2"/>
+                </a:solidFill>
+              </a:defRPr>
             </a:lvl1pPr>
             <a:lvl2pPr marL="457200" indent="0">
               <a:buNone/>
@@ -1555,8 +1916,8 @@
         </p:nvSpPr>
         <p:spPr>
           <a:xfrm>
-            <a:off x="6172200" y="2505075"/>
-            <a:ext cx="5183188" cy="3684588"/>
+            <a:off x="6217920" y="2582334"/>
+            <a:ext cx="4937760" cy="3378200"/>
           </a:xfrm>
         </p:spPr>
         <p:txBody>
@@ -1596,7 +1957,7 @@
               <a:rPr lang="en-US" smtClean="0"/>
               <a:t>Fifth level</a:t>
             </a:r>
-            <a:endParaRPr lang="en-US"/>
+            <a:endParaRPr lang="en-US" dirty="0"/>
           </a:p>
         </p:txBody>
       </p:sp>
@@ -1668,7 +2029,7 @@
     </p:spTree>
     <p:extLst>
       <p:ext uri="{BB962C8B-B14F-4D97-AF65-F5344CB8AC3E}">
-        <p14:creationId xmlns:p14="http://schemas.microsoft.com/office/powerpoint/2010/main" val="2740090818"/>
+        <p14:creationId xmlns:p14="http://schemas.microsoft.com/office/powerpoint/2010/main" val="1031703295"/>
       </p:ext>
     </p:extLst>
   </p:cSld>
@@ -1714,7 +2075,7 @@
               <a:rPr lang="en-US" smtClean="0"/>
               <a:t>Click to edit Master title style</a:t>
             </a:r>
-            <a:endParaRPr lang="en-US"/>
+            <a:endParaRPr lang="en-US" dirty="0"/>
           </a:p>
         </p:txBody>
       </p:sp>
@@ -1786,7 +2147,7 @@
     </p:spTree>
     <p:extLst>
       <p:ext uri="{BB962C8B-B14F-4D97-AF65-F5344CB8AC3E}">
-        <p14:creationId xmlns:p14="http://schemas.microsoft.com/office/powerpoint/2010/main" val="2829359188"/>
+        <p14:creationId xmlns:p14="http://schemas.microsoft.com/office/powerpoint/2010/main" val="2641849782"/>
       </p:ext>
     </p:extLst>
   </p:cSld>
@@ -1797,7 +2158,7 @@
 </file>
 
 <file path=ppt/slideLayouts/slideLayout7.xml><?xml version="1.0" encoding="utf-8"?>
-<p:sldLayout xmlns:a="http://schemas.openxmlformats.org/drawingml/2006/main" xmlns:r="http://schemas.openxmlformats.org/officeDocument/2006/relationships" xmlns:p="http://schemas.openxmlformats.org/presentationml/2006/main" type="blank" preserve="1">
+<p:sldLayout xmlns:a="http://schemas.openxmlformats.org/drawingml/2006/main" xmlns:r="http://schemas.openxmlformats.org/officeDocument/2006/relationships" xmlns:p="http://schemas.openxmlformats.org/presentationml/2006/main" showMasterSp="0" type="blank" preserve="1">
   <p:cSld name="Blank">
     <p:spTree>
       <p:nvGrpSpPr>
@@ -1815,7 +2176,83 @@
       </p:grpSpPr>
       <p:sp>
         <p:nvSpPr>
-          <p:cNvPr id="2" name="Date Placeholder 1"/>
+          <p:cNvPr id="5" name="Rectangle 4"/>
+          <p:cNvSpPr/>
+          <p:nvPr/>
+        </p:nvSpPr>
+        <p:spPr>
+          <a:xfrm>
+            <a:off x="3175" y="6400800"/>
+            <a:ext cx="12188825" cy="457200"/>
+          </a:xfrm>
+          <a:prstGeom prst="rect">
+            <a:avLst/>
+          </a:prstGeom>
+          <a:solidFill>
+            <a:schemeClr val="accent2"/>
+          </a:solidFill>
+          <a:ln>
+            <a:noFill/>
+          </a:ln>
+        </p:spPr>
+        <p:style>
+          <a:lnRef idx="2">
+            <a:schemeClr val="accent1">
+              <a:shade val="50000"/>
+            </a:schemeClr>
+          </a:lnRef>
+          <a:fillRef idx="1">
+            <a:schemeClr val="accent1"/>
+          </a:fillRef>
+          <a:effectRef idx="0">
+            <a:schemeClr val="accent1"/>
+          </a:effectRef>
+          <a:fontRef idx="minor">
+            <a:schemeClr val="lt1"/>
+          </a:fontRef>
+        </p:style>
+      </p:sp>
+      <p:sp>
+        <p:nvSpPr>
+          <p:cNvPr id="6" name="Rectangle 5"/>
+          <p:cNvSpPr/>
+          <p:nvPr/>
+        </p:nvSpPr>
+        <p:spPr>
+          <a:xfrm>
+            <a:off x="15" y="6334316"/>
+            <a:ext cx="12188825" cy="64008"/>
+          </a:xfrm>
+          <a:prstGeom prst="rect">
+            <a:avLst/>
+          </a:prstGeom>
+          <a:solidFill>
+            <a:schemeClr val="accent1"/>
+          </a:solidFill>
+          <a:ln>
+            <a:noFill/>
+          </a:ln>
+        </p:spPr>
+        <p:style>
+          <a:lnRef idx="2">
+            <a:schemeClr val="accent1">
+              <a:shade val="50000"/>
+            </a:schemeClr>
+          </a:lnRef>
+          <a:fillRef idx="1">
+            <a:schemeClr val="accent1"/>
+          </a:fillRef>
+          <a:effectRef idx="0">
+            <a:schemeClr val="accent1"/>
+          </a:effectRef>
+          <a:fontRef idx="minor">
+            <a:schemeClr val="lt1"/>
+          </a:fontRef>
+        </p:style>
+      </p:sp>
+      <p:sp>
+        <p:nvSpPr>
+          <p:cNvPr id="7" name="Date Placeholder 6"/>
           <p:cNvSpPr>
             <a:spLocks noGrp="1"/>
           </p:cNvSpPr>
@@ -1838,7 +2275,7 @@
       </p:sp>
       <p:sp>
         <p:nvSpPr>
-          <p:cNvPr id="3" name="Footer Placeholder 2"/>
+          <p:cNvPr id="8" name="Footer Placeholder 7"/>
           <p:cNvSpPr>
             <a:spLocks noGrp="1"/>
           </p:cNvSpPr>
@@ -1849,7 +2286,15 @@
         <p:spPr/>
         <p:txBody>
           <a:bodyPr/>
-          <a:lstStyle/>
+          <a:lstStyle>
+            <a:lvl1pPr>
+              <a:defRPr>
+                <a:solidFill>
+                  <a:srgbClr val="FFFFFF"/>
+                </a:solidFill>
+              </a:defRPr>
+            </a:lvl1pPr>
+          </a:lstStyle>
           <a:p>
             <a:endParaRPr lang="en-US"/>
           </a:p>
@@ -1857,7 +2302,7 @@
       </p:sp>
       <p:sp>
         <p:nvSpPr>
-          <p:cNvPr id="4" name="Slide Number Placeholder 3"/>
+          <p:cNvPr id="9" name="Slide Number Placeholder 8"/>
           <p:cNvSpPr>
             <a:spLocks noGrp="1"/>
           </p:cNvSpPr>
@@ -1881,7 +2326,7 @@
     </p:spTree>
     <p:extLst>
       <p:ext uri="{BB962C8B-B14F-4D97-AF65-F5344CB8AC3E}">
-        <p14:creationId xmlns:p14="http://schemas.microsoft.com/office/powerpoint/2010/main" val="2374404670"/>
+        <p14:creationId xmlns:p14="http://schemas.microsoft.com/office/powerpoint/2010/main" val="1827623644"/>
       </p:ext>
     </p:extLst>
   </p:cSld>
@@ -1892,7 +2337,7 @@
 </file>
 
 <file path=ppt/slideLayouts/slideLayout8.xml><?xml version="1.0" encoding="utf-8"?>
-<p:sldLayout xmlns:a="http://schemas.openxmlformats.org/drawingml/2006/main" xmlns:r="http://schemas.openxmlformats.org/officeDocument/2006/relationships" xmlns:p="http://schemas.openxmlformats.org/presentationml/2006/main" type="objTx" preserve="1">
+<p:sldLayout xmlns:a="http://schemas.openxmlformats.org/drawingml/2006/main" xmlns:r="http://schemas.openxmlformats.org/officeDocument/2006/relationships" xmlns:p="http://schemas.openxmlformats.org/presentationml/2006/main" showMasterSp="0" type="objTx" preserve="1">
   <p:cSld name="Content with Caption">
     <p:spTree>
       <p:nvGrpSpPr>
@@ -1910,25 +2355,107 @@
       </p:grpSpPr>
       <p:sp>
         <p:nvSpPr>
-          <p:cNvPr id="2" name="Title 1"/>
-          <p:cNvSpPr>
-            <a:spLocks noGrp="1"/>
-          </p:cNvSpPr>
-          <p:nvPr>
-            <p:ph type="title"/>
-          </p:nvPr>
+          <p:cNvPr id="8" name="Rectangle 7"/>
+          <p:cNvSpPr/>
+          <p:nvPr/>
         </p:nvSpPr>
         <p:spPr>
           <a:xfrm>
-            <a:off x="839788" y="457200"/>
-            <a:ext cx="3932237" cy="1600200"/>
+            <a:off x="16" y="0"/>
+            <a:ext cx="4050791" cy="6858000"/>
+          </a:xfrm>
+          <a:prstGeom prst="rect">
+            <a:avLst/>
+          </a:prstGeom>
+          <a:solidFill>
+            <a:schemeClr val="accent2"/>
+          </a:solidFill>
+          <a:ln>
+            <a:noFill/>
+          </a:ln>
+        </p:spPr>
+        <p:style>
+          <a:lnRef idx="2">
+            <a:schemeClr val="accent1">
+              <a:shade val="50000"/>
+            </a:schemeClr>
+          </a:lnRef>
+          <a:fillRef idx="1">
+            <a:schemeClr val="accent1"/>
+          </a:fillRef>
+          <a:effectRef idx="0">
+            <a:schemeClr val="accent1"/>
+          </a:effectRef>
+          <a:fontRef idx="minor">
+            <a:schemeClr val="lt1"/>
+          </a:fontRef>
+        </p:style>
+      </p:sp>
+      <p:sp>
+        <p:nvSpPr>
+          <p:cNvPr id="9" name="Rectangle 8"/>
+          <p:cNvSpPr/>
+          <p:nvPr/>
+        </p:nvSpPr>
+        <p:spPr>
+          <a:xfrm>
+            <a:off x="4040071" y="0"/>
+            <a:ext cx="64008" cy="6858000"/>
+          </a:xfrm>
+          <a:prstGeom prst="rect">
+            <a:avLst/>
+          </a:prstGeom>
+          <a:solidFill>
+            <a:schemeClr val="accent1"/>
+          </a:solidFill>
+          <a:ln>
+            <a:noFill/>
+          </a:ln>
+        </p:spPr>
+        <p:style>
+          <a:lnRef idx="2">
+            <a:schemeClr val="accent1">
+              <a:shade val="50000"/>
+            </a:schemeClr>
+          </a:lnRef>
+          <a:fillRef idx="1">
+            <a:schemeClr val="accent1"/>
+          </a:fillRef>
+          <a:effectRef idx="0">
+            <a:schemeClr val="accent1"/>
+          </a:effectRef>
+          <a:fontRef idx="minor">
+            <a:schemeClr val="lt1"/>
+          </a:fontRef>
+        </p:style>
+      </p:sp>
+      <p:sp>
+        <p:nvSpPr>
+          <p:cNvPr id="2" name="Title 1"/>
+          <p:cNvSpPr>
+            <a:spLocks noGrp="1"/>
+          </p:cNvSpPr>
+          <p:nvPr>
+            <p:ph type="title"/>
+          </p:nvPr>
+        </p:nvSpPr>
+        <p:spPr>
+          <a:xfrm>
+            <a:off x="457200" y="594359"/>
+            <a:ext cx="3200400" cy="2286000"/>
           </a:xfrm>
         </p:spPr>
         <p:txBody>
-          <a:bodyPr anchor="b"/>
+          <a:bodyPr anchor="b">
+            <a:normAutofit/>
+          </a:bodyPr>
           <a:lstStyle>
             <a:lvl1pPr>
-              <a:defRPr sz="3200"/>
+              <a:defRPr sz="3600" b="0">
+                <a:solidFill>
+                  <a:srgbClr val="FFFFFF"/>
+                </a:solidFill>
+              </a:defRPr>
             </a:lvl1pPr>
           </a:lstStyle>
           <a:p>
@@ -1936,7 +2463,7 @@
               <a:rPr lang="en-US" smtClean="0"/>
               <a:t>Click to edit Master title style</a:t>
             </a:r>
-            <a:endParaRPr lang="en-US"/>
+            <a:endParaRPr lang="en-US" dirty="0"/>
           </a:p>
         </p:txBody>
       </p:sp>
@@ -1952,200 +2479,208 @@
         </p:nvSpPr>
         <p:spPr>
           <a:xfrm>
-            <a:off x="5183188" y="987425"/>
-            <a:ext cx="6172200" cy="4873625"/>
+            <a:off x="4800600" y="731520"/>
+            <a:ext cx="6492240" cy="5257800"/>
           </a:xfrm>
         </p:spPr>
+        <p:txBody>
+          <a:bodyPr/>
+          <a:lstStyle/>
+          <a:p>
+            <a:pPr lvl="0"/>
+            <a:r>
+              <a:rPr lang="en-US" smtClean="0"/>
+              <a:t>Click to edit Master text styles</a:t>
+            </a:r>
+          </a:p>
+          <a:p>
+            <a:pPr lvl="1"/>
+            <a:r>
+              <a:rPr lang="en-US" smtClean="0"/>
+              <a:t>Second level</a:t>
+            </a:r>
+          </a:p>
+          <a:p>
+            <a:pPr lvl="2"/>
+            <a:r>
+              <a:rPr lang="en-US" smtClean="0"/>
+              <a:t>Third level</a:t>
+            </a:r>
+          </a:p>
+          <a:p>
+            <a:pPr lvl="3"/>
+            <a:r>
+              <a:rPr lang="en-US" smtClean="0"/>
+              <a:t>Fourth level</a:t>
+            </a:r>
+          </a:p>
+          <a:p>
+            <a:pPr lvl="4"/>
+            <a:r>
+              <a:rPr lang="en-US" smtClean="0"/>
+              <a:t>Fifth level</a:t>
+            </a:r>
+            <a:endParaRPr lang="en-US" dirty="0"/>
+          </a:p>
+        </p:txBody>
+      </p:sp>
+      <p:sp>
+        <p:nvSpPr>
+          <p:cNvPr id="4" name="Text Placeholder 3"/>
+          <p:cNvSpPr>
+            <a:spLocks noGrp="1"/>
+          </p:cNvSpPr>
+          <p:nvPr>
+            <p:ph type="body" sz="half" idx="2"/>
+          </p:nvPr>
+        </p:nvSpPr>
+        <p:spPr>
+          <a:xfrm>
+            <a:off x="457200" y="2926080"/>
+            <a:ext cx="3200400" cy="3379124"/>
+          </a:xfrm>
+        </p:spPr>
+        <p:txBody>
+          <a:bodyPr lIns="91440" rIns="91440">
+            <a:normAutofit/>
+          </a:bodyPr>
+          <a:lstStyle>
+            <a:lvl1pPr marL="0" indent="0">
+              <a:buNone/>
+              <a:defRPr sz="1500">
+                <a:solidFill>
+                  <a:srgbClr val="FFFFFF"/>
+                </a:solidFill>
+              </a:defRPr>
+            </a:lvl1pPr>
+            <a:lvl2pPr marL="457200" indent="0">
+              <a:buNone/>
+              <a:defRPr sz="1200"/>
+            </a:lvl2pPr>
+            <a:lvl3pPr marL="914400" indent="0">
+              <a:buNone/>
+              <a:defRPr sz="1000"/>
+            </a:lvl3pPr>
+            <a:lvl4pPr marL="1371600" indent="0">
+              <a:buNone/>
+              <a:defRPr sz="900"/>
+            </a:lvl4pPr>
+            <a:lvl5pPr marL="1828800" indent="0">
+              <a:buNone/>
+              <a:defRPr sz="900"/>
+            </a:lvl5pPr>
+            <a:lvl6pPr marL="2286000" indent="0">
+              <a:buNone/>
+              <a:defRPr sz="900"/>
+            </a:lvl6pPr>
+            <a:lvl7pPr marL="2743200" indent="0">
+              <a:buNone/>
+              <a:defRPr sz="900"/>
+            </a:lvl7pPr>
+            <a:lvl8pPr marL="3200400" indent="0">
+              <a:buNone/>
+              <a:defRPr sz="900"/>
+            </a:lvl8pPr>
+            <a:lvl9pPr marL="3657600" indent="0">
+              <a:buNone/>
+              <a:defRPr sz="900"/>
+            </a:lvl9pPr>
+          </a:lstStyle>
+          <a:p>
+            <a:pPr lvl="0"/>
+            <a:r>
+              <a:rPr lang="en-US" smtClean="0"/>
+              <a:t>Click to edit Master text styles</a:t>
+            </a:r>
+          </a:p>
+        </p:txBody>
+      </p:sp>
+      <p:sp>
+        <p:nvSpPr>
+          <p:cNvPr id="5" name="Date Placeholder 4"/>
+          <p:cNvSpPr>
+            <a:spLocks noGrp="1"/>
+          </p:cNvSpPr>
+          <p:nvPr>
+            <p:ph type="dt" sz="half" idx="10"/>
+          </p:nvPr>
+        </p:nvSpPr>
+        <p:spPr>
+          <a:xfrm>
+            <a:off x="465512" y="6459785"/>
+            <a:ext cx="2618510" cy="365125"/>
+          </a:xfrm>
+        </p:spPr>
+        <p:txBody>
+          <a:bodyPr/>
+          <a:lstStyle>
+            <a:lvl1pPr algn="l">
+              <a:defRPr/>
+            </a:lvl1pPr>
+          </a:lstStyle>
+          <a:p>
+            <a:fld id="{41DF9119-CC45-4CE0-9A82-A929B1212639}" type="datetimeFigureOut">
+              <a:rPr lang="en-US" smtClean="0"/>
+              <a:t>8/25/2017</a:t>
+            </a:fld>
+            <a:endParaRPr lang="en-US"/>
+          </a:p>
+        </p:txBody>
+      </p:sp>
+      <p:sp>
+        <p:nvSpPr>
+          <p:cNvPr id="6" name="Footer Placeholder 5"/>
+          <p:cNvSpPr>
+            <a:spLocks noGrp="1"/>
+          </p:cNvSpPr>
+          <p:nvPr>
+            <p:ph type="ftr" sz="quarter" idx="11"/>
+          </p:nvPr>
+        </p:nvSpPr>
+        <p:spPr>
+          <a:xfrm>
+            <a:off x="4800600" y="6459785"/>
+            <a:ext cx="4648200" cy="365125"/>
+          </a:xfrm>
+        </p:spPr>
+        <p:txBody>
+          <a:bodyPr/>
+          <a:lstStyle>
+            <a:lvl1pPr algn="l">
+              <a:defRPr>
+                <a:solidFill>
+                  <a:schemeClr val="tx2"/>
+                </a:solidFill>
+              </a:defRPr>
+            </a:lvl1pPr>
+          </a:lstStyle>
+          <a:p>
+            <a:endParaRPr lang="en-US"/>
+          </a:p>
+        </p:txBody>
+      </p:sp>
+      <p:sp>
+        <p:nvSpPr>
+          <p:cNvPr id="7" name="Slide Number Placeholder 6"/>
+          <p:cNvSpPr>
+            <a:spLocks noGrp="1"/>
+          </p:cNvSpPr>
+          <p:nvPr>
+            <p:ph type="sldNum" sz="quarter" idx="12"/>
+          </p:nvPr>
+        </p:nvSpPr>
+        <p:spPr/>
         <p:txBody>
           <a:bodyPr/>
           <a:lstStyle>
             <a:lvl1pPr>
-              <a:defRPr sz="3200"/>
+              <a:defRPr>
+                <a:solidFill>
+                  <a:schemeClr val="tx2"/>
+                </a:solidFill>
+              </a:defRPr>
             </a:lvl1pPr>
-            <a:lvl2pPr>
-              <a:defRPr sz="2800"/>
-            </a:lvl2pPr>
-            <a:lvl3pPr>
-              <a:defRPr sz="2400"/>
-            </a:lvl3pPr>
-            <a:lvl4pPr>
-              <a:defRPr sz="2000"/>
-            </a:lvl4pPr>
-            <a:lvl5pPr>
-              <a:defRPr sz="2000"/>
-            </a:lvl5pPr>
-            <a:lvl6pPr>
-              <a:defRPr sz="2000"/>
-            </a:lvl6pPr>
-            <a:lvl7pPr>
-              <a:defRPr sz="2000"/>
-            </a:lvl7pPr>
-            <a:lvl8pPr>
-              <a:defRPr sz="2000"/>
-            </a:lvl8pPr>
-            <a:lvl9pPr>
-              <a:defRPr sz="2000"/>
-            </a:lvl9pPr>
           </a:lstStyle>
-          <a:p>
-            <a:pPr lvl="0"/>
-            <a:r>
-              <a:rPr lang="en-US" smtClean="0"/>
-              <a:t>Click to edit Master text styles</a:t>
-            </a:r>
-          </a:p>
-          <a:p>
-            <a:pPr lvl="1"/>
-            <a:r>
-              <a:rPr lang="en-US" smtClean="0"/>
-              <a:t>Second level</a:t>
-            </a:r>
-          </a:p>
-          <a:p>
-            <a:pPr lvl="2"/>
-            <a:r>
-              <a:rPr lang="en-US" smtClean="0"/>
-              <a:t>Third level</a:t>
-            </a:r>
-          </a:p>
-          <a:p>
-            <a:pPr lvl="3"/>
-            <a:r>
-              <a:rPr lang="en-US" smtClean="0"/>
-              <a:t>Fourth level</a:t>
-            </a:r>
-          </a:p>
-          <a:p>
-            <a:pPr lvl="4"/>
-            <a:r>
-              <a:rPr lang="en-US" smtClean="0"/>
-              <a:t>Fifth level</a:t>
-            </a:r>
-            <a:endParaRPr lang="en-US"/>
-          </a:p>
-        </p:txBody>
-      </p:sp>
-      <p:sp>
-        <p:nvSpPr>
-          <p:cNvPr id="4" name="Text Placeholder 3"/>
-          <p:cNvSpPr>
-            <a:spLocks noGrp="1"/>
-          </p:cNvSpPr>
-          <p:nvPr>
-            <p:ph type="body" sz="half" idx="2"/>
-          </p:nvPr>
-        </p:nvSpPr>
-        <p:spPr>
-          <a:xfrm>
-            <a:off x="839788" y="2057400"/>
-            <a:ext cx="3932237" cy="3811588"/>
-          </a:xfrm>
-        </p:spPr>
-        <p:txBody>
-          <a:bodyPr/>
-          <a:lstStyle>
-            <a:lvl1pPr marL="0" indent="0">
-              <a:buNone/>
-              <a:defRPr sz="1600"/>
-            </a:lvl1pPr>
-            <a:lvl2pPr marL="457200" indent="0">
-              <a:buNone/>
-              <a:defRPr sz="1400"/>
-            </a:lvl2pPr>
-            <a:lvl3pPr marL="914400" indent="0">
-              <a:buNone/>
-              <a:defRPr sz="1200"/>
-            </a:lvl3pPr>
-            <a:lvl4pPr marL="1371600" indent="0">
-              <a:buNone/>
-              <a:defRPr sz="1000"/>
-            </a:lvl4pPr>
-            <a:lvl5pPr marL="1828800" indent="0">
-              <a:buNone/>
-              <a:defRPr sz="1000"/>
-            </a:lvl5pPr>
-            <a:lvl6pPr marL="2286000" indent="0">
-              <a:buNone/>
-              <a:defRPr sz="1000"/>
-            </a:lvl6pPr>
-            <a:lvl7pPr marL="2743200" indent="0">
-              <a:buNone/>
-              <a:defRPr sz="1000"/>
-            </a:lvl7pPr>
-            <a:lvl8pPr marL="3200400" indent="0">
-              <a:buNone/>
-              <a:defRPr sz="1000"/>
-            </a:lvl8pPr>
-            <a:lvl9pPr marL="3657600" indent="0">
-              <a:buNone/>
-              <a:defRPr sz="1000"/>
-            </a:lvl9pPr>
-          </a:lstStyle>
-          <a:p>
-            <a:pPr lvl="0"/>
-            <a:r>
-              <a:rPr lang="en-US" smtClean="0"/>
-              <a:t>Click to edit Master text styles</a:t>
-            </a:r>
-          </a:p>
-        </p:txBody>
-      </p:sp>
-      <p:sp>
-        <p:nvSpPr>
-          <p:cNvPr id="5" name="Date Placeholder 4"/>
-          <p:cNvSpPr>
-            <a:spLocks noGrp="1"/>
-          </p:cNvSpPr>
-          <p:nvPr>
-            <p:ph type="dt" sz="half" idx="10"/>
-          </p:nvPr>
-        </p:nvSpPr>
-        <p:spPr/>
-        <p:txBody>
-          <a:bodyPr/>
-          <a:lstStyle/>
-          <a:p>
-            <a:fld id="{41DF9119-CC45-4CE0-9A82-A929B1212639}" type="datetimeFigureOut">
-              <a:rPr lang="en-US" smtClean="0"/>
-              <a:t>8/25/2017</a:t>
-            </a:fld>
-            <a:endParaRPr lang="en-US"/>
-          </a:p>
-        </p:txBody>
-      </p:sp>
-      <p:sp>
-        <p:nvSpPr>
-          <p:cNvPr id="6" name="Footer Placeholder 5"/>
-          <p:cNvSpPr>
-            <a:spLocks noGrp="1"/>
-          </p:cNvSpPr>
-          <p:nvPr>
-            <p:ph type="ftr" sz="quarter" idx="11"/>
-          </p:nvPr>
-        </p:nvSpPr>
-        <p:spPr/>
-        <p:txBody>
-          <a:bodyPr/>
-          <a:lstStyle/>
-          <a:p>
-            <a:endParaRPr lang="en-US"/>
-          </a:p>
-        </p:txBody>
-      </p:sp>
-      <p:sp>
-        <p:nvSpPr>
-          <p:cNvPr id="7" name="Slide Number Placeholder 6"/>
-          <p:cNvSpPr>
-            <a:spLocks noGrp="1"/>
-          </p:cNvSpPr>
-          <p:nvPr>
-            <p:ph type="sldNum" sz="quarter" idx="12"/>
-          </p:nvPr>
-        </p:nvSpPr>
-        <p:spPr/>
-        <p:txBody>
-          <a:bodyPr/>
-          <a:lstStyle/>
           <a:p>
             <a:fld id="{3B473532-3489-493F-A3AB-B02CFE37E225}" type="slidenum">
               <a:rPr lang="en-US" smtClean="0"/>
@@ -2158,7 +2693,7 @@
     </p:spTree>
     <p:extLst>
       <p:ext uri="{BB962C8B-B14F-4D97-AF65-F5344CB8AC3E}">
-        <p14:creationId xmlns:p14="http://schemas.microsoft.com/office/powerpoint/2010/main" val="1200985516"/>
+        <p14:creationId xmlns:p14="http://schemas.microsoft.com/office/powerpoint/2010/main" val="2968329911"/>
       </p:ext>
     </p:extLst>
   </p:cSld>
@@ -2169,7 +2704,7 @@
 </file>
 
 <file path=ppt/slideLayouts/slideLayout9.xml><?xml version="1.0" encoding="utf-8"?>
-<p:sldLayout xmlns:a="http://schemas.openxmlformats.org/drawingml/2006/main" xmlns:r="http://schemas.openxmlformats.org/officeDocument/2006/relationships" xmlns:p="http://schemas.openxmlformats.org/presentationml/2006/main" type="picTx" preserve="1">
+<p:sldLayout xmlns:a="http://schemas.openxmlformats.org/drawingml/2006/main" xmlns:r="http://schemas.openxmlformats.org/officeDocument/2006/relationships" xmlns:p="http://schemas.openxmlformats.org/presentationml/2006/main" showMasterSp="0" type="picTx" preserve="1">
   <p:cSld name="Picture with Caption">
     <p:spTree>
       <p:nvGrpSpPr>
@@ -2187,25 +2722,107 @@
       </p:grpSpPr>
       <p:sp>
         <p:nvSpPr>
-          <p:cNvPr id="2" name="Title 1"/>
-          <p:cNvSpPr>
-            <a:spLocks noGrp="1"/>
-          </p:cNvSpPr>
-          <p:nvPr>
-            <p:ph type="title"/>
-          </p:nvPr>
+          <p:cNvPr id="8" name="Rectangle 7"/>
+          <p:cNvSpPr/>
+          <p:nvPr/>
         </p:nvSpPr>
         <p:spPr>
           <a:xfrm>
-            <a:off x="839788" y="457200"/>
-            <a:ext cx="3932237" cy="1600200"/>
+            <a:off x="0" y="4953000"/>
+            <a:ext cx="12188825" cy="1905000"/>
+          </a:xfrm>
+          <a:prstGeom prst="rect">
+            <a:avLst/>
+          </a:prstGeom>
+          <a:solidFill>
+            <a:schemeClr val="accent2"/>
+          </a:solidFill>
+          <a:ln>
+            <a:noFill/>
+          </a:ln>
+        </p:spPr>
+        <p:style>
+          <a:lnRef idx="2">
+            <a:schemeClr val="accent1">
+              <a:shade val="50000"/>
+            </a:schemeClr>
+          </a:lnRef>
+          <a:fillRef idx="1">
+            <a:schemeClr val="accent1"/>
+          </a:fillRef>
+          <a:effectRef idx="0">
+            <a:schemeClr val="accent1"/>
+          </a:effectRef>
+          <a:fontRef idx="minor">
+            <a:schemeClr val="lt1"/>
+          </a:fontRef>
+        </p:style>
+      </p:sp>
+      <p:sp>
+        <p:nvSpPr>
+          <p:cNvPr id="9" name="Rectangle 8"/>
+          <p:cNvSpPr/>
+          <p:nvPr/>
+        </p:nvSpPr>
+        <p:spPr>
+          <a:xfrm>
+            <a:off x="15" y="4915076"/>
+            <a:ext cx="12188825" cy="64008"/>
+          </a:xfrm>
+          <a:prstGeom prst="rect">
+            <a:avLst/>
+          </a:prstGeom>
+          <a:solidFill>
+            <a:schemeClr val="accent1"/>
+          </a:solidFill>
+          <a:ln>
+            <a:noFill/>
+          </a:ln>
+        </p:spPr>
+        <p:style>
+          <a:lnRef idx="2">
+            <a:schemeClr val="accent1">
+              <a:shade val="50000"/>
+            </a:schemeClr>
+          </a:lnRef>
+          <a:fillRef idx="1">
+            <a:schemeClr val="accent1"/>
+          </a:fillRef>
+          <a:effectRef idx="0">
+            <a:schemeClr val="accent1"/>
+          </a:effectRef>
+          <a:fontRef idx="minor">
+            <a:schemeClr val="lt1"/>
+          </a:fontRef>
+        </p:style>
+      </p:sp>
+      <p:sp>
+        <p:nvSpPr>
+          <p:cNvPr id="2" name="Title 1"/>
+          <p:cNvSpPr>
+            <a:spLocks noGrp="1"/>
+          </p:cNvSpPr>
+          <p:nvPr>
+            <p:ph type="title"/>
+          </p:nvPr>
+        </p:nvSpPr>
+        <p:spPr>
+          <a:xfrm>
+            <a:off x="1097280" y="5074920"/>
+            <a:ext cx="10113645" cy="822960"/>
           </a:xfrm>
         </p:spPr>
         <p:txBody>
-          <a:bodyPr anchor="b"/>
+          <a:bodyPr lIns="91440" tIns="0" rIns="91440" bIns="0" anchor="b">
+            <a:noAutofit/>
+          </a:bodyPr>
           <a:lstStyle>
             <a:lvl1pPr>
-              <a:defRPr sz="3200"/>
+              <a:defRPr sz="3600" b="0">
+                <a:solidFill>
+                  <a:srgbClr val="FFFFFF"/>
+                </a:solidFill>
+              </a:defRPr>
             </a:lvl1pPr>
           </a:lstStyle>
           <a:p>
@@ -2213,7 +2830,7 @@
               <a:rPr lang="en-US" smtClean="0"/>
               <a:t>Click to edit Master title style</a:t>
             </a:r>
-            <a:endParaRPr lang="en-US"/>
+            <a:endParaRPr lang="en-US" dirty="0"/>
           </a:p>
         </p:txBody>
       </p:sp>
@@ -2221,7 +2838,7 @@
         <p:nvSpPr>
           <p:cNvPr id="3" name="Picture Placeholder 2"/>
           <p:cNvSpPr>
-            <a:spLocks noGrp="1"/>
+            <a:spLocks noGrp="1" noChangeAspect="1"/>
           </p:cNvSpPr>
           <p:nvPr>
             <p:ph type="pic" idx="1"/>
@@ -2229,12 +2846,17 @@
         </p:nvSpPr>
         <p:spPr>
           <a:xfrm>
-            <a:off x="5183188" y="987425"/>
-            <a:ext cx="6172200" cy="4873625"/>
+            <a:off x="15" y="0"/>
+            <a:ext cx="12191985" cy="4915076"/>
           </a:xfrm>
+          <a:solidFill>
+            <a:schemeClr val="bg2">
+              <a:lumMod val="90000"/>
+            </a:schemeClr>
+          </a:solidFill>
         </p:spPr>
         <p:txBody>
-          <a:bodyPr/>
+          <a:bodyPr lIns="457200" tIns="457200" anchor="t"/>
           <a:lstStyle>
             <a:lvl1pPr marL="0" indent="0">
               <a:buNone/>
@@ -2274,7 +2896,11 @@
             </a:lvl9pPr>
           </a:lstStyle>
           <a:p>
-            <a:endParaRPr lang="en-US"/>
+            <a:r>
+              <a:rPr lang="en-US" smtClean="0"/>
+              <a:t>Click icon to add picture</a:t>
+            </a:r>
+            <a:endParaRPr lang="en-US" dirty="0"/>
           </a:p>
         </p:txBody>
       </p:sp>
@@ -2290,48 +2916,60 @@
         </p:nvSpPr>
         <p:spPr>
           <a:xfrm>
-            <a:off x="839788" y="2057400"/>
-            <a:ext cx="3932237" cy="3811588"/>
+            <a:off x="1097280" y="5907024"/>
+            <a:ext cx="10113264" cy="594360"/>
           </a:xfrm>
         </p:spPr>
         <p:txBody>
-          <a:bodyPr/>
+          <a:bodyPr lIns="91440" tIns="0" rIns="91440" bIns="0">
+            <a:normAutofit/>
+          </a:bodyPr>
           <a:lstStyle>
             <a:lvl1pPr marL="0" indent="0">
-              <a:buNone/>
-              <a:defRPr sz="1600"/>
+              <a:spcBef>
+                <a:spcPts val="0"/>
+              </a:spcBef>
+              <a:spcAft>
+                <a:spcPts val="600"/>
+              </a:spcAft>
+              <a:buNone/>
+              <a:defRPr sz="1500">
+                <a:solidFill>
+                  <a:srgbClr val="FFFFFF"/>
+                </a:solidFill>
+              </a:defRPr>
             </a:lvl1pPr>
             <a:lvl2pPr marL="457200" indent="0">
               <a:buNone/>
-              <a:defRPr sz="1400"/>
+              <a:defRPr sz="1200"/>
             </a:lvl2pPr>
             <a:lvl3pPr marL="914400" indent="0">
               <a:buNone/>
-              <a:defRPr sz="1200"/>
+              <a:defRPr sz="1000"/>
             </a:lvl3pPr>
             <a:lvl4pPr marL="1371600" indent="0">
               <a:buNone/>
-              <a:defRPr sz="1000"/>
+              <a:defRPr sz="900"/>
             </a:lvl4pPr>
             <a:lvl5pPr marL="1828800" indent="0">
               <a:buNone/>
-              <a:defRPr sz="1000"/>
+              <a:defRPr sz="900"/>
             </a:lvl5pPr>
             <a:lvl6pPr marL="2286000" indent="0">
               <a:buNone/>
-              <a:defRPr sz="1000"/>
+              <a:defRPr sz="900"/>
             </a:lvl6pPr>
             <a:lvl7pPr marL="2743200" indent="0">
               <a:buNone/>
-              <a:defRPr sz="1000"/>
+              <a:defRPr sz="900"/>
             </a:lvl7pPr>
             <a:lvl8pPr marL="3200400" indent="0">
               <a:buNone/>
-              <a:defRPr sz="1000"/>
+              <a:defRPr sz="900"/>
             </a:lvl8pPr>
             <a:lvl9pPr marL="3657600" indent="0">
               <a:buNone/>
-              <a:defRPr sz="1000"/>
+              <a:defRPr sz="900"/>
             </a:lvl9pPr>
           </a:lstStyle>
           <a:p>
@@ -2411,7 +3049,7 @@
     </p:spTree>
     <p:extLst>
       <p:ext uri="{BB962C8B-B14F-4D97-AF65-F5344CB8AC3E}">
-        <p14:creationId xmlns:p14="http://schemas.microsoft.com/office/powerpoint/2010/main" val="2990995721"/>
+        <p14:creationId xmlns:p14="http://schemas.microsoft.com/office/powerpoint/2010/main" val="2587688127"/>
       </p:ext>
     </p:extLst>
   </p:cSld>
@@ -2445,25 +3083,101 @@
       </p:grpSpPr>
       <p:sp>
         <p:nvSpPr>
-          <p:cNvPr id="2" name="Title Placeholder 1"/>
-          <p:cNvSpPr>
-            <a:spLocks noGrp="1"/>
-          </p:cNvSpPr>
-          <p:nvPr>
-            <p:ph type="title"/>
-          </p:nvPr>
+          <p:cNvPr id="7" name="Rectangle 6"/>
+          <p:cNvSpPr/>
+          <p:nvPr/>
         </p:nvSpPr>
         <p:spPr>
           <a:xfrm>
-            <a:off x="838200" y="365125"/>
-            <a:ext cx="10515600" cy="1325563"/>
+            <a:off x="1" y="6400800"/>
+            <a:ext cx="12192000" cy="457200"/>
+          </a:xfrm>
+          <a:prstGeom prst="rect">
+            <a:avLst/>
+          </a:prstGeom>
+          <a:solidFill>
+            <a:schemeClr val="accent2"/>
+          </a:solidFill>
+          <a:ln>
+            <a:noFill/>
+          </a:ln>
+        </p:spPr>
+        <p:style>
+          <a:lnRef idx="2">
+            <a:schemeClr val="accent1">
+              <a:shade val="50000"/>
+            </a:schemeClr>
+          </a:lnRef>
+          <a:fillRef idx="1">
+            <a:schemeClr val="accent1"/>
+          </a:fillRef>
+          <a:effectRef idx="0">
+            <a:schemeClr val="accent1"/>
+          </a:effectRef>
+          <a:fontRef idx="minor">
+            <a:schemeClr val="lt1"/>
+          </a:fontRef>
+        </p:style>
+      </p:sp>
+      <p:sp>
+        <p:nvSpPr>
+          <p:cNvPr id="9" name="Rectangle 8"/>
+          <p:cNvSpPr/>
+          <p:nvPr/>
+        </p:nvSpPr>
+        <p:spPr>
+          <a:xfrm>
+            <a:off x="15" y="6334316"/>
+            <a:ext cx="12191985" cy="66484"/>
+          </a:xfrm>
+          <a:prstGeom prst="rect">
+            <a:avLst/>
+          </a:prstGeom>
+          <a:solidFill>
+            <a:schemeClr val="accent1"/>
+          </a:solidFill>
+          <a:ln>
+            <a:noFill/>
+          </a:ln>
+        </p:spPr>
+        <p:style>
+          <a:lnRef idx="2">
+            <a:schemeClr val="accent1">
+              <a:shade val="50000"/>
+            </a:schemeClr>
+          </a:lnRef>
+          <a:fillRef idx="1">
+            <a:schemeClr val="accent1"/>
+          </a:fillRef>
+          <a:effectRef idx="0">
+            <a:schemeClr val="accent1"/>
+          </a:effectRef>
+          <a:fontRef idx="minor">
+            <a:schemeClr val="lt1"/>
+          </a:fontRef>
+        </p:style>
+      </p:sp>
+      <p:sp>
+        <p:nvSpPr>
+          <p:cNvPr id="2" name="Title Placeholder 1"/>
+          <p:cNvSpPr>
+            <a:spLocks noGrp="1"/>
+          </p:cNvSpPr>
+          <p:nvPr>
+            <p:ph type="title"/>
+          </p:nvPr>
+        </p:nvSpPr>
+        <p:spPr>
+          <a:xfrm>
+            <a:off x="1097280" y="286603"/>
+            <a:ext cx="10058400" cy="1450757"/>
           </a:xfrm>
           <a:prstGeom prst="rect">
             <a:avLst/>
           </a:prstGeom>
         </p:spPr>
         <p:txBody>
-          <a:bodyPr vert="horz" lIns="91440" tIns="45720" rIns="91440" bIns="45720" rtlCol="0" anchor="ctr">
+          <a:bodyPr vert="horz" lIns="91440" tIns="45720" rIns="91440" bIns="45720" rtlCol="0" anchor="b">
             <a:normAutofit/>
           </a:bodyPr>
           <a:lstStyle/>
@@ -2472,7 +3186,7 @@
               <a:rPr lang="en-US" smtClean="0"/>
               <a:t>Click to edit Master title style</a:t>
             </a:r>
-            <a:endParaRPr lang="en-US"/>
+            <a:endParaRPr lang="en-US" dirty="0"/>
           </a:p>
         </p:txBody>
       </p:sp>
@@ -2488,15 +3202,15 @@
         </p:nvSpPr>
         <p:spPr>
           <a:xfrm>
-            <a:off x="838200" y="1825625"/>
-            <a:ext cx="10515600" cy="4351338"/>
+            <a:off x="1097280" y="1845734"/>
+            <a:ext cx="10058400" cy="4023360"/>
           </a:xfrm>
           <a:prstGeom prst="rect">
             <a:avLst/>
           </a:prstGeom>
         </p:spPr>
         <p:txBody>
-          <a:bodyPr vert="horz" lIns="91440" tIns="45720" rIns="91440" bIns="45720" rtlCol="0">
+          <a:bodyPr vert="horz" lIns="0" tIns="45720" rIns="0" bIns="45720" rtlCol="0">
             <a:normAutofit/>
           </a:bodyPr>
           <a:lstStyle/>
@@ -2534,7 +3248,7 @@
               <a:rPr lang="en-US" smtClean="0"/>
               <a:t>Fifth level</a:t>
             </a:r>
-            <a:endParaRPr lang="en-US"/>
+            <a:endParaRPr lang="en-US" dirty="0"/>
           </a:p>
         </p:txBody>
       </p:sp>
@@ -2550,8 +3264,8 @@
         </p:nvSpPr>
         <p:spPr>
           <a:xfrm>
-            <a:off x="838200" y="6356350"/>
-            <a:ext cx="2743200" cy="365125"/>
+            <a:off x="1097280" y="6459785"/>
+            <a:ext cx="2472271" cy="365125"/>
           </a:xfrm>
           <a:prstGeom prst="rect">
             <a:avLst/>
@@ -2561,11 +3275,9 @@
           <a:bodyPr vert="horz" lIns="91440" tIns="45720" rIns="91440" bIns="45720" rtlCol="0" anchor="ctr"/>
           <a:lstStyle>
             <a:lvl1pPr algn="l">
-              <a:defRPr sz="1200">
+              <a:defRPr sz="900">
                 <a:solidFill>
-                  <a:schemeClr val="tx1">
-                    <a:tint val="75000"/>
-                  </a:schemeClr>
+                  <a:srgbClr val="FFFFFF"/>
                 </a:solidFill>
               </a:defRPr>
             </a:lvl1pPr>
@@ -2591,8 +3303,8 @@
         </p:nvSpPr>
         <p:spPr>
           <a:xfrm>
-            <a:off x="4038600" y="6356350"/>
-            <a:ext cx="4114800" cy="365125"/>
+            <a:off x="3686185" y="6459785"/>
+            <a:ext cx="4822804" cy="365125"/>
           </a:xfrm>
           <a:prstGeom prst="rect">
             <a:avLst/>
@@ -2602,11 +3314,9 @@
           <a:bodyPr vert="horz" lIns="91440" tIns="45720" rIns="91440" bIns="45720" rtlCol="0" anchor="ctr"/>
           <a:lstStyle>
             <a:lvl1pPr algn="ctr">
-              <a:defRPr sz="1200">
+              <a:defRPr sz="900" cap="all" baseline="0">
                 <a:solidFill>
-                  <a:schemeClr val="tx1">
-                    <a:tint val="75000"/>
-                  </a:schemeClr>
+                  <a:srgbClr val="FFFFFF"/>
                 </a:solidFill>
               </a:defRPr>
             </a:lvl1pPr>
@@ -2628,8 +3338,8 @@
         </p:nvSpPr>
         <p:spPr>
           <a:xfrm>
-            <a:off x="8610600" y="6356350"/>
-            <a:ext cx="2743200" cy="365125"/>
+            <a:off x="9900458" y="6459785"/>
+            <a:ext cx="1312025" cy="365125"/>
           </a:xfrm>
           <a:prstGeom prst="rect">
             <a:avLst/>
@@ -2639,11 +3349,9 @@
           <a:bodyPr vert="horz" lIns="91440" tIns="45720" rIns="91440" bIns="45720" rtlCol="0" anchor="ctr"/>
           <a:lstStyle>
             <a:lvl1pPr algn="r">
-              <a:defRPr sz="1200">
+              <a:defRPr sz="1050">
                 <a:solidFill>
-                  <a:schemeClr val="tx1">
-                    <a:tint val="75000"/>
-                  </a:schemeClr>
+                  <a:srgbClr val="FFFFFF"/>
                 </a:solidFill>
               </a:defRPr>
             </a:lvl1pPr>
@@ -2657,40 +3365,81 @@
           </a:p>
         </p:txBody>
       </p:sp>
+      <p:cxnSp>
+        <p:nvCxnSpPr>
+          <p:cNvPr id="10" name="Straight Connector 9"/>
+          <p:cNvCxnSpPr/>
+          <p:nvPr/>
+        </p:nvCxnSpPr>
+        <p:spPr>
+          <a:xfrm>
+            <a:off x="1193532" y="1737845"/>
+            <a:ext cx="9966960" cy="0"/>
+          </a:xfrm>
+          <a:prstGeom prst="line">
+            <a:avLst/>
+          </a:prstGeom>
+          <a:ln w="6350">
+            <a:solidFill>
+              <a:schemeClr val="tx1">
+                <a:lumMod val="50000"/>
+                <a:lumOff val="50000"/>
+              </a:schemeClr>
+            </a:solidFill>
+          </a:ln>
+        </p:spPr>
+        <p:style>
+          <a:lnRef idx="1">
+            <a:schemeClr val="accent1"/>
+          </a:lnRef>
+          <a:fillRef idx="0">
+            <a:schemeClr val="accent1"/>
+          </a:fillRef>
+          <a:effectRef idx="0">
+            <a:schemeClr val="accent1"/>
+          </a:effectRef>
+          <a:fontRef idx="minor">
+            <a:schemeClr val="tx1"/>
+          </a:fontRef>
+        </p:style>
+      </p:cxnSp>
     </p:spTree>
     <p:extLst>
       <p:ext uri="{BB962C8B-B14F-4D97-AF65-F5344CB8AC3E}">
-        <p14:creationId xmlns:p14="http://schemas.microsoft.com/office/powerpoint/2010/main" val="995826162"/>
+        <p14:creationId xmlns:p14="http://schemas.microsoft.com/office/powerpoint/2010/main" val="1544678553"/>
       </p:ext>
     </p:extLst>
   </p:cSld>
   <p:clrMap bg1="lt1" tx1="dk1" bg2="lt2" tx2="dk2" accent1="accent1" accent2="accent2" accent3="accent3" accent4="accent4" accent5="accent5" accent6="accent6" hlink="hlink" folHlink="folHlink"/>
   <p:sldLayoutIdLst>
-    <p:sldLayoutId id="2147483649" r:id="rId1"/>
-    <p:sldLayoutId id="2147483650" r:id="rId2"/>
-    <p:sldLayoutId id="2147483651" r:id="rId3"/>
-    <p:sldLayoutId id="2147483652" r:id="rId4"/>
-    <p:sldLayoutId id="2147483653" r:id="rId5"/>
-    <p:sldLayoutId id="2147483654" r:id="rId6"/>
-    <p:sldLayoutId id="2147483655" r:id="rId7"/>
-    <p:sldLayoutId id="2147483656" r:id="rId8"/>
-    <p:sldLayoutId id="2147483657" r:id="rId9"/>
-    <p:sldLayoutId id="2147483658" r:id="rId10"/>
-    <p:sldLayoutId id="2147483659" r:id="rId11"/>
+    <p:sldLayoutId id="2147483673" r:id="rId1"/>
+    <p:sldLayoutId id="2147483674" r:id="rId2"/>
+    <p:sldLayoutId id="2147483675" r:id="rId3"/>
+    <p:sldLayoutId id="2147483676" r:id="rId4"/>
+    <p:sldLayoutId id="2147483677" r:id="rId5"/>
+    <p:sldLayoutId id="2147483678" r:id="rId6"/>
+    <p:sldLayoutId id="2147483679" r:id="rId7"/>
+    <p:sldLayoutId id="2147483680" r:id="rId8"/>
+    <p:sldLayoutId id="2147483681" r:id="rId9"/>
+    <p:sldLayoutId id="2147483682" r:id="rId10"/>
+    <p:sldLayoutId id="2147483683" r:id="rId11"/>
   </p:sldLayoutIdLst>
   <p:txStyles>
     <p:titleStyle>
       <a:lvl1pPr algn="l" defTabSz="914400" rtl="0" eaLnBrk="1" latinLnBrk="0" hangingPunct="1">
         <a:lnSpc>
-          <a:spcPct val="90000"/>
+          <a:spcPct val="85000"/>
         </a:lnSpc>
         <a:spcBef>
           <a:spcPct val="0"/>
         </a:spcBef>
         <a:buNone/>
-        <a:defRPr sz="4400" kern="1200">
+        <a:defRPr sz="4800" kern="1200" spc="-50" baseline="0">
           <a:solidFill>
-            <a:schemeClr val="tx1"/>
+            <a:schemeClr val="tx1">
+              <a:lumMod val="75000"/>
+              <a:lumOff val="25000"/>
+            </a:schemeClr>
           </a:solidFill>
           <a:latin typeface="+mj-lt"/>
           <a:ea typeface="+mj-ea"/>
@@ -2699,162 +3448,244 @@
       </a:lvl1pPr>
     </p:titleStyle>
     <p:bodyStyle>
-      <a:lvl1pPr marL="228600" indent="-228600" algn="l" defTabSz="914400" rtl="0" eaLnBrk="1" latinLnBrk="0" hangingPunct="1">
+      <a:lvl1pPr marL="91440" indent="-91440" algn="l" defTabSz="914400" rtl="0" eaLnBrk="1" latinLnBrk="0" hangingPunct="1">
         <a:lnSpc>
           <a:spcPct val="90000"/>
         </a:lnSpc>
         <a:spcBef>
-          <a:spcPts val="1000"/>
+          <a:spcPts val="1200"/>
         </a:spcBef>
-        <a:buFont typeface="Arial" panose="020B0604020202020204" pitchFamily="34" charset="0"/>
-        <a:buChar char="•"/>
-        <a:defRPr sz="2800" kern="1200">
+        <a:spcAft>
+          <a:spcPts val="200"/>
+        </a:spcAft>
+        <a:buClr>
+          <a:schemeClr val="accent1"/>
+        </a:buClr>
+        <a:buSzPct val="100000"/>
+        <a:buFont typeface="Calibri" panose="020F0502020204030204" pitchFamily="34" charset="0"/>
+        <a:buChar char=" "/>
+        <a:defRPr sz="2000" kern="1200">
           <a:solidFill>
-            <a:schemeClr val="tx1"/>
+            <a:schemeClr val="tx1">
+              <a:lumMod val="75000"/>
+              <a:lumOff val="25000"/>
+            </a:schemeClr>
           </a:solidFill>
           <a:latin typeface="+mn-lt"/>
           <a:ea typeface="+mn-ea"/>
           <a:cs typeface="+mn-cs"/>
         </a:defRPr>
       </a:lvl1pPr>
-      <a:lvl2pPr marL="685800" indent="-228600" algn="l" defTabSz="914400" rtl="0" eaLnBrk="1" latinLnBrk="0" hangingPunct="1">
+      <a:lvl2pPr marL="384048" indent="-182880" algn="l" defTabSz="914400" rtl="0" eaLnBrk="1" latinLnBrk="0" hangingPunct="1">
         <a:lnSpc>
           <a:spcPct val="90000"/>
         </a:lnSpc>
         <a:spcBef>
-          <a:spcPts val="500"/>
+          <a:spcPts val="200"/>
         </a:spcBef>
-        <a:buFont typeface="Arial" panose="020B0604020202020204" pitchFamily="34" charset="0"/>
-        <a:buChar char="•"/>
-        <a:defRPr sz="2400" kern="1200">
+        <a:spcAft>
+          <a:spcPts val="400"/>
+        </a:spcAft>
+        <a:buClr>
+          <a:schemeClr val="accent1"/>
+        </a:buClr>
+        <a:buFont typeface="Calibri" pitchFamily="34" charset="0"/>
+        <a:buChar char="◦"/>
+        <a:defRPr sz="1800" kern="1200">
           <a:solidFill>
-            <a:schemeClr val="tx1"/>
+            <a:schemeClr val="tx1">
+              <a:lumMod val="75000"/>
+              <a:lumOff val="25000"/>
+            </a:schemeClr>
           </a:solidFill>
           <a:latin typeface="+mn-lt"/>
           <a:ea typeface="+mn-ea"/>
           <a:cs typeface="+mn-cs"/>
         </a:defRPr>
       </a:lvl2pPr>
-      <a:lvl3pPr marL="1143000" indent="-228600" algn="l" defTabSz="914400" rtl="0" eaLnBrk="1" latinLnBrk="0" hangingPunct="1">
+      <a:lvl3pPr marL="566928" indent="-182880" algn="l" defTabSz="914400" rtl="0" eaLnBrk="1" latinLnBrk="0" hangingPunct="1">
         <a:lnSpc>
           <a:spcPct val="90000"/>
         </a:lnSpc>
         <a:spcBef>
-          <a:spcPts val="500"/>
+          <a:spcPts val="200"/>
         </a:spcBef>
-        <a:buFont typeface="Arial" panose="020B0604020202020204" pitchFamily="34" charset="0"/>
-        <a:buChar char="•"/>
-        <a:defRPr sz="2000" kern="1200">
+        <a:spcAft>
+          <a:spcPts val="400"/>
+        </a:spcAft>
+        <a:buClr>
+          <a:schemeClr val="accent1"/>
+        </a:buClr>
+        <a:buFont typeface="Calibri" pitchFamily="34" charset="0"/>
+        <a:buChar char="◦"/>
+        <a:defRPr sz="1400" kern="1200">
           <a:solidFill>
-            <a:schemeClr val="tx1"/>
+            <a:schemeClr val="tx1">
+              <a:lumMod val="75000"/>
+              <a:lumOff val="25000"/>
+            </a:schemeClr>
           </a:solidFill>
           <a:latin typeface="+mn-lt"/>
           <a:ea typeface="+mn-ea"/>
           <a:cs typeface="+mn-cs"/>
         </a:defRPr>
       </a:lvl3pPr>
-      <a:lvl4pPr marL="1600200" indent="-228600" algn="l" defTabSz="914400" rtl="0" eaLnBrk="1" latinLnBrk="0" hangingPunct="1">
+      <a:lvl4pPr marL="749808" indent="-182880" algn="l" defTabSz="914400" rtl="0" eaLnBrk="1" latinLnBrk="0" hangingPunct="1">
         <a:lnSpc>
           <a:spcPct val="90000"/>
         </a:lnSpc>
         <a:spcBef>
-          <a:spcPts val="500"/>
+          <a:spcPts val="200"/>
         </a:spcBef>
-        <a:buFont typeface="Arial" panose="020B0604020202020204" pitchFamily="34" charset="0"/>
-        <a:buChar char="•"/>
-        <a:defRPr sz="1800" kern="1200">
+        <a:spcAft>
+          <a:spcPts val="400"/>
+        </a:spcAft>
+        <a:buClr>
+          <a:schemeClr val="accent1"/>
+        </a:buClr>
+        <a:buFont typeface="Calibri" pitchFamily="34" charset="0"/>
+        <a:buChar char="◦"/>
+        <a:defRPr sz="1400" kern="1200">
           <a:solidFill>
-            <a:schemeClr val="tx1"/>
+            <a:schemeClr val="tx1">
+              <a:lumMod val="75000"/>
+              <a:lumOff val="25000"/>
+            </a:schemeClr>
           </a:solidFill>
           <a:latin typeface="+mn-lt"/>
           <a:ea typeface="+mn-ea"/>
           <a:cs typeface="+mn-cs"/>
         </a:defRPr>
       </a:lvl4pPr>
-      <a:lvl5pPr marL="2057400" indent="-228600" algn="l" defTabSz="914400" rtl="0" eaLnBrk="1" latinLnBrk="0" hangingPunct="1">
+      <a:lvl5pPr marL="932688" indent="-182880" algn="l" defTabSz="914400" rtl="0" eaLnBrk="1" latinLnBrk="0" hangingPunct="1">
         <a:lnSpc>
           <a:spcPct val="90000"/>
         </a:lnSpc>
         <a:spcBef>
-          <a:spcPts val="500"/>
+          <a:spcPts val="200"/>
         </a:spcBef>
-        <a:buFont typeface="Arial" panose="020B0604020202020204" pitchFamily="34" charset="0"/>
-        <a:buChar char="•"/>
-        <a:defRPr sz="1800" kern="1200">
+        <a:spcAft>
+          <a:spcPts val="400"/>
+        </a:spcAft>
+        <a:buClr>
+          <a:schemeClr val="accent1"/>
+        </a:buClr>
+        <a:buFont typeface="Calibri" pitchFamily="34" charset="0"/>
+        <a:buChar char="◦"/>
+        <a:defRPr sz="1400" kern="1200">
           <a:solidFill>
-            <a:schemeClr val="tx1"/>
+            <a:schemeClr val="tx1">
+              <a:lumMod val="75000"/>
+              <a:lumOff val="25000"/>
+            </a:schemeClr>
           </a:solidFill>
           <a:latin typeface="+mn-lt"/>
           <a:ea typeface="+mn-ea"/>
           <a:cs typeface="+mn-cs"/>
         </a:defRPr>
       </a:lvl5pPr>
-      <a:lvl6pPr marL="2514600" indent="-228600" algn="l" defTabSz="914400" rtl="0" eaLnBrk="1" latinLnBrk="0" hangingPunct="1">
+      <a:lvl6pPr marL="1100000" indent="-228600" algn="l" defTabSz="914400" rtl="0" eaLnBrk="1" latinLnBrk="0" hangingPunct="1">
         <a:lnSpc>
           <a:spcPct val="90000"/>
         </a:lnSpc>
         <a:spcBef>
-          <a:spcPts val="500"/>
+          <a:spcPts val="200"/>
         </a:spcBef>
-        <a:buFont typeface="Arial" panose="020B0604020202020204" pitchFamily="34" charset="0"/>
-        <a:buChar char="•"/>
-        <a:defRPr sz="1800" kern="1200">
+        <a:spcAft>
+          <a:spcPts val="400"/>
+        </a:spcAft>
+        <a:buClr>
+          <a:schemeClr val="accent1"/>
+        </a:buClr>
+        <a:buFont typeface="Calibri" pitchFamily="34" charset="0"/>
+        <a:buChar char="◦"/>
+        <a:defRPr sz="1400" kern="1200">
           <a:solidFill>
-            <a:schemeClr val="tx1"/>
+            <a:schemeClr val="tx1">
+              <a:lumMod val="75000"/>
+              <a:lumOff val="25000"/>
+            </a:schemeClr>
           </a:solidFill>
           <a:latin typeface="+mn-lt"/>
           <a:ea typeface="+mn-ea"/>
           <a:cs typeface="+mn-cs"/>
         </a:defRPr>
       </a:lvl6pPr>
-      <a:lvl7pPr marL="2971800" indent="-228600" algn="l" defTabSz="914400" rtl="0" eaLnBrk="1" latinLnBrk="0" hangingPunct="1">
+      <a:lvl7pPr marL="1300000" indent="-228600" algn="l" defTabSz="914400" rtl="0" eaLnBrk="1" latinLnBrk="0" hangingPunct="1">
         <a:lnSpc>
           <a:spcPct val="90000"/>
         </a:lnSpc>
         <a:spcBef>
-          <a:spcPts val="500"/>
+          <a:spcPts val="200"/>
         </a:spcBef>
-        <a:buFont typeface="Arial" panose="020B0604020202020204" pitchFamily="34" charset="0"/>
-        <a:buChar char="•"/>
-        <a:defRPr sz="1800" kern="1200">
+        <a:spcAft>
+          <a:spcPts val="400"/>
+        </a:spcAft>
+        <a:buClr>
+          <a:schemeClr val="accent1"/>
+        </a:buClr>
+        <a:buFont typeface="Calibri" pitchFamily="34" charset="0"/>
+        <a:buChar char="◦"/>
+        <a:defRPr sz="1400" kern="1200">
           <a:solidFill>
-            <a:schemeClr val="tx1"/>
+            <a:schemeClr val="tx1">
+              <a:lumMod val="75000"/>
+              <a:lumOff val="25000"/>
+            </a:schemeClr>
           </a:solidFill>
           <a:latin typeface="+mn-lt"/>
           <a:ea typeface="+mn-ea"/>
           <a:cs typeface="+mn-cs"/>
         </a:defRPr>
       </a:lvl7pPr>
-      <a:lvl8pPr marL="3429000" indent="-228600" algn="l" defTabSz="914400" rtl="0" eaLnBrk="1" latinLnBrk="0" hangingPunct="1">
+      <a:lvl8pPr marL="1500000" indent="-228600" algn="l" defTabSz="914400" rtl="0" eaLnBrk="1" latinLnBrk="0" hangingPunct="1">
         <a:lnSpc>
           <a:spcPct val="90000"/>
         </a:lnSpc>
         <a:spcBef>
-          <a:spcPts val="500"/>
+          <a:spcPts val="200"/>
         </a:spcBef>
-        <a:buFont typeface="Arial" panose="020B0604020202020204" pitchFamily="34" charset="0"/>
-        <a:buChar char="•"/>
-        <a:defRPr sz="1800" kern="1200">
+        <a:spcAft>
+          <a:spcPts val="400"/>
+        </a:spcAft>
+        <a:buClr>
+          <a:schemeClr val="accent1"/>
+        </a:buClr>
+        <a:buFont typeface="Calibri" pitchFamily="34" charset="0"/>
+        <a:buChar char="◦"/>
+        <a:defRPr sz="1400" kern="1200">
           <a:solidFill>
-            <a:schemeClr val="tx1"/>
+            <a:schemeClr val="tx1">
+              <a:lumMod val="75000"/>
+              <a:lumOff val="25000"/>
+            </a:schemeClr>
           </a:solidFill>
           <a:latin typeface="+mn-lt"/>
           <a:ea typeface="+mn-ea"/>
           <a:cs typeface="+mn-cs"/>
         </a:defRPr>
       </a:lvl8pPr>
-      <a:lvl9pPr marL="3886200" indent="-228600" algn="l" defTabSz="914400" rtl="0" eaLnBrk="1" latinLnBrk="0" hangingPunct="1">
+      <a:lvl9pPr marL="1700000" indent="-228600" algn="l" defTabSz="914400" rtl="0" eaLnBrk="1" latinLnBrk="0" hangingPunct="1">
         <a:lnSpc>
           <a:spcPct val="90000"/>
         </a:lnSpc>
         <a:spcBef>
-          <a:spcPts val="500"/>
+          <a:spcPts val="200"/>
         </a:spcBef>
-        <a:buFont typeface="Arial" panose="020B0604020202020204" pitchFamily="34" charset="0"/>
-        <a:buChar char="•"/>
-        <a:defRPr sz="1800" kern="1200">
+        <a:spcAft>
+          <a:spcPts val="400"/>
+        </a:spcAft>
+        <a:buClr>
+          <a:schemeClr val="accent1"/>
+        </a:buClr>
+        <a:buFont typeface="Calibri" pitchFamily="34" charset="0"/>
+        <a:buChar char="◦"/>
+        <a:defRPr sz="1400" kern="1200">
           <a:solidFill>
-            <a:schemeClr val="tx1"/>
+            <a:schemeClr val="tx1">
+              <a:lumMod val="75000"/>
+              <a:lumOff val="25000"/>
+            </a:schemeClr>
           </a:solidFill>
           <a:latin typeface="+mn-lt"/>
           <a:ea typeface="+mn-ea"/>
@@ -2995,9 +3826,12 @@
           </a:xfrm>
         </p:spPr>
         <p:txBody>
-          <a:bodyPr/>
+          <a:bodyPr>
+            <a:normAutofit fontScale="90000"/>
+          </a:bodyPr>
           <a:lstStyle/>
           <a:p>
+            <a:pPr algn="ctr"/>
             <a:r>
               <a:rPr lang="lv-LV" dirty="0" smtClean="0"/>
               <a:t>Bread ‘</a:t>
@@ -3011,57 +3845,6 @@
               <a:t>’ Milk</a:t>
             </a:r>
             <a:endParaRPr lang="en-US" dirty="0"/>
-          </a:p>
-        </p:txBody>
-      </p:sp>
-      <p:sp>
-        <p:nvSpPr>
-          <p:cNvPr id="3" name="Subtitle 2"/>
-          <p:cNvSpPr>
-            <a:spLocks noGrp="1"/>
-          </p:cNvSpPr>
-          <p:nvPr>
-            <p:ph type="subTitle" idx="1"/>
-          </p:nvPr>
-        </p:nvSpPr>
-        <p:spPr>
-          <a:xfrm>
-            <a:off x="6468899" y="3990404"/>
-            <a:ext cx="2378835" cy="1738420"/>
-          </a:xfrm>
-        </p:spPr>
-        <p:txBody>
-          <a:bodyPr>
-            <a:normAutofit lnSpcReduction="10000"/>
-          </a:bodyPr>
-          <a:lstStyle/>
-          <a:p>
-            <a:r>
-              <a:rPr lang="lv-LV" dirty="0"/>
-              <a:t>Jānis Lazda</a:t>
-            </a:r>
-          </a:p>
-          <a:p>
-            <a:r>
-              <a:rPr lang="lv-LV" dirty="0"/>
-              <a:t>Lauris </a:t>
-            </a:r>
-            <a:r>
-              <a:rPr lang="lv-LV" dirty="0" smtClean="0"/>
-              <a:t>Lazda</a:t>
-            </a:r>
-          </a:p>
-          <a:p>
-            <a:r>
-              <a:rPr lang="lv-LV" dirty="0" smtClean="0"/>
-              <a:t>Ernests Auziņš</a:t>
-            </a:r>
-          </a:p>
-          <a:p>
-            <a:r>
-              <a:rPr lang="lv-LV" dirty="0" smtClean="0"/>
-              <a:t>Jēkabs Aizpurvs</a:t>
-            </a:r>
           </a:p>
         </p:txBody>
       </p:sp>
@@ -3087,7 +3870,7 @@
         </p:blipFill>
         <p:spPr>
           <a:xfrm>
-            <a:off x="2460938" y="1510633"/>
+            <a:off x="2113209" y="1362234"/>
             <a:ext cx="1371600" cy="1371600"/>
           </a:xfrm>
           <a:prstGeom prst="rect">
@@ -3117,7 +3900,7 @@
         </p:blipFill>
         <p:spPr>
           <a:xfrm>
-            <a:off x="8671888" y="1053662"/>
+            <a:off x="9032612" y="905263"/>
             <a:ext cx="1828571" cy="1828571"/>
           </a:xfrm>
           <a:prstGeom prst="rect">
@@ -3135,7 +3918,7 @@
         </p:nvSpPr>
         <p:spPr>
           <a:xfrm>
-            <a:off x="3826047" y="3990404"/>
+            <a:off x="3865271" y="4473703"/>
             <a:ext cx="2642852" cy="1352509"/>
           </a:xfrm>
           <a:prstGeom prst="rect">
@@ -3325,7 +4108,15 @@
           <a:p>
             <a:r>
               <a:rPr lang="lv-LV" dirty="0" smtClean="0"/>
-              <a:t>Roberts Stašķevičs</a:t>
+              <a:t>Roberts </a:t>
+            </a:r>
+            <a:r>
+              <a:rPr lang="lv-LV" dirty="0"/>
+              <a:t>Stašķevič</a:t>
+            </a:r>
+            <a:r>
+              <a:rPr lang="lv-LV" dirty="0" smtClean="0"/>
+              <a:t>s</a:t>
             </a:r>
           </a:p>
         </p:txBody>
@@ -3340,7 +4131,7 @@
         </p:nvSpPr>
         <p:spPr>
           <a:xfrm>
-            <a:off x="5152085" y="3165928"/>
+            <a:off x="5461178" y="3502472"/>
             <a:ext cx="2274195" cy="824476"/>
           </a:xfrm>
           <a:prstGeom prst="rect">
@@ -3526,6 +4317,218 @@
               <a:rPr lang="lv-LV" dirty="0" smtClean="0"/>
               <a:t>Team 1.</a:t>
             </a:r>
+          </a:p>
+        </p:txBody>
+      </p:sp>
+      <p:sp>
+        <p:nvSpPr>
+          <p:cNvPr id="9" name="Subtitle 2"/>
+          <p:cNvSpPr txBox="1">
+            <a:spLocks/>
+          </p:cNvSpPr>
+          <p:nvPr/>
+        </p:nvSpPr>
+        <p:spPr>
+          <a:xfrm>
+            <a:off x="6992691" y="4473703"/>
+            <a:ext cx="2642852" cy="1695277"/>
+          </a:xfrm>
+          <a:prstGeom prst="rect">
+            <a:avLst/>
+          </a:prstGeom>
+        </p:spPr>
+        <p:txBody>
+          <a:bodyPr vert="horz" lIns="91440" tIns="45720" rIns="91440" bIns="45720" rtlCol="0">
+            <a:normAutofit lnSpcReduction="10000"/>
+          </a:bodyPr>
+          <a:lstStyle>
+            <a:lvl1pPr marL="0" indent="0" algn="ctr" defTabSz="914400" rtl="0" eaLnBrk="1" latinLnBrk="0" hangingPunct="1">
+              <a:lnSpc>
+                <a:spcPct val="90000"/>
+              </a:lnSpc>
+              <a:spcBef>
+                <a:spcPts val="1000"/>
+              </a:spcBef>
+              <a:buFont typeface="Arial" panose="020B0604020202020204" pitchFamily="34" charset="0"/>
+              <a:buNone/>
+              <a:defRPr sz="2400" kern="1200">
+                <a:solidFill>
+                  <a:schemeClr val="tx1"/>
+                </a:solidFill>
+                <a:latin typeface="+mn-lt"/>
+                <a:ea typeface="+mn-ea"/>
+                <a:cs typeface="+mn-cs"/>
+              </a:defRPr>
+            </a:lvl1pPr>
+            <a:lvl2pPr marL="457200" indent="0" algn="ctr" defTabSz="914400" rtl="0" eaLnBrk="1" latinLnBrk="0" hangingPunct="1">
+              <a:lnSpc>
+                <a:spcPct val="90000"/>
+              </a:lnSpc>
+              <a:spcBef>
+                <a:spcPts val="500"/>
+              </a:spcBef>
+              <a:buFont typeface="Arial" panose="020B0604020202020204" pitchFamily="34" charset="0"/>
+              <a:buNone/>
+              <a:defRPr sz="2000" kern="1200">
+                <a:solidFill>
+                  <a:schemeClr val="tx1"/>
+                </a:solidFill>
+                <a:latin typeface="+mn-lt"/>
+                <a:ea typeface="+mn-ea"/>
+                <a:cs typeface="+mn-cs"/>
+              </a:defRPr>
+            </a:lvl2pPr>
+            <a:lvl3pPr marL="914400" indent="0" algn="ctr" defTabSz="914400" rtl="0" eaLnBrk="1" latinLnBrk="0" hangingPunct="1">
+              <a:lnSpc>
+                <a:spcPct val="90000"/>
+              </a:lnSpc>
+              <a:spcBef>
+                <a:spcPts val="500"/>
+              </a:spcBef>
+              <a:buFont typeface="Arial" panose="020B0604020202020204" pitchFamily="34" charset="0"/>
+              <a:buNone/>
+              <a:defRPr sz="1800" kern="1200">
+                <a:solidFill>
+                  <a:schemeClr val="tx1"/>
+                </a:solidFill>
+                <a:latin typeface="+mn-lt"/>
+                <a:ea typeface="+mn-ea"/>
+                <a:cs typeface="+mn-cs"/>
+              </a:defRPr>
+            </a:lvl3pPr>
+            <a:lvl4pPr marL="1371600" indent="0" algn="ctr" defTabSz="914400" rtl="0" eaLnBrk="1" latinLnBrk="0" hangingPunct="1">
+              <a:lnSpc>
+                <a:spcPct val="90000"/>
+              </a:lnSpc>
+              <a:spcBef>
+                <a:spcPts val="500"/>
+              </a:spcBef>
+              <a:buFont typeface="Arial" panose="020B0604020202020204" pitchFamily="34" charset="0"/>
+              <a:buNone/>
+              <a:defRPr sz="1600" kern="1200">
+                <a:solidFill>
+                  <a:schemeClr val="tx1"/>
+                </a:solidFill>
+                <a:latin typeface="+mn-lt"/>
+                <a:ea typeface="+mn-ea"/>
+                <a:cs typeface="+mn-cs"/>
+              </a:defRPr>
+            </a:lvl4pPr>
+            <a:lvl5pPr marL="1828800" indent="0" algn="ctr" defTabSz="914400" rtl="0" eaLnBrk="1" latinLnBrk="0" hangingPunct="1">
+              <a:lnSpc>
+                <a:spcPct val="90000"/>
+              </a:lnSpc>
+              <a:spcBef>
+                <a:spcPts val="500"/>
+              </a:spcBef>
+              <a:buFont typeface="Arial" panose="020B0604020202020204" pitchFamily="34" charset="0"/>
+              <a:buNone/>
+              <a:defRPr sz="1600" kern="1200">
+                <a:solidFill>
+                  <a:schemeClr val="tx1"/>
+                </a:solidFill>
+                <a:latin typeface="+mn-lt"/>
+                <a:ea typeface="+mn-ea"/>
+                <a:cs typeface="+mn-cs"/>
+              </a:defRPr>
+            </a:lvl5pPr>
+            <a:lvl6pPr marL="2286000" indent="0" algn="ctr" defTabSz="914400" rtl="0" eaLnBrk="1" latinLnBrk="0" hangingPunct="1">
+              <a:lnSpc>
+                <a:spcPct val="90000"/>
+              </a:lnSpc>
+              <a:spcBef>
+                <a:spcPts val="500"/>
+              </a:spcBef>
+              <a:buFont typeface="Arial" panose="020B0604020202020204" pitchFamily="34" charset="0"/>
+              <a:buNone/>
+              <a:defRPr sz="1600" kern="1200">
+                <a:solidFill>
+                  <a:schemeClr val="tx1"/>
+                </a:solidFill>
+                <a:latin typeface="+mn-lt"/>
+                <a:ea typeface="+mn-ea"/>
+                <a:cs typeface="+mn-cs"/>
+              </a:defRPr>
+            </a:lvl6pPr>
+            <a:lvl7pPr marL="2743200" indent="0" algn="ctr" defTabSz="914400" rtl="0" eaLnBrk="1" latinLnBrk="0" hangingPunct="1">
+              <a:lnSpc>
+                <a:spcPct val="90000"/>
+              </a:lnSpc>
+              <a:spcBef>
+                <a:spcPts val="500"/>
+              </a:spcBef>
+              <a:buFont typeface="Arial" panose="020B0604020202020204" pitchFamily="34" charset="0"/>
+              <a:buNone/>
+              <a:defRPr sz="1600" kern="1200">
+                <a:solidFill>
+                  <a:schemeClr val="tx1"/>
+                </a:solidFill>
+                <a:latin typeface="+mn-lt"/>
+                <a:ea typeface="+mn-ea"/>
+                <a:cs typeface="+mn-cs"/>
+              </a:defRPr>
+            </a:lvl7pPr>
+            <a:lvl8pPr marL="3200400" indent="0" algn="ctr" defTabSz="914400" rtl="0" eaLnBrk="1" latinLnBrk="0" hangingPunct="1">
+              <a:lnSpc>
+                <a:spcPct val="90000"/>
+              </a:lnSpc>
+              <a:spcBef>
+                <a:spcPts val="500"/>
+              </a:spcBef>
+              <a:buFont typeface="Arial" panose="020B0604020202020204" pitchFamily="34" charset="0"/>
+              <a:buNone/>
+              <a:defRPr sz="1600" kern="1200">
+                <a:solidFill>
+                  <a:schemeClr val="tx1"/>
+                </a:solidFill>
+                <a:latin typeface="+mn-lt"/>
+                <a:ea typeface="+mn-ea"/>
+                <a:cs typeface="+mn-cs"/>
+              </a:defRPr>
+            </a:lvl8pPr>
+            <a:lvl9pPr marL="3657600" indent="0" algn="ctr" defTabSz="914400" rtl="0" eaLnBrk="1" latinLnBrk="0" hangingPunct="1">
+              <a:lnSpc>
+                <a:spcPct val="90000"/>
+              </a:lnSpc>
+              <a:spcBef>
+                <a:spcPts val="500"/>
+              </a:spcBef>
+              <a:buFont typeface="Arial" panose="020B0604020202020204" pitchFamily="34" charset="0"/>
+              <a:buNone/>
+              <a:defRPr sz="1600" kern="1200">
+                <a:solidFill>
+                  <a:schemeClr val="tx1"/>
+                </a:solidFill>
+                <a:latin typeface="+mn-lt"/>
+                <a:ea typeface="+mn-ea"/>
+                <a:cs typeface="+mn-cs"/>
+              </a:defRPr>
+            </a:lvl9pPr>
+          </a:lstStyle>
+          <a:p>
+            <a:r>
+              <a:rPr lang="lv-LV" dirty="0" smtClean="0"/>
+              <a:t>Jānis Lazda</a:t>
+            </a:r>
+          </a:p>
+          <a:p>
+            <a:r>
+              <a:rPr lang="lv-LV" dirty="0" smtClean="0"/>
+              <a:t>Lauris Lazda</a:t>
+            </a:r>
+          </a:p>
+          <a:p>
+            <a:r>
+              <a:rPr lang="lv-LV" dirty="0" smtClean="0"/>
+              <a:t>Ernests Auziņš</a:t>
+            </a:r>
+          </a:p>
+          <a:p>
+            <a:r>
+              <a:rPr lang="lv-LV" dirty="0" smtClean="0"/>
+              <a:t>Jēkabs Aizpurvs</a:t>
+            </a:r>
+            <a:endParaRPr lang="lv-LV" dirty="0" smtClean="0"/>
           </a:p>
         </p:txBody>
       </p:sp>
@@ -3587,7 +4590,7 @@
         </p:blipFill>
         <p:spPr>
           <a:xfrm>
-            <a:off x="3477296" y="1292404"/>
+            <a:off x="3490175" y="944675"/>
             <a:ext cx="4945487" cy="5396248"/>
           </a:xfrm>
           <a:prstGeom prst="rect">
@@ -3607,12 +4610,14 @@
         </p:nvSpPr>
         <p:spPr>
           <a:xfrm>
-            <a:off x="941231" y="326489"/>
-            <a:ext cx="10515600" cy="1325563"/>
+            <a:off x="954110" y="373487"/>
+            <a:ext cx="10515600" cy="673258"/>
           </a:xfrm>
         </p:spPr>
         <p:txBody>
-          <a:bodyPr/>
+          <a:bodyPr>
+            <a:normAutofit fontScale="90000"/>
+          </a:bodyPr>
           <a:lstStyle/>
           <a:p>
             <a:pPr algn="ctr"/>
@@ -3621,6 +4626,110 @@
               <a:t>Thank you for your attention!</a:t>
             </a:r>
             <a:endParaRPr lang="en-US" dirty="0"/>
+          </a:p>
+        </p:txBody>
+      </p:sp>
+      <p:sp>
+        <p:nvSpPr>
+          <p:cNvPr id="3" name="Rectangle 2"/>
+          <p:cNvSpPr/>
+          <p:nvPr/>
+        </p:nvSpPr>
+        <p:spPr>
+          <a:xfrm>
+            <a:off x="954110" y="1622738"/>
+            <a:ext cx="2690611" cy="425003"/>
+          </a:xfrm>
+          <a:prstGeom prst="rect">
+            <a:avLst/>
+          </a:prstGeom>
+          <a:solidFill>
+            <a:schemeClr val="bg1"/>
+          </a:solidFill>
+          <a:ln>
+            <a:solidFill>
+              <a:schemeClr val="bg1"/>
+            </a:solidFill>
+          </a:ln>
+        </p:spPr>
+        <p:style>
+          <a:lnRef idx="2">
+            <a:schemeClr val="accent1">
+              <a:shade val="50000"/>
+            </a:schemeClr>
+          </a:lnRef>
+          <a:fillRef idx="1">
+            <a:schemeClr val="accent1"/>
+          </a:fillRef>
+          <a:effectRef idx="0">
+            <a:schemeClr val="accent1"/>
+          </a:effectRef>
+          <a:fontRef idx="minor">
+            <a:schemeClr val="lt1"/>
+          </a:fontRef>
+        </p:style>
+        <p:txBody>
+          <a:bodyPr rtlCol="0" anchor="ctr"/>
+          <a:lstStyle/>
+          <a:p>
+            <a:pPr algn="ctr"/>
+            <a:endParaRPr lang="en-US">
+              <a:solidFill>
+                <a:schemeClr val="bg1"/>
+              </a:solidFill>
+            </a:endParaRPr>
+          </a:p>
+        </p:txBody>
+      </p:sp>
+      <p:sp>
+        <p:nvSpPr>
+          <p:cNvPr id="5" name="Rectangle 4"/>
+          <p:cNvSpPr/>
+          <p:nvPr/>
+        </p:nvSpPr>
+        <p:spPr>
+          <a:xfrm>
+            <a:off x="8435662" y="1410236"/>
+            <a:ext cx="2690611" cy="425003"/>
+          </a:xfrm>
+          <a:prstGeom prst="rect">
+            <a:avLst/>
+          </a:prstGeom>
+          <a:solidFill>
+            <a:schemeClr val="bg1"/>
+          </a:solidFill>
+          <a:ln>
+            <a:solidFill>
+              <a:schemeClr val="bg1"/>
+            </a:solidFill>
+          </a:ln>
+        </p:spPr>
+        <p:style>
+          <a:lnRef idx="2">
+            <a:schemeClr val="accent1">
+              <a:shade val="50000"/>
+            </a:schemeClr>
+          </a:lnRef>
+          <a:fillRef idx="1">
+            <a:schemeClr val="accent1"/>
+          </a:fillRef>
+          <a:effectRef idx="0">
+            <a:schemeClr val="accent1"/>
+          </a:effectRef>
+          <a:fontRef idx="minor">
+            <a:schemeClr val="lt1"/>
+          </a:fontRef>
+        </p:style>
+        <p:txBody>
+          <a:bodyPr rtlCol="0" anchor="ctr"/>
+          <a:lstStyle/>
+          <a:p>
+            <a:pPr algn="ctr"/>
+            <a:endParaRPr lang="en-US">
+              <a:solidFill>
+                <a:schemeClr val="bg1"/>
+              </a:solidFill>
+            </a:endParaRPr>
           </a:p>
         </p:txBody>
       </p:sp>
@@ -3703,7 +4812,7 @@
         <p:spPr/>
         <p:txBody>
           <a:bodyPr>
-            <a:normAutofit lnSpcReduction="10000"/>
+            <a:normAutofit/>
           </a:bodyPr>
           <a:lstStyle/>
           <a:p>
@@ -3773,7 +4882,7 @@
             <a:pPr lvl="1"/>
             <a:r>
               <a:rPr lang="lv-LV" dirty="0" smtClean="0"/>
-              <a:t>App.rimi.lv</a:t>
+              <a:t>app.rimi.lv</a:t>
             </a:r>
           </a:p>
           <a:p>
@@ -3841,7 +4950,7 @@
         </p:blipFill>
         <p:spPr>
           <a:xfrm>
-            <a:off x="7375007" y="2645860"/>
+            <a:off x="6361868" y="2219326"/>
             <a:ext cx="1788544" cy="1788544"/>
           </a:xfrm>
           <a:prstGeom prst="rect">
@@ -3899,7 +5008,7 @@
         </p:nvSpPr>
         <p:spPr>
           <a:xfrm>
-            <a:off x="7323786" y="1978025"/>
+            <a:off x="7323786" y="1826063"/>
             <a:ext cx="4030014" cy="4351338"/>
           </a:xfrm>
         </p:spPr>
@@ -3909,10 +5018,15 @@
           </a:bodyPr>
           <a:lstStyle/>
           <a:p>
-            <a:r>
-              <a:rPr lang="lv-LV" dirty="0" smtClean="0"/>
-              <a:t>SCRUM</a:t>
-            </a:r>
+            <a:pPr>
+              <a:buFont typeface="Wingdings" panose="05000000000000000000" pitchFamily="2" charset="2"/>
+              <a:buChar char="ü"/>
+            </a:pPr>
+            <a:r>
+              <a:rPr lang="lv-LV" b="1" dirty="0" smtClean="0"/>
+              <a:t> SCRUM</a:t>
+            </a:r>
+            <a:endParaRPr lang="lv-LV" b="1" dirty="0" smtClean="0"/>
           </a:p>
         </p:txBody>
       </p:sp>
@@ -3926,8 +5040,8 @@
         </p:nvSpPr>
         <p:spPr>
           <a:xfrm>
-            <a:off x="990600" y="1978025"/>
-            <a:ext cx="4030014" cy="4351338"/>
+            <a:off x="939806" y="1753665"/>
+            <a:ext cx="4030014" cy="4655261"/>
           </a:xfrm>
           <a:prstGeom prst="rect">
             <a:avLst/>
@@ -4152,8 +5266,23 @@
           <a:p>
             <a:r>
               <a:rPr lang="lv-LV" dirty="0" smtClean="0"/>
-              <a:t>Android 6.0 and Higher</a:t>
-            </a:r>
+              <a:t>Android 6.0 and </a:t>
+            </a:r>
+            <a:r>
+              <a:rPr lang="lv-LV" dirty="0" smtClean="0"/>
+              <a:t>Higher</a:t>
+            </a:r>
+          </a:p>
+          <a:p>
+            <a:r>
+              <a:rPr lang="lv-LV" dirty="0"/>
+              <a:t>p</a:t>
+            </a:r>
+            <a:r>
+              <a:rPr lang="lv-LV" dirty="0" smtClean="0"/>
+              <a:t>ad.riseup.net</a:t>
+            </a:r>
+            <a:endParaRPr lang="lv-LV" dirty="0" smtClean="0"/>
           </a:p>
         </p:txBody>
       </p:sp>
@@ -4235,7 +5364,7 @@
         </p:blipFill>
         <p:spPr>
           <a:xfrm>
-            <a:off x="9715479" y="3239418"/>
+            <a:off x="9088318" y="3870273"/>
             <a:ext cx="1200407" cy="1200407"/>
           </a:xfrm>
           <a:prstGeom prst="rect">
@@ -4265,7 +5394,7 @@
         </p:blipFill>
         <p:spPr>
           <a:xfrm>
-            <a:off x="9908442" y="5021376"/>
+            <a:off x="9838213" y="4683360"/>
             <a:ext cx="2014888" cy="1611910"/>
           </a:xfrm>
           <a:prstGeom prst="rect">
@@ -4295,7 +5424,7 @@
         </p:blipFill>
         <p:spPr>
           <a:xfrm>
-            <a:off x="7237506" y="4683360"/>
+            <a:off x="6978395" y="4090128"/>
             <a:ext cx="1961104" cy="1961104"/>
           </a:xfrm>
           <a:prstGeom prst="rect">
@@ -4325,7 +5454,7 @@
         </p:blipFill>
         <p:spPr>
           <a:xfrm>
-            <a:off x="4867594" y="4153694"/>
+            <a:off x="4768555" y="4351672"/>
             <a:ext cx="1816589" cy="1816589"/>
           </a:xfrm>
           <a:prstGeom prst="rect">
@@ -4355,12 +5484,43 @@
         </p:blipFill>
         <p:spPr>
           <a:xfrm>
-            <a:off x="4444159" y="1957362"/>
+            <a:off x="4067605" y="1690688"/>
             <a:ext cx="2449669" cy="1837252"/>
           </a:xfrm>
           <a:prstGeom prst="rect">
             <a:avLst/>
           </a:prstGeom>
+        </p:spPr>
+      </p:pic>
+      <p:pic>
+        <p:nvPicPr>
+          <p:cNvPr id="8" name="Picture 7"/>
+          <p:cNvPicPr>
+            <a:picLocks noChangeAspect="1"/>
+          </p:cNvPicPr>
+          <p:nvPr/>
+        </p:nvPicPr>
+        <p:blipFill>
+          <a:blip r:embed="rId8" cstate="print">
+            <a:extLst>
+              <a:ext uri="{28A0092B-C50C-407E-A947-70E740481C1C}">
+                <a14:useLocalDpi xmlns:a14="http://schemas.microsoft.com/office/drawing/2010/main" val="0"/>
+              </a:ext>
+            </a:extLst>
+          </a:blip>
+          <a:stretch>
+            <a:fillRect/>
+          </a:stretch>
+        </p:blipFill>
+        <p:spPr>
+          <a:xfrm>
+            <a:off x="8865769" y="1826063"/>
+            <a:ext cx="2191892" cy="1921190"/>
+          </a:xfrm>
+          <a:prstGeom prst="rect">
+            <a:avLst/>
+          </a:prstGeom>
+          <a:noFill/>
         </p:spPr>
       </p:pic>
     </p:spTree>
@@ -4471,8 +5631,17 @@
             </a:r>
             <a:r>
               <a:rPr lang="lv-LV" dirty="0" smtClean="0"/>
-              <a:t>Java code level.</a:t>
-            </a:r>
+              <a:t>Java code level</a:t>
+            </a:r>
+            <a:r>
+              <a:rPr lang="lv-LV" dirty="0" smtClean="0"/>
+              <a:t>.</a:t>
+            </a:r>
+          </a:p>
+          <a:p>
+            <a:pPr marL="0" indent="0">
+              <a:buNone/>
+            </a:pPr>
             <a:endParaRPr lang="en-US" dirty="0"/>
           </a:p>
         </p:txBody>
@@ -4763,27 +5932,6 @@
             <a:endParaRPr lang="en-US" dirty="0"/>
           </a:p>
           <a:p>
-            <a:r>
-              <a:rPr lang="en-US" dirty="0"/>
-              <a:t>Main features of the project (which is usually written in something like </a:t>
-            </a:r>
-            <a:r>
-              <a:rPr lang="en-US" b="1" dirty="0"/>
-              <a:t>readme.txt</a:t>
-            </a:r>
-            <a:r>
-              <a:rPr lang="en-US" dirty="0" smtClean="0"/>
-              <a:t>),</a:t>
-            </a:r>
-            <a:endParaRPr lang="en-US" dirty="0"/>
-          </a:p>
-          <a:p>
-            <a:pPr marL="0" indent="0">
-              <a:buNone/>
-            </a:pPr>
-            <a:endParaRPr lang="en-US" dirty="0"/>
-          </a:p>
-          <a:p>
             <a:endParaRPr lang="en-US" dirty="0"/>
           </a:p>
         </p:txBody>
@@ -4968,7 +6116,7 @@
         <p:spPr/>
         <p:txBody>
           <a:bodyPr>
-            <a:normAutofit lnSpcReduction="10000"/>
+            <a:normAutofit/>
           </a:bodyPr>
           <a:lstStyle/>
           <a:p>
@@ -5319,8 +6467,16 @@
               <a:t>Get </a:t>
             </a:r>
             <a:r>
-              <a:rPr lang="lv-LV" dirty="0" smtClean="0"/>
-              <a:t>Maxima, Elvi, Lats product prices</a:t>
+              <a:rPr lang="lv-LV" dirty="0"/>
+              <a:t>product prices </a:t>
+            </a:r>
+            <a:r>
+              <a:rPr lang="lv-LV" dirty="0" smtClean="0"/>
+              <a:t>from Maxima</a:t>
+            </a:r>
+            <a:r>
+              <a:rPr lang="lv-LV" dirty="0" smtClean="0"/>
+              <a:t>, Elvi, Lats et cetera</a:t>
             </a:r>
             <a:endParaRPr lang="lv-LV" dirty="0" smtClean="0"/>
           </a:p>
@@ -5347,7 +6503,13 @@
             <a:endParaRPr lang="lv-LV" dirty="0" smtClean="0"/>
           </a:p>
           <a:p>
-            <a:endParaRPr lang="en-US" dirty="0"/>
+            <a:r>
+              <a:rPr lang="lv-LV" dirty="0" smtClean="0"/>
+              <a:t>Overcome app.rimi.lv</a:t>
+            </a:r>
+          </a:p>
+          <a:p>
+            <a:endParaRPr lang="lv-LV" dirty="0" smtClean="0"/>
           </a:p>
         </p:txBody>
       </p:sp>
@@ -5372,47 +6534,47 @@
 </file>
 
 <file path=ppt/theme/theme1.xml><?xml version="1.0" encoding="utf-8"?>
-<a:theme xmlns:a="http://schemas.openxmlformats.org/drawingml/2006/main" name="Office Theme">
+<a:theme xmlns:a="http://schemas.openxmlformats.org/drawingml/2006/main" name="Retrospect">
   <a:themeElements>
-    <a:clrScheme name="Office">
+    <a:clrScheme name="Orange">
       <a:dk1>
-        <a:sysClr val="windowText" lastClr="000000"/>
+        <a:srgbClr val="000000"/>
       </a:dk1>
       <a:lt1>
         <a:sysClr val="window" lastClr="FFFFFF"/>
       </a:lt1>
       <a:dk2>
-        <a:srgbClr val="44546A"/>
+        <a:srgbClr val="637052"/>
       </a:dk2>
       <a:lt2>
-        <a:srgbClr val="E7E6E6"/>
+        <a:srgbClr val="CCDDEA"/>
       </a:lt2>
       <a:accent1>
-        <a:srgbClr val="5B9BD5"/>
+        <a:srgbClr val="E48312"/>
       </a:accent1>
       <a:accent2>
-        <a:srgbClr val="ED7D31"/>
+        <a:srgbClr val="BD582C"/>
       </a:accent2>
       <a:accent3>
-        <a:srgbClr val="A5A5A5"/>
+        <a:srgbClr val="865640"/>
       </a:accent3>
       <a:accent4>
-        <a:srgbClr val="FFC000"/>
+        <a:srgbClr val="9B8357"/>
       </a:accent4>
       <a:accent5>
-        <a:srgbClr val="4472C4"/>
+        <a:srgbClr val="C2BC80"/>
       </a:accent5>
       <a:accent6>
-        <a:srgbClr val="70AD47"/>
+        <a:srgbClr val="94A088"/>
       </a:accent6>
       <a:hlink>
-        <a:srgbClr val="0563C1"/>
+        <a:srgbClr val="2998E3"/>
       </a:hlink>
       <a:folHlink>
-        <a:srgbClr val="954F72"/>
+        <a:srgbClr val="8C8C8C"/>
       </a:folHlink>
     </a:clrScheme>
-    <a:fontScheme name="Office">
+    <a:fontScheme name="Retrospect">
       <a:majorFont>
         <a:latin typeface="Calibri Light" panose="020F0302020204030204"/>
         <a:ea typeface=""/>
@@ -5484,7 +6646,7 @@
         <a:font script="Geor" typeface="Sylfaen"/>
       </a:minorFont>
     </a:fontScheme>
-    <a:fmtScheme name="Office">
+    <a:fmtScheme name="Retrospect">
       <a:fillStyleLst>
         <a:solidFill>
           <a:schemeClr val="phClr"/>
@@ -5493,76 +6655,81 @@
           <a:gsLst>
             <a:gs pos="0">
               <a:schemeClr val="phClr">
-                <a:lumMod val="110000"/>
-                <a:satMod val="105000"/>
-                <a:tint val="67000"/>
+                <a:tint val="65000"/>
+                <a:shade val="92000"/>
+                <a:satMod val="130000"/>
               </a:schemeClr>
             </a:gs>
-            <a:gs pos="50000">
+            <a:gs pos="45000">
               <a:schemeClr val="phClr">
-                <a:lumMod val="105000"/>
-                <a:satMod val="103000"/>
-                <a:tint val="73000"/>
+                <a:tint val="60000"/>
+                <a:shade val="99000"/>
+                <a:satMod val="120000"/>
               </a:schemeClr>
             </a:gs>
             <a:gs pos="100000">
               <a:schemeClr val="phClr">
-                <a:lumMod val="105000"/>
-                <a:satMod val="109000"/>
-                <a:tint val="81000"/>
+                <a:tint val="55000"/>
+                <a:satMod val="140000"/>
               </a:schemeClr>
             </a:gs>
           </a:gsLst>
-          <a:lin ang="5400000" scaled="0"/>
+          <a:path path="circle">
+            <a:fillToRect l="100000" t="100000" r="100000" b="100000"/>
+          </a:path>
         </a:gradFill>
         <a:gradFill rotWithShape="1">
           <a:gsLst>
             <a:gs pos="0">
               <a:schemeClr val="phClr">
-                <a:satMod val="103000"/>
-                <a:lumMod val="102000"/>
-                <a:tint val="94000"/>
+                <a:shade val="85000"/>
+                <a:satMod val="130000"/>
               </a:schemeClr>
             </a:gs>
-            <a:gs pos="50000">
+            <a:gs pos="34000">
               <a:schemeClr val="phClr">
-                <a:satMod val="110000"/>
-                <a:lumMod val="100000"/>
-                <a:shade val="100000"/>
+                <a:shade val="87000"/>
+                <a:satMod val="125000"/>
+              </a:schemeClr>
+            </a:gs>
+            <a:gs pos="70000">
+              <a:schemeClr val="phClr">
+                <a:tint val="100000"/>
+                <a:shade val="90000"/>
+                <a:satMod val="130000"/>
               </a:schemeClr>
             </a:gs>
             <a:gs pos="100000">
               <a:schemeClr val="phClr">
-                <a:lumMod val="99000"/>
-                <a:satMod val="120000"/>
-                <a:shade val="78000"/>
+                <a:tint val="100000"/>
+                <a:shade val="100000"/>
+                <a:satMod val="110000"/>
               </a:schemeClr>
             </a:gs>
           </a:gsLst>
-          <a:lin ang="5400000" scaled="0"/>
+          <a:path path="circle">
+            <a:fillToRect l="100000" t="100000" r="100000" b="100000"/>
+          </a:path>
         </a:gradFill>
       </a:fillStyleLst>
       <a:lnStyleLst>
-        <a:ln w="6350" cap="flat" cmpd="sng" algn="ctr">
-          <a:solidFill>
-            <a:schemeClr val="phClr"/>
-          </a:solidFill>
-          <a:prstDash val="solid"/>
-          <a:miter lim="800000"/>
-        </a:ln>
         <a:ln w="12700" cap="flat" cmpd="sng" algn="ctr">
           <a:solidFill>
             <a:schemeClr val="phClr"/>
           </a:solidFill>
           <a:prstDash val="solid"/>
-          <a:miter lim="800000"/>
         </a:ln>
-        <a:ln w="19050" cap="flat" cmpd="sng" algn="ctr">
+        <a:ln w="15875" cap="flat" cmpd="sng" algn="ctr">
           <a:solidFill>
             <a:schemeClr val="phClr"/>
           </a:solidFill>
           <a:prstDash val="solid"/>
-          <a:miter lim="800000"/>
+        </a:ln>
+        <a:ln w="25400" cap="flat" cmpd="sng" algn="ctr">
+          <a:solidFill>
+            <a:schemeClr val="phClr"/>
+          </a:solidFill>
+          <a:prstDash val="solid"/>
         </a:ln>
       </a:lnStyleLst>
       <a:effectStyleLst>
@@ -5570,16 +6737,33 @@
           <a:effectLst/>
         </a:effectStyle>
         <a:effectStyle>
-          <a:effectLst/>
+          <a:effectLst>
+            <a:outerShdw blurRad="38100" dist="25400" dir="2700000" algn="br" rotWithShape="0">
+              <a:srgbClr val="000000">
+                <a:alpha val="60000"/>
+              </a:srgbClr>
+            </a:outerShdw>
+          </a:effectLst>
         </a:effectStyle>
         <a:effectStyle>
           <a:effectLst>
-            <a:outerShdw blurRad="57150" dist="19050" dir="5400000" algn="ctr" rotWithShape="0">
+            <a:outerShdw blurRad="44450" dist="25400" dir="2700000" algn="br" rotWithShape="0">
               <a:srgbClr val="000000">
-                <a:alpha val="63000"/>
+                <a:alpha val="60000"/>
               </a:srgbClr>
             </a:outerShdw>
           </a:effectLst>
+          <a:scene3d>
+            <a:camera prst="orthographicFront">
+              <a:rot lat="0" lon="0" rev="0"/>
+            </a:camera>
+            <a:lightRig rig="threePt" dir="t">
+              <a:rot lat="0" lon="0" rev="19800000"/>
+            </a:lightRig>
+          </a:scene3d>
+          <a:sp3d prstMaterial="flat">
+            <a:bevelT w="25400" h="31750"/>
+          </a:sp3d>
         </a:effectStyle>
       </a:effectStyleLst>
       <a:bgFillStyleLst>
@@ -5588,36 +6772,36 @@
         </a:solidFill>
         <a:solidFill>
           <a:schemeClr val="phClr">
-            <a:tint val="95000"/>
-            <a:satMod val="170000"/>
+            <a:tint val="90000"/>
+            <a:shade val="97000"/>
+            <a:satMod val="130000"/>
           </a:schemeClr>
         </a:solidFill>
         <a:gradFill rotWithShape="1">
           <a:gsLst>
             <a:gs pos="0">
               <a:schemeClr val="phClr">
-                <a:tint val="93000"/>
-                <a:satMod val="150000"/>
-                <a:shade val="98000"/>
-                <a:lumMod val="102000"/>
+                <a:tint val="96000"/>
+                <a:shade val="99000"/>
+                <a:satMod val="140000"/>
               </a:schemeClr>
             </a:gs>
-            <a:gs pos="50000">
+            <a:gs pos="65000">
               <a:schemeClr val="phClr">
-                <a:tint val="98000"/>
+                <a:tint val="100000"/>
+                <a:shade val="80000"/>
                 <a:satMod val="130000"/>
-                <a:shade val="90000"/>
-                <a:lumMod val="103000"/>
               </a:schemeClr>
             </a:gs>
             <a:gs pos="100000">
               <a:schemeClr val="phClr">
-                <a:shade val="63000"/>
+                <a:tint val="100000"/>
+                <a:shade val="48000"/>
                 <a:satMod val="120000"/>
               </a:schemeClr>
             </a:gs>
           </a:gsLst>
-          <a:lin ang="5400000" scaled="0"/>
+          <a:lin ang="16200000" scaled="0"/>
         </a:gradFill>
       </a:bgFillStyleLst>
     </a:fmtScheme>
@@ -5626,7 +6810,7 @@
   <a:extraClrSchemeLst/>
   <a:extLst>
     <a:ext uri="{05A4C25C-085E-4340-85A3-A5531E510DB2}">
-      <thm15:themeFamily xmlns:thm15="http://schemas.microsoft.com/office/thememl/2012/main" name="Office Theme" id="{62F939B6-93AF-4DB8-9C6B-D6C7DFDC589F}" vid="{4A3C46E8-61CC-4603-A589-7422A47A8E4A}"/>
+      <thm15:themeFamily xmlns:thm15="http://schemas.microsoft.com/office/thememl/2012/main" name="Retrospect" id="{5F128B03-DCCA-4EEB-AB3B-CF2899314A46}" vid="{D26EA377-59BD-4C9C-9D94-EE8416EE4C79}"/>
     </a:ext>
   </a:extLst>
 </a:theme>

--- a/presentation/MilknBread.pptx
+++ b/presentation/MilknBread.pptx
@@ -6509,6 +6509,13 @@
             </a:r>
           </a:p>
           <a:p>
+            <a:r>
+              <a:rPr lang="lv-LV" smtClean="0"/>
+              <a:t>Show nearest shop</a:t>
+            </a:r>
+            <a:endParaRPr lang="lv-LV" dirty="0" smtClean="0"/>
+          </a:p>
+          <a:p>
             <a:endParaRPr lang="lv-LV" dirty="0" smtClean="0"/>
           </a:p>
         </p:txBody>

--- a/presentation/MilknBread.pptx
+++ b/presentation/MilknBread.pptx
@@ -8,13 +8,14 @@
     <p:sldId id="256" r:id="rId2"/>
     <p:sldId id="257" r:id="rId3"/>
     <p:sldId id="258" r:id="rId4"/>
-    <p:sldId id="260" r:id="rId5"/>
-    <p:sldId id="262" r:id="rId6"/>
-    <p:sldId id="265" r:id="rId7"/>
-    <p:sldId id="269" r:id="rId8"/>
-    <p:sldId id="268" r:id="rId9"/>
-    <p:sldId id="266" r:id="rId10"/>
-    <p:sldId id="270" r:id="rId11"/>
+    <p:sldId id="271" r:id="rId5"/>
+    <p:sldId id="260" r:id="rId6"/>
+    <p:sldId id="262" r:id="rId7"/>
+    <p:sldId id="265" r:id="rId8"/>
+    <p:sldId id="269" r:id="rId9"/>
+    <p:sldId id="268" r:id="rId10"/>
+    <p:sldId id="266" r:id="rId11"/>
+    <p:sldId id="270" r:id="rId12"/>
   </p:sldIdLst>
   <p:sldSz cx="12192000" cy="6858000"/>
   <p:notesSz cx="6858000" cy="9144000"/>
@@ -4569,6 +4570,157 @@
           <a:chExt cx="0" cy="0"/>
         </a:xfrm>
       </p:grpSpPr>
+      <p:sp>
+        <p:nvSpPr>
+          <p:cNvPr id="2" name="Title 1"/>
+          <p:cNvSpPr>
+            <a:spLocks noGrp="1"/>
+          </p:cNvSpPr>
+          <p:nvPr>
+            <p:ph type="title"/>
+          </p:nvPr>
+        </p:nvSpPr>
+        <p:spPr/>
+        <p:txBody>
+          <a:bodyPr/>
+          <a:lstStyle/>
+          <a:p>
+            <a:r>
+              <a:rPr lang="en-US" dirty="0"/>
+              <a:t>Future </a:t>
+            </a:r>
+            <a:r>
+              <a:rPr lang="en-US" dirty="0" smtClean="0"/>
+              <a:t>work</a:t>
+            </a:r>
+            <a:endParaRPr lang="en-US" dirty="0"/>
+          </a:p>
+        </p:txBody>
+      </p:sp>
+      <p:sp>
+        <p:nvSpPr>
+          <p:cNvPr id="3" name="Content Placeholder 2"/>
+          <p:cNvSpPr>
+            <a:spLocks noGrp="1"/>
+          </p:cNvSpPr>
+          <p:nvPr>
+            <p:ph idx="1"/>
+          </p:nvPr>
+        </p:nvSpPr>
+        <p:spPr/>
+        <p:txBody>
+          <a:bodyPr/>
+          <a:lstStyle/>
+          <a:p>
+            <a:r>
+              <a:rPr lang="lv-LV" dirty="0" smtClean="0"/>
+              <a:t>Implement </a:t>
+            </a:r>
+            <a:r>
+              <a:rPr lang="lv-LV" dirty="0" smtClean="0"/>
+              <a:t>Categories</a:t>
+            </a:r>
+            <a:endParaRPr lang="lv-LV" dirty="0" smtClean="0"/>
+          </a:p>
+          <a:p>
+            <a:r>
+              <a:rPr lang="lv-LV" dirty="0" smtClean="0"/>
+              <a:t>Get </a:t>
+            </a:r>
+            <a:r>
+              <a:rPr lang="lv-LV" dirty="0"/>
+              <a:t>product prices </a:t>
+            </a:r>
+            <a:r>
+              <a:rPr lang="lv-LV" dirty="0" smtClean="0"/>
+              <a:t>from Maxima</a:t>
+            </a:r>
+            <a:r>
+              <a:rPr lang="lv-LV" dirty="0" smtClean="0"/>
+              <a:t>, Elvi, Lats et cetera</a:t>
+            </a:r>
+            <a:endParaRPr lang="lv-LV" dirty="0" smtClean="0"/>
+          </a:p>
+          <a:p>
+            <a:r>
+              <a:rPr lang="lv-LV" dirty="0" smtClean="0"/>
+              <a:t>Implement multiple user database </a:t>
+            </a:r>
+            <a:r>
+              <a:rPr lang="lv-LV" dirty="0" smtClean="0"/>
+              <a:t>usage</a:t>
+            </a:r>
+            <a:endParaRPr lang="lv-LV" dirty="0" smtClean="0"/>
+          </a:p>
+          <a:p>
+            <a:r>
+              <a:rPr lang="lv-LV" dirty="0" smtClean="0"/>
+              <a:t>Overcome app.rimi.lv</a:t>
+            </a:r>
+          </a:p>
+          <a:p>
+            <a:r>
+              <a:rPr lang="lv-LV" dirty="0" smtClean="0"/>
+              <a:t>Show nearest shop</a:t>
+            </a:r>
+          </a:p>
+          <a:p>
+            <a:r>
+              <a:rPr lang="lv-LV" dirty="0" smtClean="0"/>
+              <a:t>Share shopping list with another user</a:t>
+            </a:r>
+          </a:p>
+          <a:p>
+            <a:r>
+              <a:rPr lang="lv-LV" dirty="0" smtClean="0"/>
+              <a:t>See weekly/monthly shopping habits/statistics</a:t>
+            </a:r>
+          </a:p>
+          <a:p>
+            <a:endParaRPr lang="lv-LV" dirty="0" smtClean="0"/>
+          </a:p>
+          <a:p>
+            <a:endParaRPr lang="lv-LV" dirty="0" smtClean="0"/>
+          </a:p>
+        </p:txBody>
+      </p:sp>
+    </p:spTree>
+    <p:extLst>
+      <p:ext uri="{BB962C8B-B14F-4D97-AF65-F5344CB8AC3E}">
+        <p14:creationId xmlns:p14="http://schemas.microsoft.com/office/powerpoint/2010/main" val="2435937612"/>
+      </p:ext>
+    </p:extLst>
+  </p:cSld>
+  <p:clrMapOvr>
+    <a:masterClrMapping/>
+  </p:clrMapOvr>
+  <p:timing>
+    <p:tnLst>
+      <p:par>
+        <p:cTn id="1" dur="indefinite" restart="never" nodeType="tmRoot"/>
+      </p:par>
+    </p:tnLst>
+  </p:timing>
+</p:sld>
+</file>
+
+<file path=ppt/slides/slide11.xml><?xml version="1.0" encoding="utf-8"?>
+<p:sld xmlns:a="http://schemas.openxmlformats.org/drawingml/2006/main" xmlns:r="http://schemas.openxmlformats.org/officeDocument/2006/relationships" xmlns:p="http://schemas.openxmlformats.org/presentationml/2006/main">
+  <p:cSld>
+    <p:spTree>
+      <p:nvGrpSpPr>
+        <p:cNvPr id="1" name=""/>
+        <p:cNvGrpSpPr/>
+        <p:nvPr/>
+      </p:nvGrpSpPr>
+      <p:grpSpPr>
+        <a:xfrm>
+          <a:off x="0" y="0"/>
+          <a:ext cx="0" cy="0"/>
+          <a:chOff x="0" y="0"/>
+          <a:chExt cx="0" cy="0"/>
+        </a:xfrm>
+      </p:grpSpPr>
       <p:pic>
         <p:nvPicPr>
           <p:cNvPr id="6" name="Picture 5"/>
@@ -5024,9 +5176,13 @@
             </a:pPr>
             <a:r>
               <a:rPr lang="lv-LV" b="1" dirty="0" smtClean="0"/>
-              <a:t> SCRUM</a:t>
-            </a:r>
-            <a:endParaRPr lang="lv-LV" b="1" dirty="0" smtClean="0"/>
+              <a:t> </a:t>
+            </a:r>
+            <a:r>
+              <a:rPr lang="lv-LV" sz="3200" b="1" dirty="0" smtClean="0"/>
+              <a:t>SCRUM</a:t>
+            </a:r>
+            <a:endParaRPr lang="lv-LV" sz="3200" b="1" dirty="0" smtClean="0"/>
           </a:p>
         </p:txBody>
       </p:sp>
@@ -5236,7 +5392,11 @@
           <a:p>
             <a:r>
               <a:rPr lang="lv-LV" dirty="0" smtClean="0"/>
-              <a:t>Androdi Studio</a:t>
+              <a:t>Android </a:t>
+            </a:r>
+            <a:r>
+              <a:rPr lang="lv-LV" dirty="0" smtClean="0"/>
+              <a:t>Studio</a:t>
             </a:r>
           </a:p>
           <a:p>
@@ -5572,6 +5732,92 @@
         </p:nvSpPr>
         <p:spPr/>
         <p:txBody>
+          <a:bodyPr/>
+          <a:lstStyle/>
+          <a:p>
+            <a:r>
+              <a:rPr lang="lv-LV" dirty="0" smtClean="0"/>
+              <a:t>Balsamiq Mockups sketch</a:t>
+            </a:r>
+            <a:endParaRPr lang="en-US" dirty="0"/>
+          </a:p>
+        </p:txBody>
+      </p:sp>
+      <p:pic>
+        <p:nvPicPr>
+          <p:cNvPr id="4" name="Content Placeholder 3"/>
+          <p:cNvPicPr>
+            <a:picLocks noGrp="1" noChangeAspect="1"/>
+          </p:cNvPicPr>
+          <p:nvPr>
+            <p:ph idx="1"/>
+          </p:nvPr>
+        </p:nvPicPr>
+        <p:blipFill>
+          <a:blip r:embed="rId2"/>
+          <a:stretch>
+            <a:fillRect/>
+          </a:stretch>
+        </p:blipFill>
+        <p:spPr>
+          <a:xfrm>
+            <a:off x="401504" y="1737360"/>
+            <a:ext cx="11790496" cy="4454016"/>
+          </a:xfrm>
+          <a:prstGeom prst="rect">
+            <a:avLst/>
+          </a:prstGeom>
+        </p:spPr>
+      </p:pic>
+    </p:spTree>
+    <p:extLst>
+      <p:ext uri="{BB962C8B-B14F-4D97-AF65-F5344CB8AC3E}">
+        <p14:creationId xmlns:p14="http://schemas.microsoft.com/office/powerpoint/2010/main" val="822227380"/>
+      </p:ext>
+    </p:extLst>
+  </p:cSld>
+  <p:clrMapOvr>
+    <a:masterClrMapping/>
+  </p:clrMapOvr>
+  <p:timing>
+    <p:tnLst>
+      <p:par>
+        <p:cTn id="1" dur="indefinite" restart="never" nodeType="tmRoot"/>
+      </p:par>
+    </p:tnLst>
+  </p:timing>
+</p:sld>
+</file>
+
+<file path=ppt/slides/slide5.xml><?xml version="1.0" encoding="utf-8"?>
+<p:sld xmlns:a="http://schemas.openxmlformats.org/drawingml/2006/main" xmlns:r="http://schemas.openxmlformats.org/officeDocument/2006/relationships" xmlns:p="http://schemas.openxmlformats.org/presentationml/2006/main">
+  <p:cSld>
+    <p:spTree>
+      <p:nvGrpSpPr>
+        <p:cNvPr id="1" name=""/>
+        <p:cNvGrpSpPr/>
+        <p:nvPr/>
+      </p:nvGrpSpPr>
+      <p:grpSpPr>
+        <a:xfrm>
+          <a:off x="0" y="0"/>
+          <a:ext cx="0" cy="0"/>
+          <a:chOff x="0" y="0"/>
+          <a:chExt cx="0" cy="0"/>
+        </a:xfrm>
+      </p:grpSpPr>
+      <p:sp>
+        <p:nvSpPr>
+          <p:cNvPr id="2" name="Title 1"/>
+          <p:cNvSpPr>
+            <a:spLocks noGrp="1"/>
+          </p:cNvSpPr>
+          <p:nvPr>
+            <p:ph type="title"/>
+          </p:nvPr>
+        </p:nvSpPr>
+        <p:spPr/>
+        <p:txBody>
           <a:bodyPr>
             <a:normAutofit/>
           </a:bodyPr>
@@ -5690,116 +5936,6 @@
 </p:sld>
 </file>
 
-<file path=ppt/slides/slide5.xml><?xml version="1.0" encoding="utf-8"?>
-<p:sld xmlns:a="http://schemas.openxmlformats.org/drawingml/2006/main" xmlns:r="http://schemas.openxmlformats.org/officeDocument/2006/relationships" xmlns:p="http://schemas.openxmlformats.org/presentationml/2006/main">
-  <p:cSld>
-    <p:spTree>
-      <p:nvGrpSpPr>
-        <p:cNvPr id="1" name=""/>
-        <p:cNvGrpSpPr/>
-        <p:nvPr/>
-      </p:nvGrpSpPr>
-      <p:grpSpPr>
-        <a:xfrm>
-          <a:off x="0" y="0"/>
-          <a:ext cx="0" cy="0"/>
-          <a:chOff x="0" y="0"/>
-          <a:chExt cx="0" cy="0"/>
-        </a:xfrm>
-      </p:grpSpPr>
-      <p:sp>
-        <p:nvSpPr>
-          <p:cNvPr id="2" name="Title 1"/>
-          <p:cNvSpPr>
-            <a:spLocks noGrp="1"/>
-          </p:cNvSpPr>
-          <p:nvPr>
-            <p:ph type="title"/>
-          </p:nvPr>
-        </p:nvSpPr>
-        <p:spPr/>
-        <p:txBody>
-          <a:bodyPr>
-            <a:normAutofit/>
-          </a:bodyPr>
-          <a:lstStyle/>
-          <a:p>
-            <a:r>
-              <a:rPr lang="en-US" dirty="0"/>
-              <a:t>System building and </a:t>
-            </a:r>
-            <a:r>
-              <a:rPr lang="en-US" dirty="0"/>
-              <a:t>deployment</a:t>
-            </a:r>
-            <a:r>
-              <a:rPr lang="en-US" dirty="0"/>
-              <a:t/>
-            </a:r>
-            <a:br>
-              <a:rPr lang="en-US" dirty="0"/>
-            </a:br>
-            <a:endParaRPr lang="en-US" dirty="0"/>
-          </a:p>
-        </p:txBody>
-      </p:sp>
-      <p:sp>
-        <p:nvSpPr>
-          <p:cNvPr id="3" name="Content Placeholder 2"/>
-          <p:cNvSpPr>
-            <a:spLocks noGrp="1"/>
-          </p:cNvSpPr>
-          <p:nvPr>
-            <p:ph idx="1"/>
-          </p:nvPr>
-        </p:nvSpPr>
-        <p:spPr/>
-        <p:txBody>
-          <a:bodyPr/>
-          <a:lstStyle/>
-          <a:p>
-            <a:r>
-              <a:rPr lang="lv-LV" dirty="0" smtClean="0"/>
-              <a:t>Manual testing</a:t>
-            </a:r>
-          </a:p>
-          <a:p>
-            <a:r>
-              <a:rPr lang="lv-LV" dirty="0" smtClean="0"/>
-              <a:t>Debuging</a:t>
-            </a:r>
-          </a:p>
-          <a:p>
-            <a:r>
-              <a:rPr lang="lv-LV" dirty="0" smtClean="0"/>
-              <a:t>Junit tests for local DB</a:t>
-            </a:r>
-          </a:p>
-          <a:p>
-            <a:endParaRPr lang="en-US" dirty="0"/>
-          </a:p>
-        </p:txBody>
-      </p:sp>
-    </p:spTree>
-    <p:extLst>
-      <p:ext uri="{BB962C8B-B14F-4D97-AF65-F5344CB8AC3E}">
-        <p14:creationId xmlns:p14="http://schemas.microsoft.com/office/powerpoint/2010/main" val="3082101261"/>
-      </p:ext>
-    </p:extLst>
-  </p:cSld>
-  <p:clrMapOvr>
-    <a:masterClrMapping/>
-  </p:clrMapOvr>
-  <p:timing>
-    <p:tnLst>
-      <p:par>
-        <p:cTn id="1" dur="indefinite" restart="never" nodeType="tmRoot"/>
-      </p:par>
-    </p:tnLst>
-  </p:timing>
-</p:sld>
-</file>
-
 <file path=ppt/slides/slide6.xml><?xml version="1.0" encoding="utf-8"?>
 <p:sld xmlns:a="http://schemas.openxmlformats.org/drawingml/2006/main" xmlns:r="http://schemas.openxmlformats.org/officeDocument/2006/relationships" xmlns:p="http://schemas.openxmlformats.org/presentationml/2006/main">
   <p:cSld>
@@ -5817,6 +5953,36 @@
           <a:chExt cx="0" cy="0"/>
         </a:xfrm>
       </p:grpSpPr>
+      <p:pic>
+        <p:nvPicPr>
+          <p:cNvPr id="4" name="Picture 3"/>
+          <p:cNvPicPr>
+            <a:picLocks noChangeAspect="1"/>
+          </p:cNvPicPr>
+          <p:nvPr/>
+        </p:nvPicPr>
+        <p:blipFill>
+          <a:blip r:embed="rId2">
+            <a:extLst>
+              <a:ext uri="{28A0092B-C50C-407E-A947-70E740481C1C}">
+                <a14:useLocalDpi xmlns:a14="http://schemas.microsoft.com/office/drawing/2010/main" val="0"/>
+              </a:ext>
+            </a:extLst>
+          </a:blip>
+          <a:stretch>
+            <a:fillRect/>
+          </a:stretch>
+        </p:blipFill>
+        <p:spPr>
+          <a:xfrm>
+            <a:off x="4018207" y="2042653"/>
+            <a:ext cx="5893665" cy="3932378"/>
+          </a:xfrm>
+          <a:prstGeom prst="rect">
+            <a:avLst/>
+          </a:prstGeom>
+        </p:spPr>
+      </p:pic>
       <p:sp>
         <p:nvSpPr>
           <p:cNvPr id="2" name="Title 1"/>
@@ -5825,6 +5991,35 @@
           </p:cNvSpPr>
           <p:nvPr>
             <p:ph type="title"/>
+          </p:nvPr>
+        </p:nvSpPr>
+        <p:spPr/>
+        <p:txBody>
+          <a:bodyPr>
+            <a:normAutofit/>
+          </a:bodyPr>
+          <a:lstStyle/>
+          <a:p>
+            <a:r>
+              <a:rPr lang="en-US" dirty="0"/>
+              <a:t>System building and </a:t>
+            </a:r>
+            <a:r>
+              <a:rPr lang="en-US" dirty="0" smtClean="0"/>
+              <a:t>deployment</a:t>
+            </a:r>
+            <a:endParaRPr lang="en-US" dirty="0"/>
+          </a:p>
+        </p:txBody>
+      </p:sp>
+      <p:sp>
+        <p:nvSpPr>
+          <p:cNvPr id="3" name="Content Placeholder 2"/>
+          <p:cNvSpPr>
+            <a:spLocks noGrp="1"/>
+          </p:cNvSpPr>
+          <p:nvPr>
+            <p:ph idx="1"/>
           </p:nvPr>
         </p:nvSpPr>
         <p:spPr/>
@@ -5833,103 +6028,22 @@
           <a:lstStyle/>
           <a:p>
             <a:r>
-              <a:rPr lang="en-US" dirty="0"/>
-              <a:t>Final overview</a:t>
-            </a:r>
-            <a:r>
-              <a:rPr lang="en-US" dirty="0" smtClean="0"/>
-              <a:t>:</a:t>
-            </a:r>
-            <a:endParaRPr lang="en-US" dirty="0"/>
-          </a:p>
-        </p:txBody>
-      </p:sp>
-      <p:sp>
-        <p:nvSpPr>
-          <p:cNvPr id="3" name="Content Placeholder 2"/>
-          <p:cNvSpPr>
-            <a:spLocks noGrp="1"/>
-          </p:cNvSpPr>
-          <p:nvPr>
-            <p:ph idx="1"/>
-          </p:nvPr>
-        </p:nvSpPr>
-        <p:spPr/>
-        <p:txBody>
-          <a:bodyPr/>
-          <a:lstStyle/>
-          <a:p>
-            <a:r>
-              <a:rPr lang="en-US" dirty="0"/>
-              <a:t>URL to project </a:t>
-            </a:r>
-            <a:r>
-              <a:rPr lang="en-US" dirty="0" smtClean="0"/>
-              <a:t>resources</a:t>
-            </a:r>
-            <a:r>
-              <a:rPr lang="lv-LV" dirty="0" smtClean="0"/>
-              <a:t>:</a:t>
+              <a:rPr lang="lv-LV" dirty="0" smtClean="0"/>
+              <a:t>Manual testing</a:t>
+            </a:r>
+          </a:p>
+          <a:p>
+            <a:r>
+              <a:rPr lang="lv-LV" dirty="0" smtClean="0"/>
+              <a:t>Debugging</a:t>
             </a:r>
             <a:endParaRPr lang="lv-LV" dirty="0" smtClean="0"/>
           </a:p>
           <a:p>
-            <a:pPr lvl="1"/>
-            <a:r>
-              <a:rPr lang="en-US" dirty="0">
-                <a:hlinkClick r:id="rId2"/>
-              </a:rPr>
-              <a:t>https://</a:t>
-            </a:r>
-            <a:r>
-              <a:rPr lang="en-US" dirty="0" smtClean="0">
-                <a:hlinkClick r:id="rId2"/>
-              </a:rPr>
-              <a:t>github.com/bricht/piens-un-maize</a:t>
-            </a:r>
-            <a:r>
-              <a:rPr lang="lv-LV" dirty="0" smtClean="0"/>
-              <a:t> - main project</a:t>
-            </a:r>
-            <a:endParaRPr lang="lv-LV" dirty="0" smtClean="0"/>
-          </a:p>
-          <a:p>
-            <a:pPr lvl="1"/>
-            <a:r>
-              <a:rPr lang="en-US" dirty="0">
-                <a:hlinkClick r:id="rId3"/>
-              </a:rPr>
-              <a:t>https://github.com/ErnestsA/SQLite_Test</a:t>
-            </a:r>
-            <a:r>
-              <a:rPr lang="en-US" dirty="0"/>
-              <a:t> </a:t>
-            </a:r>
-            <a:r>
-              <a:rPr lang="lv-LV" dirty="0" smtClean="0"/>
-              <a:t>- local database</a:t>
-            </a:r>
-            <a:endParaRPr lang="lv-LV" dirty="0" smtClean="0"/>
-          </a:p>
-          <a:p>
-            <a:pPr lvl="1"/>
-            <a:r>
-              <a:rPr lang="en-US" dirty="0">
-                <a:hlinkClick r:id="rId4"/>
-              </a:rPr>
-              <a:t>https://</a:t>
-            </a:r>
-            <a:r>
-              <a:rPr lang="en-US" dirty="0" smtClean="0">
-                <a:hlinkClick r:id="rId4"/>
-              </a:rPr>
-              <a:t>github.com/LaurisLazda/WebDataReader</a:t>
-            </a:r>
-            <a:r>
-              <a:rPr lang="lv-LV" dirty="0" smtClean="0"/>
-              <a:t> - web scraper</a:t>
-            </a:r>
-            <a:endParaRPr lang="en-US" dirty="0"/>
+            <a:r>
+              <a:rPr lang="lv-LV" dirty="0" smtClean="0"/>
+              <a:t>Junit tests for local DB</a:t>
+            </a:r>
           </a:p>
           <a:p>
             <a:endParaRPr lang="en-US" dirty="0"/>
@@ -5939,7 +6053,7 @@
     </p:spTree>
     <p:extLst>
       <p:ext uri="{BB962C8B-B14F-4D97-AF65-F5344CB8AC3E}">
-        <p14:creationId xmlns:p14="http://schemas.microsoft.com/office/powerpoint/2010/main" val="27205742"/>
+        <p14:creationId xmlns:p14="http://schemas.microsoft.com/office/powerpoint/2010/main" val="3082101261"/>
       </p:ext>
     </p:extLst>
   </p:cSld>
@@ -5990,8 +6104,13 @@
           <a:p>
             <a:r>
               <a:rPr lang="en-US" dirty="0"/>
-              <a:t>Biggest challenges in the project and lessons learned</a:t>
-            </a:r>
+              <a:t>Final overview</a:t>
+            </a:r>
+            <a:r>
+              <a:rPr lang="en-US" dirty="0" smtClean="0"/>
+              <a:t>:</a:t>
+            </a:r>
+            <a:endParaRPr lang="en-US" dirty="0"/>
           </a:p>
         </p:txBody>
       </p:sp>
@@ -6011,43 +6130,86 @@
           <a:lstStyle/>
           <a:p>
             <a:r>
-              <a:rPr lang="lv-LV" dirty="0" smtClean="0"/>
-              <a:t>First time Android application development</a:t>
-            </a:r>
-          </a:p>
-          <a:p>
-            <a:r>
-              <a:rPr lang="lv-LV" dirty="0" smtClean="0"/>
-              <a:t>Web scraper</a:t>
-            </a:r>
-          </a:p>
-          <a:p>
-            <a:r>
-              <a:rPr lang="lv-LV" dirty="0" smtClean="0"/>
-              <a:t>Local database (unresolved)</a:t>
-            </a:r>
-          </a:p>
-          <a:p>
-            <a:r>
-              <a:rPr lang="lv-LV" dirty="0" smtClean="0"/>
-              <a:t>Remote database</a:t>
-            </a:r>
-          </a:p>
-          <a:p>
-            <a:r>
-              <a:rPr lang="lv-LV" dirty="0" smtClean="0"/>
-              <a:t>Documentation</a:t>
-            </a:r>
-          </a:p>
-          <a:p>
+              <a:rPr lang="en-US" dirty="0"/>
+              <a:t>URL to project </a:t>
+            </a:r>
+            <a:r>
+              <a:rPr lang="en-US" dirty="0" smtClean="0"/>
+              <a:t>resources</a:t>
+            </a:r>
+            <a:r>
+              <a:rPr lang="lv-LV" dirty="0" smtClean="0"/>
+              <a:t>:</a:t>
+            </a:r>
             <a:endParaRPr lang="lv-LV" dirty="0" smtClean="0"/>
+          </a:p>
+          <a:p>
+            <a:pPr lvl="1"/>
+            <a:r>
+              <a:rPr lang="en-US" dirty="0">
+                <a:hlinkClick r:id="rId2"/>
+              </a:rPr>
+              <a:t>https://</a:t>
+            </a:r>
+            <a:r>
+              <a:rPr lang="en-US" dirty="0" smtClean="0">
+                <a:hlinkClick r:id="rId2"/>
+              </a:rPr>
+              <a:t>github.com/bricht/piens-un-maize</a:t>
+            </a:r>
+            <a:r>
+              <a:rPr lang="lv-LV" dirty="0" smtClean="0"/>
+              <a:t> - main project</a:t>
+            </a:r>
+            <a:endParaRPr lang="lv-LV" dirty="0" smtClean="0"/>
+          </a:p>
+          <a:p>
+            <a:pPr lvl="1"/>
+            <a:r>
+              <a:rPr lang="en-US" dirty="0">
+                <a:hlinkClick r:id="rId3"/>
+              </a:rPr>
+              <a:t>https://github.com/ErnestsA/SQLite_Test</a:t>
+            </a:r>
+            <a:r>
+              <a:rPr lang="en-US" dirty="0"/>
+              <a:t> </a:t>
+            </a:r>
+            <a:r>
+              <a:rPr lang="lv-LV" dirty="0" smtClean="0"/>
+              <a:t>- local database</a:t>
+            </a:r>
+            <a:endParaRPr lang="lv-LV" dirty="0" smtClean="0"/>
+          </a:p>
+          <a:p>
+            <a:pPr lvl="1"/>
+            <a:r>
+              <a:rPr lang="en-US" dirty="0">
+                <a:hlinkClick r:id="rId4"/>
+              </a:rPr>
+              <a:t>https://</a:t>
+            </a:r>
+            <a:r>
+              <a:rPr lang="en-US" dirty="0" smtClean="0">
+                <a:hlinkClick r:id="rId4"/>
+              </a:rPr>
+              <a:t>github.com/LaurisLazda/WebDataReader</a:t>
+            </a:r>
+            <a:r>
+              <a:rPr lang="lv-LV" dirty="0" smtClean="0"/>
+              <a:t> - web scraper</a:t>
+            </a:r>
+            <a:endParaRPr lang="en-US" dirty="0"/>
+          </a:p>
+          <a:p>
+            <a:endParaRPr lang="en-US" dirty="0"/>
           </a:p>
         </p:txBody>
       </p:sp>
     </p:spTree>
     <p:extLst>
       <p:ext uri="{BB962C8B-B14F-4D97-AF65-F5344CB8AC3E}">
-        <p14:creationId xmlns:p14="http://schemas.microsoft.com/office/powerpoint/2010/main" val="778218044"/>
+        <p14:creationId xmlns:p14="http://schemas.microsoft.com/office/powerpoint/2010/main" val="27205742"/>
       </p:ext>
     </p:extLst>
   </p:cSld>
@@ -6098,7 +6260,7 @@
           <a:p>
             <a:r>
               <a:rPr lang="en-US" dirty="0"/>
-              <a:t>List of team members and their main contribution to project</a:t>
+              <a:t>Biggest challenges in the project and lessons learned</a:t>
             </a:r>
           </a:p>
         </p:txBody>
@@ -6115,267 +6277,47 @@
         </p:nvSpPr>
         <p:spPr/>
         <p:txBody>
-          <a:bodyPr>
-            <a:normAutofit/>
-          </a:bodyPr>
+          <a:bodyPr/>
           <a:lstStyle/>
           <a:p>
             <a:r>
-              <a:rPr lang="lv-LV" b="1" dirty="0" smtClean="0"/>
-              <a:t>Mārtiņš Klevs </a:t>
-            </a:r>
-            <a:r>
-              <a:rPr lang="lv-LV" dirty="0" smtClean="0"/>
-              <a:t>- </a:t>
-            </a:r>
-            <a:r>
-              <a:rPr lang="lv-LV" i="1" dirty="0" smtClean="0"/>
-              <a:t>Front-end</a:t>
-            </a:r>
-            <a:r>
-              <a:rPr lang="lv-LV" dirty="0" smtClean="0"/>
-              <a:t> </a:t>
-            </a:r>
-            <a:r>
-              <a:rPr lang="lv-LV" dirty="0" smtClean="0"/>
-              <a:t>(search </a:t>
-            </a:r>
-            <a:r>
-              <a:rPr lang="lv-LV" dirty="0" smtClean="0"/>
-              <a:t>activities, </a:t>
-            </a:r>
-            <a:r>
-              <a:rPr lang="lv-LV" dirty="0" smtClean="0"/>
-              <a:t>barcode </a:t>
-            </a:r>
-            <a:r>
-              <a:rPr lang="lv-LV" dirty="0" smtClean="0"/>
-              <a:t>implementation)</a:t>
-            </a:r>
-          </a:p>
-          <a:p>
-            <a:r>
-              <a:rPr lang="lv-LV" b="1" dirty="0"/>
-              <a:t>Guntars </a:t>
-            </a:r>
-            <a:r>
-              <a:rPr lang="lv-LV" b="1" dirty="0" smtClean="0"/>
-              <a:t>Bērziņš </a:t>
-            </a:r>
-            <a:r>
-              <a:rPr lang="lv-LV" dirty="0" smtClean="0"/>
-              <a:t>– </a:t>
-            </a:r>
-            <a:r>
-              <a:rPr lang="lv-LV" i="1" dirty="0" smtClean="0"/>
-              <a:t>Back-end</a:t>
-            </a:r>
-            <a:r>
-              <a:rPr lang="lv-LV" dirty="0" smtClean="0"/>
-              <a:t> (remote database)</a:t>
-            </a:r>
-            <a:endParaRPr lang="lv-LV" dirty="0"/>
-          </a:p>
-          <a:p>
-            <a:r>
-              <a:rPr lang="lv-LV" b="1" dirty="0"/>
-              <a:t>Roberts </a:t>
-            </a:r>
-            <a:r>
-              <a:rPr lang="lv-LV" b="1" dirty="0" smtClean="0"/>
-              <a:t>Stašķevičs </a:t>
-            </a:r>
-            <a:r>
-              <a:rPr lang="lv-LV" dirty="0" smtClean="0"/>
-              <a:t>– </a:t>
-            </a:r>
-            <a:r>
-              <a:rPr lang="lv-LV" i="1" dirty="0" smtClean="0"/>
-              <a:t>Front-end</a:t>
-            </a:r>
-            <a:r>
-              <a:rPr lang="lv-LV" dirty="0" smtClean="0"/>
-              <a:t> (</a:t>
-            </a:r>
-            <a:r>
-              <a:rPr lang="lv-LV" dirty="0" smtClean="0"/>
-              <a:t>UI managment, </a:t>
-            </a:r>
-            <a:r>
-              <a:rPr lang="lv-LV" dirty="0" smtClean="0"/>
-              <a:t>git </a:t>
-            </a:r>
-            <a:r>
-              <a:rPr lang="lv-LV" dirty="0" smtClean="0"/>
-              <a:t>management, </a:t>
-            </a:r>
-            <a:r>
-              <a:rPr lang="lv-LV" dirty="0" smtClean="0"/>
-              <a:t>share </a:t>
-            </a:r>
-            <a:r>
-              <a:rPr lang="lv-LV" dirty="0" smtClean="0"/>
-              <a:t>activity layouts)</a:t>
-            </a:r>
-            <a:endParaRPr lang="lv-LV" dirty="0"/>
-          </a:p>
-          <a:p>
-            <a:r>
-              <a:rPr lang="lv-LV" b="1" dirty="0"/>
-              <a:t>Jānis </a:t>
-            </a:r>
-            <a:r>
-              <a:rPr lang="lv-LV" b="1" dirty="0" smtClean="0"/>
-              <a:t>Lazda </a:t>
-            </a:r>
-            <a:r>
-              <a:rPr lang="lv-LV" dirty="0" smtClean="0"/>
-              <a:t>– </a:t>
-            </a:r>
-            <a:r>
-              <a:rPr lang="lv-LV" i="1" dirty="0" smtClean="0"/>
-              <a:t>Back-end</a:t>
-            </a:r>
-            <a:r>
-              <a:rPr lang="lv-LV" dirty="0" smtClean="0"/>
-              <a:t> </a:t>
-            </a:r>
-            <a:r>
-              <a:rPr lang="lv-LV" dirty="0" smtClean="0"/>
-              <a:t>(web </a:t>
-            </a:r>
-            <a:r>
-              <a:rPr lang="lv-LV" dirty="0"/>
-              <a:t>s</a:t>
-            </a:r>
-            <a:r>
-              <a:rPr lang="lv-LV" dirty="0" smtClean="0"/>
-              <a:t>craper</a:t>
-            </a:r>
-            <a:r>
-              <a:rPr lang="lv-LV" dirty="0" smtClean="0"/>
-              <a:t>, remote database population)</a:t>
-            </a:r>
-            <a:endParaRPr lang="lv-LV" dirty="0"/>
-          </a:p>
-          <a:p>
-            <a:r>
-              <a:rPr lang="lv-LV" b="1" dirty="0"/>
-              <a:t>Lauris </a:t>
-            </a:r>
-            <a:r>
-              <a:rPr lang="lv-LV" b="1" dirty="0" smtClean="0"/>
-              <a:t>Lazda </a:t>
-            </a:r>
-            <a:r>
-              <a:rPr lang="lv-LV" dirty="0" smtClean="0"/>
-              <a:t>– </a:t>
-            </a:r>
-            <a:r>
-              <a:rPr lang="lv-LV" i="1" dirty="0" smtClean="0"/>
-              <a:t>Back-end</a:t>
-            </a:r>
-            <a:r>
-              <a:rPr lang="lv-LV" dirty="0" smtClean="0"/>
-              <a:t> </a:t>
-            </a:r>
-            <a:r>
-              <a:rPr lang="lv-LV" dirty="0" smtClean="0"/>
-              <a:t>(web </a:t>
-            </a:r>
-            <a:r>
-              <a:rPr lang="lv-LV" dirty="0"/>
-              <a:t>s</a:t>
-            </a:r>
-            <a:r>
-              <a:rPr lang="lv-LV" dirty="0" smtClean="0"/>
-              <a:t>craper</a:t>
-            </a:r>
-            <a:r>
-              <a:rPr lang="lv-LV" dirty="0" smtClean="0"/>
-              <a:t>) + </a:t>
-            </a:r>
-            <a:r>
-              <a:rPr lang="lv-LV" i="1" dirty="0" smtClean="0"/>
-              <a:t>Front-end</a:t>
-            </a:r>
-            <a:r>
-              <a:rPr lang="lv-LV" dirty="0" smtClean="0"/>
-              <a:t> </a:t>
-            </a:r>
-            <a:r>
-              <a:rPr lang="lv-LV" dirty="0" smtClean="0"/>
-              <a:t>(shopping </a:t>
-            </a:r>
-            <a:r>
-              <a:rPr lang="lv-LV" dirty="0" smtClean="0"/>
-              <a:t>list activities)</a:t>
-            </a:r>
-            <a:endParaRPr lang="lv-LV" dirty="0"/>
-          </a:p>
-          <a:p>
-            <a:r>
-              <a:rPr lang="lv-LV" b="1" dirty="0"/>
-              <a:t>Ernests </a:t>
-            </a:r>
-            <a:r>
-              <a:rPr lang="lv-LV" b="1" dirty="0" smtClean="0"/>
-              <a:t>Auziņš </a:t>
-            </a:r>
-            <a:r>
-              <a:rPr lang="lv-LV" dirty="0" smtClean="0"/>
-              <a:t>– </a:t>
-            </a:r>
-            <a:r>
-              <a:rPr lang="lv-LV" i="1" dirty="0" smtClean="0"/>
-              <a:t>Back-end</a:t>
-            </a:r>
-            <a:r>
-              <a:rPr lang="lv-LV" dirty="0" smtClean="0"/>
-              <a:t> (local SQLite database)</a:t>
-            </a:r>
-            <a:endParaRPr lang="lv-LV" dirty="0"/>
-          </a:p>
-          <a:p>
-            <a:r>
-              <a:rPr lang="lv-LV" b="1" dirty="0"/>
-              <a:t>Jēkabs </a:t>
-            </a:r>
-            <a:r>
-              <a:rPr lang="lv-LV" b="1" dirty="0" smtClean="0"/>
-              <a:t>Aizpurvs </a:t>
-            </a:r>
-            <a:r>
-              <a:rPr lang="lv-LV" dirty="0" smtClean="0"/>
-              <a:t>– </a:t>
-            </a:r>
-            <a:r>
-              <a:rPr lang="lv-LV" i="1" dirty="0" smtClean="0"/>
-              <a:t>Front-end</a:t>
-            </a:r>
-            <a:r>
-              <a:rPr lang="lv-LV" dirty="0" smtClean="0"/>
-              <a:t> (UI planning and managment, </a:t>
-            </a:r>
-            <a:r>
-              <a:rPr lang="lv-LV" dirty="0" smtClean="0"/>
-              <a:t>favorites </a:t>
-            </a:r>
-            <a:r>
-              <a:rPr lang="lv-LV" dirty="0" smtClean="0"/>
-              <a:t>activities)</a:t>
-            </a:r>
-            <a:endParaRPr lang="lv-LV" dirty="0"/>
-          </a:p>
-          <a:p>
-            <a:endParaRPr lang="en-US" dirty="0"/>
+              <a:rPr lang="lv-LV" dirty="0" smtClean="0"/>
+              <a:t>First time Android application development</a:t>
+            </a:r>
+          </a:p>
+          <a:p>
+            <a:r>
+              <a:rPr lang="lv-LV" dirty="0" smtClean="0"/>
+              <a:t>Web scraper</a:t>
+            </a:r>
+          </a:p>
+          <a:p>
+            <a:r>
+              <a:rPr lang="lv-LV" dirty="0" smtClean="0"/>
+              <a:t>Local database (unresolved)</a:t>
+            </a:r>
+          </a:p>
+          <a:p>
+            <a:r>
+              <a:rPr lang="lv-LV" dirty="0" smtClean="0"/>
+              <a:t>Remote database</a:t>
+            </a:r>
+          </a:p>
+          <a:p>
+            <a:r>
+              <a:rPr lang="lv-LV" dirty="0" smtClean="0"/>
+              <a:t>Documentation</a:t>
+            </a:r>
+          </a:p>
+          <a:p>
+            <a:endParaRPr lang="lv-LV" dirty="0" smtClean="0"/>
           </a:p>
         </p:txBody>
       </p:sp>
     </p:spTree>
     <p:extLst>
       <p:ext uri="{BB962C8B-B14F-4D97-AF65-F5344CB8AC3E}">
-        <p14:creationId xmlns:p14="http://schemas.microsoft.com/office/powerpoint/2010/main" val="3265042939"/>
+        <p14:creationId xmlns:p14="http://schemas.microsoft.com/office/powerpoint/2010/main" val="778218044"/>
       </p:ext>
     </p:extLst>
   </p:cSld>
@@ -6426,104 +6368,284 @@
           <a:p>
             <a:r>
               <a:rPr lang="en-US" dirty="0"/>
-              <a:t>Future </a:t>
-            </a:r>
-            <a:r>
-              <a:rPr lang="en-US" dirty="0" smtClean="0"/>
-              <a:t>work</a:t>
-            </a:r>
+              <a:t>List of team members and their main contribution to project</a:t>
+            </a:r>
+          </a:p>
+        </p:txBody>
+      </p:sp>
+      <p:sp>
+        <p:nvSpPr>
+          <p:cNvPr id="3" name="Content Placeholder 2"/>
+          <p:cNvSpPr>
+            <a:spLocks noGrp="1"/>
+          </p:cNvSpPr>
+          <p:nvPr>
+            <p:ph idx="1"/>
+          </p:nvPr>
+        </p:nvSpPr>
+        <p:spPr/>
+        <p:txBody>
+          <a:bodyPr>
+            <a:normAutofit/>
+          </a:bodyPr>
+          <a:lstStyle/>
+          <a:p>
+            <a:r>
+              <a:rPr lang="lv-LV" b="1" dirty="0" smtClean="0"/>
+              <a:t>Mārtiņš Klevs </a:t>
+            </a:r>
+            <a:r>
+              <a:rPr lang="lv-LV" dirty="0" smtClean="0"/>
+              <a:t>- </a:t>
+            </a:r>
+            <a:r>
+              <a:rPr lang="lv-LV" i="1" dirty="0" smtClean="0"/>
+              <a:t>Front-end</a:t>
+            </a:r>
+            <a:r>
+              <a:rPr lang="lv-LV" dirty="0" smtClean="0"/>
+              <a:t> </a:t>
+            </a:r>
+            <a:r>
+              <a:rPr lang="lv-LV" dirty="0" smtClean="0"/>
+              <a:t>(search </a:t>
+            </a:r>
+            <a:r>
+              <a:rPr lang="lv-LV" dirty="0" smtClean="0"/>
+              <a:t>activities, </a:t>
+            </a:r>
+            <a:r>
+              <a:rPr lang="lv-LV" dirty="0" smtClean="0"/>
+              <a:t>barcode </a:t>
+            </a:r>
+            <a:r>
+              <a:rPr lang="lv-LV" dirty="0" smtClean="0"/>
+              <a:t>implementation)</a:t>
+            </a:r>
+          </a:p>
+          <a:p>
+            <a:r>
+              <a:rPr lang="lv-LV" b="1" dirty="0"/>
+              <a:t>Guntars </a:t>
+            </a:r>
+            <a:r>
+              <a:rPr lang="lv-LV" b="1" dirty="0" smtClean="0"/>
+              <a:t>Bērziņš </a:t>
+            </a:r>
+            <a:r>
+              <a:rPr lang="lv-LV" dirty="0" smtClean="0"/>
+              <a:t>– </a:t>
+            </a:r>
+            <a:r>
+              <a:rPr lang="lv-LV" i="1" dirty="0" smtClean="0"/>
+              <a:t>Back-end</a:t>
+            </a:r>
+            <a:r>
+              <a:rPr lang="lv-LV" dirty="0" smtClean="0"/>
+              <a:t> (remote database)</a:t>
+            </a:r>
+            <a:endParaRPr lang="lv-LV" dirty="0"/>
+          </a:p>
+          <a:p>
+            <a:r>
+              <a:rPr lang="lv-LV" b="1" dirty="0"/>
+              <a:t>Roberts </a:t>
+            </a:r>
+            <a:r>
+              <a:rPr lang="lv-LV" b="1" dirty="0" smtClean="0"/>
+              <a:t>Stašķevičs </a:t>
+            </a:r>
+            <a:r>
+              <a:rPr lang="lv-LV" dirty="0" smtClean="0"/>
+              <a:t>– </a:t>
+            </a:r>
+            <a:r>
+              <a:rPr lang="lv-LV" i="1" dirty="0" smtClean="0"/>
+              <a:t>Front-end</a:t>
+            </a:r>
+            <a:r>
+              <a:rPr lang="lv-LV" dirty="0" smtClean="0"/>
+              <a:t> (</a:t>
+            </a:r>
+            <a:r>
+              <a:rPr lang="lv-LV" dirty="0" smtClean="0"/>
+              <a:t>UI managment, </a:t>
+            </a:r>
+            <a:r>
+              <a:rPr lang="lv-LV" dirty="0" smtClean="0"/>
+              <a:t>git </a:t>
+            </a:r>
+            <a:r>
+              <a:rPr lang="lv-LV" dirty="0" smtClean="0"/>
+              <a:t>management, </a:t>
+            </a:r>
+            <a:r>
+              <a:rPr lang="lv-LV" dirty="0" smtClean="0"/>
+              <a:t>share </a:t>
+            </a:r>
+            <a:r>
+              <a:rPr lang="lv-LV" dirty="0" smtClean="0"/>
+              <a:t>activity layouts)</a:t>
+            </a:r>
+            <a:endParaRPr lang="lv-LV" dirty="0"/>
+          </a:p>
+          <a:p>
+            <a:r>
+              <a:rPr lang="lv-LV" b="1" dirty="0"/>
+              <a:t>Jānis </a:t>
+            </a:r>
+            <a:r>
+              <a:rPr lang="lv-LV" b="1" dirty="0" smtClean="0"/>
+              <a:t>Lazda </a:t>
+            </a:r>
+            <a:r>
+              <a:rPr lang="lv-LV" dirty="0" smtClean="0"/>
+              <a:t>– </a:t>
+            </a:r>
+            <a:r>
+              <a:rPr lang="lv-LV" i="1" dirty="0" smtClean="0"/>
+              <a:t>Back-end</a:t>
+            </a:r>
+            <a:r>
+              <a:rPr lang="lv-LV" dirty="0" smtClean="0"/>
+              <a:t> </a:t>
+            </a:r>
+            <a:r>
+              <a:rPr lang="lv-LV" dirty="0" smtClean="0"/>
+              <a:t>(web </a:t>
+            </a:r>
+            <a:r>
+              <a:rPr lang="lv-LV" dirty="0"/>
+              <a:t>s</a:t>
+            </a:r>
+            <a:r>
+              <a:rPr lang="lv-LV" dirty="0" smtClean="0"/>
+              <a:t>craper</a:t>
+            </a:r>
+            <a:r>
+              <a:rPr lang="lv-LV" dirty="0" smtClean="0"/>
+              <a:t>, remote database population)</a:t>
+            </a:r>
+            <a:endParaRPr lang="lv-LV" dirty="0"/>
+          </a:p>
+          <a:p>
+            <a:r>
+              <a:rPr lang="lv-LV" b="1" dirty="0"/>
+              <a:t>Lauris </a:t>
+            </a:r>
+            <a:r>
+              <a:rPr lang="lv-LV" b="1" dirty="0" smtClean="0"/>
+              <a:t>Lazda </a:t>
+            </a:r>
+            <a:r>
+              <a:rPr lang="lv-LV" dirty="0" smtClean="0"/>
+              <a:t>– </a:t>
+            </a:r>
+            <a:r>
+              <a:rPr lang="lv-LV" i="1" dirty="0" smtClean="0"/>
+              <a:t>Back-end</a:t>
+            </a:r>
+            <a:r>
+              <a:rPr lang="lv-LV" dirty="0" smtClean="0"/>
+              <a:t> </a:t>
+            </a:r>
+            <a:r>
+              <a:rPr lang="lv-LV" dirty="0" smtClean="0"/>
+              <a:t>(web </a:t>
+            </a:r>
+            <a:r>
+              <a:rPr lang="lv-LV" dirty="0"/>
+              <a:t>s</a:t>
+            </a:r>
+            <a:r>
+              <a:rPr lang="lv-LV" dirty="0" smtClean="0"/>
+              <a:t>craper</a:t>
+            </a:r>
+            <a:r>
+              <a:rPr lang="lv-LV" dirty="0" smtClean="0"/>
+              <a:t>) + </a:t>
+            </a:r>
+            <a:r>
+              <a:rPr lang="lv-LV" i="1" dirty="0" smtClean="0"/>
+              <a:t>Front-end</a:t>
+            </a:r>
+            <a:r>
+              <a:rPr lang="lv-LV" dirty="0" smtClean="0"/>
+              <a:t> </a:t>
+            </a:r>
+            <a:r>
+              <a:rPr lang="lv-LV" dirty="0" smtClean="0"/>
+              <a:t>(shopping </a:t>
+            </a:r>
+            <a:r>
+              <a:rPr lang="lv-LV" dirty="0" smtClean="0"/>
+              <a:t>list activities)</a:t>
+            </a:r>
+            <a:endParaRPr lang="lv-LV" dirty="0"/>
+          </a:p>
+          <a:p>
+            <a:r>
+              <a:rPr lang="lv-LV" b="1" dirty="0"/>
+              <a:t>Ernests </a:t>
+            </a:r>
+            <a:r>
+              <a:rPr lang="lv-LV" b="1" dirty="0" smtClean="0"/>
+              <a:t>Auziņš </a:t>
+            </a:r>
+            <a:r>
+              <a:rPr lang="lv-LV" dirty="0" smtClean="0"/>
+              <a:t>– </a:t>
+            </a:r>
+            <a:r>
+              <a:rPr lang="lv-LV" i="1" dirty="0" smtClean="0"/>
+              <a:t>Back-end</a:t>
+            </a:r>
+            <a:r>
+              <a:rPr lang="lv-LV" dirty="0" smtClean="0"/>
+              <a:t> (local SQLite database)</a:t>
+            </a:r>
+            <a:endParaRPr lang="lv-LV" dirty="0"/>
+          </a:p>
+          <a:p>
+            <a:r>
+              <a:rPr lang="lv-LV" b="1" dirty="0"/>
+              <a:t>Jēkabs </a:t>
+            </a:r>
+            <a:r>
+              <a:rPr lang="lv-LV" b="1" dirty="0" smtClean="0"/>
+              <a:t>Aizpurvs </a:t>
+            </a:r>
+            <a:r>
+              <a:rPr lang="lv-LV" dirty="0" smtClean="0"/>
+              <a:t>– </a:t>
+            </a:r>
+            <a:r>
+              <a:rPr lang="lv-LV" i="1" dirty="0" smtClean="0"/>
+              <a:t>Front-end</a:t>
+            </a:r>
+            <a:r>
+              <a:rPr lang="lv-LV" dirty="0" smtClean="0"/>
+              <a:t> (UI planning and managment, </a:t>
+            </a:r>
+            <a:r>
+              <a:rPr lang="lv-LV" dirty="0" smtClean="0"/>
+              <a:t>favorites </a:t>
+            </a:r>
+            <a:r>
+              <a:rPr lang="lv-LV" dirty="0" smtClean="0"/>
+              <a:t>activities)</a:t>
+            </a:r>
+            <a:endParaRPr lang="lv-LV" dirty="0"/>
+          </a:p>
+          <a:p>
             <a:endParaRPr lang="en-US" dirty="0"/>
-          </a:p>
-        </p:txBody>
-      </p:sp>
-      <p:sp>
-        <p:nvSpPr>
-          <p:cNvPr id="3" name="Content Placeholder 2"/>
-          <p:cNvSpPr>
-            <a:spLocks noGrp="1"/>
-          </p:cNvSpPr>
-          <p:nvPr>
-            <p:ph idx="1"/>
-          </p:nvPr>
-        </p:nvSpPr>
-        <p:spPr/>
-        <p:txBody>
-          <a:bodyPr/>
-          <a:lstStyle/>
-          <a:p>
-            <a:r>
-              <a:rPr lang="lv-LV" dirty="0" smtClean="0"/>
-              <a:t>Implement </a:t>
-            </a:r>
-            <a:r>
-              <a:rPr lang="lv-LV" dirty="0" smtClean="0"/>
-              <a:t>Categories</a:t>
-            </a:r>
-            <a:endParaRPr lang="lv-LV" dirty="0" smtClean="0"/>
-          </a:p>
-          <a:p>
-            <a:r>
-              <a:rPr lang="lv-LV" dirty="0" smtClean="0"/>
-              <a:t>Get </a:t>
-            </a:r>
-            <a:r>
-              <a:rPr lang="lv-LV" dirty="0"/>
-              <a:t>product prices </a:t>
-            </a:r>
-            <a:r>
-              <a:rPr lang="lv-LV" dirty="0" smtClean="0"/>
-              <a:t>from Maxima</a:t>
-            </a:r>
-            <a:r>
-              <a:rPr lang="lv-LV" dirty="0" smtClean="0"/>
-              <a:t>, Elvi, Lats et cetera</a:t>
-            </a:r>
-            <a:endParaRPr lang="lv-LV" dirty="0" smtClean="0"/>
-          </a:p>
-          <a:p>
-            <a:r>
-              <a:rPr lang="lv-LV" dirty="0" smtClean="0"/>
-              <a:t>Implement multiple user database </a:t>
-            </a:r>
-            <a:r>
-              <a:rPr lang="lv-LV" dirty="0" smtClean="0"/>
-              <a:t>usage</a:t>
-            </a:r>
-            <a:endParaRPr lang="lv-LV" dirty="0" smtClean="0"/>
-          </a:p>
-          <a:p>
-            <a:r>
-              <a:rPr lang="lv-LV" dirty="0" smtClean="0"/>
-              <a:t>Sort list of products by </a:t>
-            </a:r>
-            <a:r>
-              <a:rPr lang="lv-LV" dirty="0" smtClean="0"/>
-              <a:t>price</a:t>
-            </a:r>
-            <a:endParaRPr lang="lv-LV" dirty="0" smtClean="0"/>
-          </a:p>
-          <a:p>
-            <a:r>
-              <a:rPr lang="lv-LV" dirty="0" smtClean="0"/>
-              <a:t>Overcome app.rimi.lv</a:t>
-            </a:r>
-          </a:p>
-          <a:p>
-            <a:r>
-              <a:rPr lang="lv-LV" smtClean="0"/>
-              <a:t>Show nearest shop</a:t>
-            </a:r>
-            <a:endParaRPr lang="lv-LV" dirty="0" smtClean="0"/>
-          </a:p>
-          <a:p>
-            <a:endParaRPr lang="lv-LV" dirty="0" smtClean="0"/>
           </a:p>
         </p:txBody>
       </p:sp>
     </p:spTree>
     <p:extLst>
       <p:ext uri="{BB962C8B-B14F-4D97-AF65-F5344CB8AC3E}">
-        <p14:creationId xmlns:p14="http://schemas.microsoft.com/office/powerpoint/2010/main" val="2435937612"/>
+        <p14:creationId xmlns:p14="http://schemas.microsoft.com/office/powerpoint/2010/main" val="3265042939"/>
       </p:ext>
     </p:extLst>
   </p:cSld>
